--- a/Project1.pptx
+++ b/Project1.pptx
@@ -5,6 +5,9 @@
     <p:sldMasterId id="2147483648" r:id="rId1"/>
     <p:sldMasterId id="2147483660" r:id="rId2"/>
   </p:sldMasterIdLst>
+  <p:notesMasterIdLst>
+    <p:notesMasterId r:id="rId26"/>
+  </p:notesMasterIdLst>
   <p:sldIdLst>
     <p:sldId id="267" r:id="rId3"/>
     <p:sldId id="268" r:id="rId4"/>
@@ -19,21 +22,16 @@
     <p:sldId id="294" r:id="rId13"/>
     <p:sldId id="290" r:id="rId14"/>
     <p:sldId id="272" r:id="rId15"/>
-    <p:sldId id="284" r:id="rId16"/>
+    <p:sldId id="273" r:id="rId16"/>
     <p:sldId id="285" r:id="rId17"/>
     <p:sldId id="293" r:id="rId18"/>
-    <p:sldId id="273" r:id="rId19"/>
-    <p:sldId id="275" r:id="rId20"/>
-    <p:sldId id="276" r:id="rId21"/>
-    <p:sldId id="277" r:id="rId22"/>
-    <p:sldId id="288" r:id="rId23"/>
-    <p:sldId id="278" r:id="rId24"/>
-    <p:sldId id="264" r:id="rId25"/>
-    <p:sldId id="265" r:id="rId26"/>
-    <p:sldId id="286" r:id="rId27"/>
-    <p:sldId id="292" r:id="rId28"/>
-    <p:sldId id="287" r:id="rId29"/>
-    <p:sldId id="289" r:id="rId30"/>
+    <p:sldId id="275" r:id="rId19"/>
+    <p:sldId id="288" r:id="rId20"/>
+    <p:sldId id="278" r:id="rId21"/>
+    <p:sldId id="286" r:id="rId22"/>
+    <p:sldId id="292" r:id="rId23"/>
+    <p:sldId id="289" r:id="rId24"/>
+    <p:sldId id="287" r:id="rId25"/>
   </p:sldIdLst>
   <p:sldSz cx="12192000" cy="6858000"/>
   <p:notesSz cx="6858000" cy="9144000"/>
@@ -133,11 +131,1223 @@
     </a:lvl9pPr>
   </p:defaultTextStyle>
   <p:extLst>
+    <p:ext uri="{521415D9-36F7-43E2-AB2F-B90AF26B5E84}">
+      <p14:sectionLst xmlns:p14="http://schemas.microsoft.com/office/powerpoint/2010/main">
+        <p14:section name="Default Section" id="{28DCC7FB-B809-D543-9CD5-9F4DD2CE5399}">
+          <p14:sldIdLst>
+            <p14:sldId id="267"/>
+            <p14:sldId id="268"/>
+            <p14:sldId id="269"/>
+            <p14:sldId id="270"/>
+            <p14:sldId id="279"/>
+          </p14:sldIdLst>
+        </p14:section>
+        <p14:section name="Helen" id="{2AD5D08E-588A-B549-ADA7-C2C5B2960A3A}">
+          <p14:sldIdLst>
+            <p14:sldId id="271"/>
+            <p14:sldId id="282"/>
+            <p14:sldId id="280"/>
+            <p14:sldId id="283"/>
+            <p14:sldId id="281"/>
+            <p14:sldId id="294"/>
+          </p14:sldIdLst>
+        </p14:section>
+        <p14:section name="Steph" id="{B65D08D1-4DFC-6543-B735-F4D2E9F62443}">
+          <p14:sldIdLst>
+            <p14:sldId id="290"/>
+            <p14:sldId id="272"/>
+            <p14:sldId id="273"/>
+            <p14:sldId id="285"/>
+            <p14:sldId id="293"/>
+            <p14:sldId id="275"/>
+            <p14:sldId id="288"/>
+            <p14:sldId id="278"/>
+            <p14:sldId id="286"/>
+          </p14:sldIdLst>
+        </p14:section>
+        <p14:section name="Sam" id="{D36404AC-1B41-504A-9701-6CE3D41C7FD5}">
+          <p14:sldIdLst>
+            <p14:sldId id="292"/>
+            <p14:sldId id="289"/>
+            <p14:sldId id="287"/>
+          </p14:sldIdLst>
+        </p14:section>
+      </p14:sectionLst>
+    </p:ext>
     <p:ext uri="{EFAFB233-063F-42B5-8137-9DF3F51BA10A}">
       <p15:sldGuideLst xmlns:p15="http://schemas.microsoft.com/office/powerpoint/2012/main"/>
     </p:ext>
   </p:extLst>
 </p:presentation>
+</file>
+
+<file path=ppt/notesMasters/notesMaster1.xml><?xml version="1.0" encoding="utf-8"?>
+<p:notesMaster xmlns:a="http://schemas.openxmlformats.org/drawingml/2006/main" xmlns:r="http://schemas.openxmlformats.org/officeDocument/2006/relationships" xmlns:p="http://schemas.openxmlformats.org/presentationml/2006/main">
+  <p:cSld>
+    <p:bg>
+      <p:bgRef idx="1001">
+        <a:schemeClr val="bg1"/>
+      </p:bgRef>
+    </p:bg>
+    <p:spTree>
+      <p:nvGrpSpPr>
+        <p:cNvPr id="1" name=""/>
+        <p:cNvGrpSpPr/>
+        <p:nvPr/>
+      </p:nvGrpSpPr>
+      <p:grpSpPr>
+        <a:xfrm>
+          <a:off x="0" y="0"/>
+          <a:ext cx="0" cy="0"/>
+          <a:chOff x="0" y="0"/>
+          <a:chExt cx="0" cy="0"/>
+        </a:xfrm>
+      </p:grpSpPr>
+      <p:sp>
+        <p:nvSpPr>
+          <p:cNvPr id="2" name="Header Placeholder 1"/>
+          <p:cNvSpPr>
+            <a:spLocks noGrp="1"/>
+          </p:cNvSpPr>
+          <p:nvPr>
+            <p:ph type="hdr" sz="quarter"/>
+          </p:nvPr>
+        </p:nvSpPr>
+        <p:spPr>
+          <a:xfrm>
+            <a:off x="0" y="0"/>
+            <a:ext cx="2971800" cy="458788"/>
+          </a:xfrm>
+          <a:prstGeom prst="rect">
+            <a:avLst/>
+          </a:prstGeom>
+        </p:spPr>
+        <p:txBody>
+          <a:bodyPr vert="horz" lIns="91440" tIns="45720" rIns="91440" bIns="45720" rtlCol="0"/>
+          <a:lstStyle>
+            <a:lvl1pPr algn="l">
+              <a:defRPr sz="1200"/>
+            </a:lvl1pPr>
+          </a:lstStyle>
+          <a:p>
+            <a:endParaRPr lang="en-US"/>
+          </a:p>
+        </p:txBody>
+      </p:sp>
+      <p:sp>
+        <p:nvSpPr>
+          <p:cNvPr id="3" name="Date Placeholder 2"/>
+          <p:cNvSpPr>
+            <a:spLocks noGrp="1"/>
+          </p:cNvSpPr>
+          <p:nvPr>
+            <p:ph type="dt" idx="1"/>
+          </p:nvPr>
+        </p:nvSpPr>
+        <p:spPr>
+          <a:xfrm>
+            <a:off x="3884613" y="0"/>
+            <a:ext cx="2971800" cy="458788"/>
+          </a:xfrm>
+          <a:prstGeom prst="rect">
+            <a:avLst/>
+          </a:prstGeom>
+        </p:spPr>
+        <p:txBody>
+          <a:bodyPr vert="horz" lIns="91440" tIns="45720" rIns="91440" bIns="45720" rtlCol="0"/>
+          <a:lstStyle>
+            <a:lvl1pPr algn="r">
+              <a:defRPr sz="1200"/>
+            </a:lvl1pPr>
+          </a:lstStyle>
+          <a:p>
+            <a:fld id="{4B945195-BE4E-9642-ABB8-553B82F17F0E}" type="datetimeFigureOut">
+              <a:rPr lang="en-US" smtClean="0"/>
+              <a:t>5/3/21</a:t>
+            </a:fld>
+            <a:endParaRPr lang="en-US"/>
+          </a:p>
+        </p:txBody>
+      </p:sp>
+      <p:sp>
+        <p:nvSpPr>
+          <p:cNvPr id="4" name="Slide Image Placeholder 3"/>
+          <p:cNvSpPr>
+            <a:spLocks noGrp="1" noRot="1" noChangeAspect="1"/>
+          </p:cNvSpPr>
+          <p:nvPr>
+            <p:ph type="sldImg" idx="2"/>
+          </p:nvPr>
+        </p:nvSpPr>
+        <p:spPr>
+          <a:xfrm>
+            <a:off x="685800" y="1143000"/>
+            <a:ext cx="5486400" cy="3086100"/>
+          </a:xfrm>
+          <a:prstGeom prst="rect">
+            <a:avLst/>
+          </a:prstGeom>
+          <a:noFill/>
+          <a:ln w="12700">
+            <a:solidFill>
+              <a:prstClr val="black"/>
+            </a:solidFill>
+          </a:ln>
+        </p:spPr>
+        <p:txBody>
+          <a:bodyPr vert="horz" lIns="91440" tIns="45720" rIns="91440" bIns="45720" rtlCol="0" anchor="ctr"/>
+          <a:lstStyle/>
+          <a:p>
+            <a:endParaRPr lang="en-US"/>
+          </a:p>
+        </p:txBody>
+      </p:sp>
+      <p:sp>
+        <p:nvSpPr>
+          <p:cNvPr id="5" name="Notes Placeholder 4"/>
+          <p:cNvSpPr>
+            <a:spLocks noGrp="1"/>
+          </p:cNvSpPr>
+          <p:nvPr>
+            <p:ph type="body" sz="quarter" idx="3"/>
+          </p:nvPr>
+        </p:nvSpPr>
+        <p:spPr>
+          <a:xfrm>
+            <a:off x="685800" y="4400550"/>
+            <a:ext cx="5486400" cy="3600450"/>
+          </a:xfrm>
+          <a:prstGeom prst="rect">
+            <a:avLst/>
+          </a:prstGeom>
+        </p:spPr>
+        <p:txBody>
+          <a:bodyPr vert="horz" lIns="91440" tIns="45720" rIns="91440" bIns="45720" rtlCol="0"/>
+          <a:lstStyle/>
+          <a:p>
+            <a:pPr lvl="0"/>
+            <a:r>
+              <a:rPr lang="en-GB"/>
+              <a:t>Click to edit Master text styles</a:t>
+            </a:r>
+          </a:p>
+          <a:p>
+            <a:pPr lvl="1"/>
+            <a:r>
+              <a:rPr lang="en-GB"/>
+              <a:t>Second level</a:t>
+            </a:r>
+          </a:p>
+          <a:p>
+            <a:pPr lvl="2"/>
+            <a:r>
+              <a:rPr lang="en-GB"/>
+              <a:t>Third level</a:t>
+            </a:r>
+          </a:p>
+          <a:p>
+            <a:pPr lvl="3"/>
+            <a:r>
+              <a:rPr lang="en-GB"/>
+              <a:t>Fourth level</a:t>
+            </a:r>
+          </a:p>
+          <a:p>
+            <a:pPr lvl="4"/>
+            <a:r>
+              <a:rPr lang="en-GB"/>
+              <a:t>Fifth level</a:t>
+            </a:r>
+            <a:endParaRPr lang="en-US"/>
+          </a:p>
+        </p:txBody>
+      </p:sp>
+      <p:sp>
+        <p:nvSpPr>
+          <p:cNvPr id="6" name="Footer Placeholder 5"/>
+          <p:cNvSpPr>
+            <a:spLocks noGrp="1"/>
+          </p:cNvSpPr>
+          <p:nvPr>
+            <p:ph type="ftr" sz="quarter" idx="4"/>
+          </p:nvPr>
+        </p:nvSpPr>
+        <p:spPr>
+          <a:xfrm>
+            <a:off x="0" y="8685213"/>
+            <a:ext cx="2971800" cy="458787"/>
+          </a:xfrm>
+          <a:prstGeom prst="rect">
+            <a:avLst/>
+          </a:prstGeom>
+        </p:spPr>
+        <p:txBody>
+          <a:bodyPr vert="horz" lIns="91440" tIns="45720" rIns="91440" bIns="45720" rtlCol="0" anchor="b"/>
+          <a:lstStyle>
+            <a:lvl1pPr algn="l">
+              <a:defRPr sz="1200"/>
+            </a:lvl1pPr>
+          </a:lstStyle>
+          <a:p>
+            <a:endParaRPr lang="en-US"/>
+          </a:p>
+        </p:txBody>
+      </p:sp>
+      <p:sp>
+        <p:nvSpPr>
+          <p:cNvPr id="7" name="Slide Number Placeholder 6"/>
+          <p:cNvSpPr>
+            <a:spLocks noGrp="1"/>
+          </p:cNvSpPr>
+          <p:nvPr>
+            <p:ph type="sldNum" sz="quarter" idx="5"/>
+          </p:nvPr>
+        </p:nvSpPr>
+        <p:spPr>
+          <a:xfrm>
+            <a:off x="3884613" y="8685213"/>
+            <a:ext cx="2971800" cy="458787"/>
+          </a:xfrm>
+          <a:prstGeom prst="rect">
+            <a:avLst/>
+          </a:prstGeom>
+        </p:spPr>
+        <p:txBody>
+          <a:bodyPr vert="horz" lIns="91440" tIns="45720" rIns="91440" bIns="45720" rtlCol="0" anchor="b"/>
+          <a:lstStyle>
+            <a:lvl1pPr algn="r">
+              <a:defRPr sz="1200"/>
+            </a:lvl1pPr>
+          </a:lstStyle>
+          <a:p>
+            <a:fld id="{EED2E110-0AF6-3D41-B980-086EE421B366}" type="slidenum">
+              <a:rPr lang="en-US" smtClean="0"/>
+              <a:t>‹#›</a:t>
+            </a:fld>
+            <a:endParaRPr lang="en-US"/>
+          </a:p>
+        </p:txBody>
+      </p:sp>
+    </p:spTree>
+    <p:extLst>
+      <p:ext uri="{BB962C8B-B14F-4D97-AF65-F5344CB8AC3E}">
+        <p14:creationId xmlns:p14="http://schemas.microsoft.com/office/powerpoint/2010/main" val="3004637486"/>
+      </p:ext>
+    </p:extLst>
+  </p:cSld>
+  <p:clrMap bg1="lt1" tx1="dk1" bg2="lt2" tx2="dk2" accent1="accent1" accent2="accent2" accent3="accent3" accent4="accent4" accent5="accent5" accent6="accent6" hlink="hlink" folHlink="folHlink"/>
+  <p:notesStyle>
+    <a:lvl1pPr marL="0" algn="l" defTabSz="914400" rtl="0" eaLnBrk="1" latinLnBrk="0" hangingPunct="1">
+      <a:defRPr sz="1200" kern="1200">
+        <a:solidFill>
+          <a:schemeClr val="tx1"/>
+        </a:solidFill>
+        <a:latin typeface="+mn-lt"/>
+        <a:ea typeface="+mn-ea"/>
+        <a:cs typeface="+mn-cs"/>
+      </a:defRPr>
+    </a:lvl1pPr>
+    <a:lvl2pPr marL="457200" algn="l" defTabSz="914400" rtl="0" eaLnBrk="1" latinLnBrk="0" hangingPunct="1">
+      <a:defRPr sz="1200" kern="1200">
+        <a:solidFill>
+          <a:schemeClr val="tx1"/>
+        </a:solidFill>
+        <a:latin typeface="+mn-lt"/>
+        <a:ea typeface="+mn-ea"/>
+        <a:cs typeface="+mn-cs"/>
+      </a:defRPr>
+    </a:lvl2pPr>
+    <a:lvl3pPr marL="914400" algn="l" defTabSz="914400" rtl="0" eaLnBrk="1" latinLnBrk="0" hangingPunct="1">
+      <a:defRPr sz="1200" kern="1200">
+        <a:solidFill>
+          <a:schemeClr val="tx1"/>
+        </a:solidFill>
+        <a:latin typeface="+mn-lt"/>
+        <a:ea typeface="+mn-ea"/>
+        <a:cs typeface="+mn-cs"/>
+      </a:defRPr>
+    </a:lvl3pPr>
+    <a:lvl4pPr marL="1371600" algn="l" defTabSz="914400" rtl="0" eaLnBrk="1" latinLnBrk="0" hangingPunct="1">
+      <a:defRPr sz="1200" kern="1200">
+        <a:solidFill>
+          <a:schemeClr val="tx1"/>
+        </a:solidFill>
+        <a:latin typeface="+mn-lt"/>
+        <a:ea typeface="+mn-ea"/>
+        <a:cs typeface="+mn-cs"/>
+      </a:defRPr>
+    </a:lvl4pPr>
+    <a:lvl5pPr marL="1828800" algn="l" defTabSz="914400" rtl="0" eaLnBrk="1" latinLnBrk="0" hangingPunct="1">
+      <a:defRPr sz="1200" kern="1200">
+        <a:solidFill>
+          <a:schemeClr val="tx1"/>
+        </a:solidFill>
+        <a:latin typeface="+mn-lt"/>
+        <a:ea typeface="+mn-ea"/>
+        <a:cs typeface="+mn-cs"/>
+      </a:defRPr>
+    </a:lvl5pPr>
+    <a:lvl6pPr marL="2286000" algn="l" defTabSz="914400" rtl="0" eaLnBrk="1" latinLnBrk="0" hangingPunct="1">
+      <a:defRPr sz="1200" kern="1200">
+        <a:solidFill>
+          <a:schemeClr val="tx1"/>
+        </a:solidFill>
+        <a:latin typeface="+mn-lt"/>
+        <a:ea typeface="+mn-ea"/>
+        <a:cs typeface="+mn-cs"/>
+      </a:defRPr>
+    </a:lvl6pPr>
+    <a:lvl7pPr marL="2743200" algn="l" defTabSz="914400" rtl="0" eaLnBrk="1" latinLnBrk="0" hangingPunct="1">
+      <a:defRPr sz="1200" kern="1200">
+        <a:solidFill>
+          <a:schemeClr val="tx1"/>
+        </a:solidFill>
+        <a:latin typeface="+mn-lt"/>
+        <a:ea typeface="+mn-ea"/>
+        <a:cs typeface="+mn-cs"/>
+      </a:defRPr>
+    </a:lvl7pPr>
+    <a:lvl8pPr marL="3200400" algn="l" defTabSz="914400" rtl="0" eaLnBrk="1" latinLnBrk="0" hangingPunct="1">
+      <a:defRPr sz="1200" kern="1200">
+        <a:solidFill>
+          <a:schemeClr val="tx1"/>
+        </a:solidFill>
+        <a:latin typeface="+mn-lt"/>
+        <a:ea typeface="+mn-ea"/>
+        <a:cs typeface="+mn-cs"/>
+      </a:defRPr>
+    </a:lvl8pPr>
+    <a:lvl9pPr marL="3657600" algn="l" defTabSz="914400" rtl="0" eaLnBrk="1" latinLnBrk="0" hangingPunct="1">
+      <a:defRPr sz="1200" kern="1200">
+        <a:solidFill>
+          <a:schemeClr val="tx1"/>
+        </a:solidFill>
+        <a:latin typeface="+mn-lt"/>
+        <a:ea typeface="+mn-ea"/>
+        <a:cs typeface="+mn-cs"/>
+      </a:defRPr>
+    </a:lvl9pPr>
+  </p:notesStyle>
+</p:notesMaster>
+</file>
+
+<file path=ppt/notesSlides/notesSlide1.xml><?xml version="1.0" encoding="utf-8"?>
+<p:notes xmlns:a="http://schemas.openxmlformats.org/drawingml/2006/main" xmlns:r="http://schemas.openxmlformats.org/officeDocument/2006/relationships" xmlns:p="http://schemas.openxmlformats.org/presentationml/2006/main">
+  <p:cSld>
+    <p:spTree>
+      <p:nvGrpSpPr>
+        <p:cNvPr id="1" name=""/>
+        <p:cNvGrpSpPr/>
+        <p:nvPr/>
+      </p:nvGrpSpPr>
+      <p:grpSpPr>
+        <a:xfrm>
+          <a:off x="0" y="0"/>
+          <a:ext cx="0" cy="0"/>
+          <a:chOff x="0" y="0"/>
+          <a:chExt cx="0" cy="0"/>
+        </a:xfrm>
+      </p:grpSpPr>
+      <p:sp>
+        <p:nvSpPr>
+          <p:cNvPr id="2" name="Slide Image Placeholder 1"/>
+          <p:cNvSpPr>
+            <a:spLocks noGrp="1" noRot="1" noChangeAspect="1"/>
+          </p:cNvSpPr>
+          <p:nvPr>
+            <p:ph type="sldImg"/>
+          </p:nvPr>
+        </p:nvSpPr>
+        <p:spPr/>
+      </p:sp>
+      <p:sp>
+        <p:nvSpPr>
+          <p:cNvPr id="3" name="Notes Placeholder 2"/>
+          <p:cNvSpPr>
+            <a:spLocks noGrp="1"/>
+          </p:cNvSpPr>
+          <p:nvPr>
+            <p:ph type="body" idx="1"/>
+          </p:nvPr>
+        </p:nvSpPr>
+        <p:spPr/>
+        <p:txBody>
+          <a:bodyPr/>
+          <a:lstStyle/>
+          <a:p>
+            <a:endParaRPr lang="en-US" dirty="0"/>
+          </a:p>
+        </p:txBody>
+      </p:sp>
+      <p:sp>
+        <p:nvSpPr>
+          <p:cNvPr id="4" name="Slide Number Placeholder 3"/>
+          <p:cNvSpPr>
+            <a:spLocks noGrp="1"/>
+          </p:cNvSpPr>
+          <p:nvPr>
+            <p:ph type="sldNum" sz="quarter" idx="5"/>
+          </p:nvPr>
+        </p:nvSpPr>
+        <p:spPr/>
+        <p:txBody>
+          <a:bodyPr/>
+          <a:lstStyle/>
+          <a:p>
+            <a:fld id="{EED2E110-0AF6-3D41-B980-086EE421B366}" type="slidenum">
+              <a:rPr lang="en-US" smtClean="0"/>
+              <a:t>1</a:t>
+            </a:fld>
+            <a:endParaRPr lang="en-US"/>
+          </a:p>
+        </p:txBody>
+      </p:sp>
+    </p:spTree>
+    <p:extLst>
+      <p:ext uri="{BB962C8B-B14F-4D97-AF65-F5344CB8AC3E}">
+        <p14:creationId xmlns:p14="http://schemas.microsoft.com/office/powerpoint/2010/main" val="1520113566"/>
+      </p:ext>
+    </p:extLst>
+  </p:cSld>
+  <p:clrMapOvr>
+    <a:masterClrMapping/>
+  </p:clrMapOvr>
+</p:notes>
+</file>
+
+<file path=ppt/notesSlides/notesSlide2.xml><?xml version="1.0" encoding="utf-8"?>
+<p:notes xmlns:a="http://schemas.openxmlformats.org/drawingml/2006/main" xmlns:r="http://schemas.openxmlformats.org/officeDocument/2006/relationships" xmlns:p="http://schemas.openxmlformats.org/presentationml/2006/main">
+  <p:cSld>
+    <p:spTree>
+      <p:nvGrpSpPr>
+        <p:cNvPr id="1" name=""/>
+        <p:cNvGrpSpPr/>
+        <p:nvPr/>
+      </p:nvGrpSpPr>
+      <p:grpSpPr>
+        <a:xfrm>
+          <a:off x="0" y="0"/>
+          <a:ext cx="0" cy="0"/>
+          <a:chOff x="0" y="0"/>
+          <a:chExt cx="0" cy="0"/>
+        </a:xfrm>
+      </p:grpSpPr>
+      <p:sp>
+        <p:nvSpPr>
+          <p:cNvPr id="2" name="Slide Image Placeholder 1"/>
+          <p:cNvSpPr>
+            <a:spLocks noGrp="1" noRot="1" noChangeAspect="1"/>
+          </p:cNvSpPr>
+          <p:nvPr>
+            <p:ph type="sldImg"/>
+          </p:nvPr>
+        </p:nvSpPr>
+        <p:spPr/>
+      </p:sp>
+      <p:sp>
+        <p:nvSpPr>
+          <p:cNvPr id="3" name="Notes Placeholder 2"/>
+          <p:cNvSpPr>
+            <a:spLocks noGrp="1"/>
+          </p:cNvSpPr>
+          <p:nvPr>
+            <p:ph type="body" idx="1"/>
+          </p:nvPr>
+        </p:nvSpPr>
+        <p:spPr/>
+        <p:txBody>
+          <a:bodyPr/>
+          <a:lstStyle/>
+          <a:p>
+            <a:endParaRPr lang="en-US" dirty="0"/>
+          </a:p>
+        </p:txBody>
+      </p:sp>
+      <p:sp>
+        <p:nvSpPr>
+          <p:cNvPr id="4" name="Slide Number Placeholder 3"/>
+          <p:cNvSpPr>
+            <a:spLocks noGrp="1"/>
+          </p:cNvSpPr>
+          <p:nvPr>
+            <p:ph type="sldNum" sz="quarter" idx="5"/>
+          </p:nvPr>
+        </p:nvSpPr>
+        <p:spPr/>
+        <p:txBody>
+          <a:bodyPr/>
+          <a:lstStyle/>
+          <a:p>
+            <a:fld id="{EED2E110-0AF6-3D41-B980-086EE421B366}" type="slidenum">
+              <a:rPr lang="en-US" smtClean="0"/>
+              <a:t>5</a:t>
+            </a:fld>
+            <a:endParaRPr lang="en-US"/>
+          </a:p>
+        </p:txBody>
+      </p:sp>
+    </p:spTree>
+    <p:extLst>
+      <p:ext uri="{BB962C8B-B14F-4D97-AF65-F5344CB8AC3E}">
+        <p14:creationId xmlns:p14="http://schemas.microsoft.com/office/powerpoint/2010/main" val="4006854468"/>
+      </p:ext>
+    </p:extLst>
+  </p:cSld>
+  <p:clrMapOvr>
+    <a:masterClrMapping/>
+  </p:clrMapOvr>
+</p:notes>
+</file>
+
+<file path=ppt/notesSlides/notesSlide3.xml><?xml version="1.0" encoding="utf-8"?>
+<p:notes xmlns:a="http://schemas.openxmlformats.org/drawingml/2006/main" xmlns:r="http://schemas.openxmlformats.org/officeDocument/2006/relationships" xmlns:p="http://schemas.openxmlformats.org/presentationml/2006/main">
+  <p:cSld>
+    <p:spTree>
+      <p:nvGrpSpPr>
+        <p:cNvPr id="1" name=""/>
+        <p:cNvGrpSpPr/>
+        <p:nvPr/>
+      </p:nvGrpSpPr>
+      <p:grpSpPr>
+        <a:xfrm>
+          <a:off x="0" y="0"/>
+          <a:ext cx="0" cy="0"/>
+          <a:chOff x="0" y="0"/>
+          <a:chExt cx="0" cy="0"/>
+        </a:xfrm>
+      </p:grpSpPr>
+      <p:sp>
+        <p:nvSpPr>
+          <p:cNvPr id="2" name="Slide Image Placeholder 1"/>
+          <p:cNvSpPr>
+            <a:spLocks noGrp="1" noRot="1" noChangeAspect="1"/>
+          </p:cNvSpPr>
+          <p:nvPr>
+            <p:ph type="sldImg"/>
+          </p:nvPr>
+        </p:nvSpPr>
+        <p:spPr/>
+      </p:sp>
+      <p:sp>
+        <p:nvSpPr>
+          <p:cNvPr id="3" name="Notes Placeholder 2"/>
+          <p:cNvSpPr>
+            <a:spLocks noGrp="1"/>
+          </p:cNvSpPr>
+          <p:nvPr>
+            <p:ph type="body" idx="1"/>
+          </p:nvPr>
+        </p:nvSpPr>
+        <p:spPr/>
+        <p:txBody>
+          <a:bodyPr/>
+          <a:lstStyle/>
+          <a:p>
+            <a:r>
+              <a:rPr lang="en-US" dirty="0"/>
+              <a:t>Numbers in the dataframe and % in the pie </a:t>
+            </a:r>
+          </a:p>
+          <a:p>
+            <a:endParaRPr lang="en-US" dirty="0"/>
+          </a:p>
+          <a:p>
+            <a:r>
+              <a:rPr lang="en-US" dirty="0"/>
+              <a:t>Chose to look at VIC and WA </a:t>
+            </a:r>
+          </a:p>
+        </p:txBody>
+      </p:sp>
+      <p:sp>
+        <p:nvSpPr>
+          <p:cNvPr id="4" name="Slide Number Placeholder 3"/>
+          <p:cNvSpPr>
+            <a:spLocks noGrp="1"/>
+          </p:cNvSpPr>
+          <p:nvPr>
+            <p:ph type="sldNum" sz="quarter" idx="5"/>
+          </p:nvPr>
+        </p:nvSpPr>
+        <p:spPr/>
+        <p:txBody>
+          <a:bodyPr/>
+          <a:lstStyle/>
+          <a:p>
+            <a:fld id="{EED2E110-0AF6-3D41-B980-086EE421B366}" type="slidenum">
+              <a:rPr lang="en-US" smtClean="0"/>
+              <a:t>14</a:t>
+            </a:fld>
+            <a:endParaRPr lang="en-US"/>
+          </a:p>
+        </p:txBody>
+      </p:sp>
+    </p:spTree>
+    <p:extLst>
+      <p:ext uri="{BB962C8B-B14F-4D97-AF65-F5344CB8AC3E}">
+        <p14:creationId xmlns:p14="http://schemas.microsoft.com/office/powerpoint/2010/main" val="2065185411"/>
+      </p:ext>
+    </p:extLst>
+  </p:cSld>
+  <p:clrMapOvr>
+    <a:masterClrMapping/>
+  </p:clrMapOvr>
+</p:notes>
+</file>
+
+<file path=ppt/notesSlides/notesSlide4.xml><?xml version="1.0" encoding="utf-8"?>
+<p:notes xmlns:a="http://schemas.openxmlformats.org/drawingml/2006/main" xmlns:r="http://schemas.openxmlformats.org/officeDocument/2006/relationships" xmlns:p="http://schemas.openxmlformats.org/presentationml/2006/main">
+  <p:cSld>
+    <p:spTree>
+      <p:nvGrpSpPr>
+        <p:cNvPr id="1" name=""/>
+        <p:cNvGrpSpPr/>
+        <p:nvPr/>
+      </p:nvGrpSpPr>
+      <p:grpSpPr>
+        <a:xfrm>
+          <a:off x="0" y="0"/>
+          <a:ext cx="0" cy="0"/>
+          <a:chOff x="0" y="0"/>
+          <a:chExt cx="0" cy="0"/>
+        </a:xfrm>
+      </p:grpSpPr>
+      <p:sp>
+        <p:nvSpPr>
+          <p:cNvPr id="2" name="Slide Image Placeholder 1"/>
+          <p:cNvSpPr>
+            <a:spLocks noGrp="1" noRot="1" noChangeAspect="1"/>
+          </p:cNvSpPr>
+          <p:nvPr>
+            <p:ph type="sldImg"/>
+          </p:nvPr>
+        </p:nvSpPr>
+        <p:spPr/>
+      </p:sp>
+      <p:sp>
+        <p:nvSpPr>
+          <p:cNvPr id="3" name="Notes Placeholder 2"/>
+          <p:cNvSpPr>
+            <a:spLocks noGrp="1"/>
+          </p:cNvSpPr>
+          <p:nvPr>
+            <p:ph type="body" idx="1"/>
+          </p:nvPr>
+        </p:nvSpPr>
+        <p:spPr/>
+        <p:txBody>
+          <a:bodyPr/>
+          <a:lstStyle/>
+          <a:p>
+            <a:r>
+              <a:rPr lang="en-US" dirty="0"/>
+              <a:t>Shows Unemployment and Infection rate trends per month</a:t>
+            </a:r>
+          </a:p>
+          <a:p>
+            <a:endParaRPr lang="en-US" dirty="0"/>
+          </a:p>
+          <a:p>
+            <a:r>
+              <a:rPr lang="en-US" dirty="0"/>
+              <a:t>Can see an increase in Unemployment from March onwards as the infection rates increases</a:t>
+            </a:r>
+          </a:p>
+        </p:txBody>
+      </p:sp>
+      <p:sp>
+        <p:nvSpPr>
+          <p:cNvPr id="4" name="Slide Number Placeholder 3"/>
+          <p:cNvSpPr>
+            <a:spLocks noGrp="1"/>
+          </p:cNvSpPr>
+          <p:nvPr>
+            <p:ph type="sldNum" sz="quarter" idx="5"/>
+          </p:nvPr>
+        </p:nvSpPr>
+        <p:spPr/>
+        <p:txBody>
+          <a:bodyPr/>
+          <a:lstStyle/>
+          <a:p>
+            <a:fld id="{EED2E110-0AF6-3D41-B980-086EE421B366}" type="slidenum">
+              <a:rPr lang="en-US" smtClean="0"/>
+              <a:t>15</a:t>
+            </a:fld>
+            <a:endParaRPr lang="en-US"/>
+          </a:p>
+        </p:txBody>
+      </p:sp>
+    </p:spTree>
+    <p:extLst>
+      <p:ext uri="{BB962C8B-B14F-4D97-AF65-F5344CB8AC3E}">
+        <p14:creationId xmlns:p14="http://schemas.microsoft.com/office/powerpoint/2010/main" val="2745022784"/>
+      </p:ext>
+    </p:extLst>
+  </p:cSld>
+  <p:clrMapOvr>
+    <a:masterClrMapping/>
+  </p:clrMapOvr>
+</p:notes>
+</file>
+
+<file path=ppt/notesSlides/notesSlide5.xml><?xml version="1.0" encoding="utf-8"?>
+<p:notes xmlns:a="http://schemas.openxmlformats.org/drawingml/2006/main" xmlns:r="http://schemas.openxmlformats.org/officeDocument/2006/relationships" xmlns:p="http://schemas.openxmlformats.org/presentationml/2006/main">
+  <p:cSld>
+    <p:spTree>
+      <p:nvGrpSpPr>
+        <p:cNvPr id="1" name=""/>
+        <p:cNvGrpSpPr/>
+        <p:nvPr/>
+      </p:nvGrpSpPr>
+      <p:grpSpPr>
+        <a:xfrm>
+          <a:off x="0" y="0"/>
+          <a:ext cx="0" cy="0"/>
+          <a:chOff x="0" y="0"/>
+          <a:chExt cx="0" cy="0"/>
+        </a:xfrm>
+      </p:grpSpPr>
+      <p:sp>
+        <p:nvSpPr>
+          <p:cNvPr id="2" name="Slide Image Placeholder 1"/>
+          <p:cNvSpPr>
+            <a:spLocks noGrp="1" noRot="1" noChangeAspect="1"/>
+          </p:cNvSpPr>
+          <p:nvPr>
+            <p:ph type="sldImg"/>
+          </p:nvPr>
+        </p:nvSpPr>
+        <p:spPr/>
+      </p:sp>
+      <p:sp>
+        <p:nvSpPr>
+          <p:cNvPr id="3" name="Notes Placeholder 2"/>
+          <p:cNvSpPr>
+            <a:spLocks noGrp="1"/>
+          </p:cNvSpPr>
+          <p:nvPr>
+            <p:ph type="body" idx="1"/>
+          </p:nvPr>
+        </p:nvSpPr>
+        <p:spPr/>
+        <p:txBody>
+          <a:bodyPr/>
+          <a:lstStyle/>
+          <a:p>
+            <a:r>
+              <a:rPr lang="en-US" dirty="0"/>
+              <a:t>Snap shot of unemployment  vs infection rate per state </a:t>
+            </a:r>
+          </a:p>
+          <a:p>
+            <a:endParaRPr lang="en-US" dirty="0"/>
+          </a:p>
+          <a:p>
+            <a:r>
+              <a:rPr lang="en-US" dirty="0"/>
+              <a:t>We can see that all states peak in March with VIC as the exception </a:t>
+            </a:r>
+          </a:p>
+        </p:txBody>
+      </p:sp>
+      <p:sp>
+        <p:nvSpPr>
+          <p:cNvPr id="4" name="Slide Number Placeholder 3"/>
+          <p:cNvSpPr>
+            <a:spLocks noGrp="1"/>
+          </p:cNvSpPr>
+          <p:nvPr>
+            <p:ph type="sldNum" sz="quarter" idx="5"/>
+          </p:nvPr>
+        </p:nvSpPr>
+        <p:spPr/>
+        <p:txBody>
+          <a:bodyPr/>
+          <a:lstStyle/>
+          <a:p>
+            <a:fld id="{EED2E110-0AF6-3D41-B980-086EE421B366}" type="slidenum">
+              <a:rPr lang="en-US" smtClean="0"/>
+              <a:t>16</a:t>
+            </a:fld>
+            <a:endParaRPr lang="en-US"/>
+          </a:p>
+        </p:txBody>
+      </p:sp>
+    </p:spTree>
+    <p:extLst>
+      <p:ext uri="{BB962C8B-B14F-4D97-AF65-F5344CB8AC3E}">
+        <p14:creationId xmlns:p14="http://schemas.microsoft.com/office/powerpoint/2010/main" val="2385680935"/>
+      </p:ext>
+    </p:extLst>
+  </p:cSld>
+  <p:clrMapOvr>
+    <a:masterClrMapping/>
+  </p:clrMapOvr>
+</p:notes>
+</file>
+
+<file path=ppt/notesSlides/notesSlide6.xml><?xml version="1.0" encoding="utf-8"?>
+<p:notes xmlns:a="http://schemas.openxmlformats.org/drawingml/2006/main" xmlns:r="http://schemas.openxmlformats.org/officeDocument/2006/relationships" xmlns:p="http://schemas.openxmlformats.org/presentationml/2006/main">
+  <p:cSld>
+    <p:spTree>
+      <p:nvGrpSpPr>
+        <p:cNvPr id="1" name=""/>
+        <p:cNvGrpSpPr/>
+        <p:nvPr/>
+      </p:nvGrpSpPr>
+      <p:grpSpPr>
+        <a:xfrm>
+          <a:off x="0" y="0"/>
+          <a:ext cx="0" cy="0"/>
+          <a:chOff x="0" y="0"/>
+          <a:chExt cx="0" cy="0"/>
+        </a:xfrm>
+      </p:grpSpPr>
+      <p:sp>
+        <p:nvSpPr>
+          <p:cNvPr id="2" name="Slide Image Placeholder 1"/>
+          <p:cNvSpPr>
+            <a:spLocks noGrp="1" noRot="1" noChangeAspect="1"/>
+          </p:cNvSpPr>
+          <p:nvPr>
+            <p:ph type="sldImg"/>
+          </p:nvPr>
+        </p:nvSpPr>
+        <p:spPr/>
+      </p:sp>
+      <p:sp>
+        <p:nvSpPr>
+          <p:cNvPr id="3" name="Notes Placeholder 2"/>
+          <p:cNvSpPr>
+            <a:spLocks noGrp="1"/>
+          </p:cNvSpPr>
+          <p:nvPr>
+            <p:ph type="body" idx="1"/>
+          </p:nvPr>
+        </p:nvSpPr>
+        <p:spPr/>
+        <p:txBody>
+          <a:bodyPr/>
+          <a:lstStyle/>
+          <a:p>
+            <a:r>
+              <a:rPr lang="en-US" dirty="0"/>
+              <a:t>Graph is on a logarithmic scale because of the varying data sets. </a:t>
+            </a:r>
+          </a:p>
+          <a:p>
+            <a:endParaRPr lang="en-US" dirty="0"/>
+          </a:p>
+          <a:p>
+            <a:r>
+              <a:rPr lang="en-US" dirty="0"/>
+              <a:t>The change in unemployment doesn’t look as dramatic as we had anticipated No real increase as COVID hits</a:t>
+            </a:r>
+          </a:p>
+        </p:txBody>
+      </p:sp>
+      <p:sp>
+        <p:nvSpPr>
+          <p:cNvPr id="4" name="Slide Number Placeholder 3"/>
+          <p:cNvSpPr>
+            <a:spLocks noGrp="1"/>
+          </p:cNvSpPr>
+          <p:nvPr>
+            <p:ph type="sldNum" sz="quarter" idx="5"/>
+          </p:nvPr>
+        </p:nvSpPr>
+        <p:spPr/>
+        <p:txBody>
+          <a:bodyPr/>
+          <a:lstStyle/>
+          <a:p>
+            <a:fld id="{EED2E110-0AF6-3D41-B980-086EE421B366}" type="slidenum">
+              <a:rPr lang="en-US" smtClean="0"/>
+              <a:t>17</a:t>
+            </a:fld>
+            <a:endParaRPr lang="en-US"/>
+          </a:p>
+        </p:txBody>
+      </p:sp>
+    </p:spTree>
+    <p:extLst>
+      <p:ext uri="{BB962C8B-B14F-4D97-AF65-F5344CB8AC3E}">
+        <p14:creationId xmlns:p14="http://schemas.microsoft.com/office/powerpoint/2010/main" val="122560735"/>
+      </p:ext>
+    </p:extLst>
+  </p:cSld>
+  <p:clrMapOvr>
+    <a:masterClrMapping/>
+  </p:clrMapOvr>
+</p:notes>
+</file>
+
+<file path=ppt/notesSlides/notesSlide7.xml><?xml version="1.0" encoding="utf-8"?>
+<p:notes xmlns:a="http://schemas.openxmlformats.org/drawingml/2006/main" xmlns:r="http://schemas.openxmlformats.org/officeDocument/2006/relationships" xmlns:p="http://schemas.openxmlformats.org/presentationml/2006/main">
+  <p:cSld>
+    <p:spTree>
+      <p:nvGrpSpPr>
+        <p:cNvPr id="1" name=""/>
+        <p:cNvGrpSpPr/>
+        <p:nvPr/>
+      </p:nvGrpSpPr>
+      <p:grpSpPr>
+        <a:xfrm>
+          <a:off x="0" y="0"/>
+          <a:ext cx="0" cy="0"/>
+          <a:chOff x="0" y="0"/>
+          <a:chExt cx="0" cy="0"/>
+        </a:xfrm>
+      </p:grpSpPr>
+      <p:sp>
+        <p:nvSpPr>
+          <p:cNvPr id="2" name="Slide Image Placeholder 1"/>
+          <p:cNvSpPr>
+            <a:spLocks noGrp="1" noRot="1" noChangeAspect="1"/>
+          </p:cNvSpPr>
+          <p:nvPr>
+            <p:ph type="sldImg"/>
+          </p:nvPr>
+        </p:nvSpPr>
+        <p:spPr/>
+      </p:sp>
+      <p:sp>
+        <p:nvSpPr>
+          <p:cNvPr id="3" name="Notes Placeholder 2"/>
+          <p:cNvSpPr>
+            <a:spLocks noGrp="1"/>
+          </p:cNvSpPr>
+          <p:nvPr>
+            <p:ph type="body" idx="1"/>
+          </p:nvPr>
+        </p:nvSpPr>
+        <p:spPr/>
+        <p:txBody>
+          <a:bodyPr/>
+          <a:lstStyle/>
+          <a:p>
+            <a:endParaRPr lang="en-US" dirty="0"/>
+          </a:p>
+        </p:txBody>
+      </p:sp>
+      <p:sp>
+        <p:nvSpPr>
+          <p:cNvPr id="4" name="Slide Number Placeholder 3"/>
+          <p:cNvSpPr>
+            <a:spLocks noGrp="1"/>
+          </p:cNvSpPr>
+          <p:nvPr>
+            <p:ph type="sldNum" sz="quarter" idx="5"/>
+          </p:nvPr>
+        </p:nvSpPr>
+        <p:spPr/>
+        <p:txBody>
+          <a:bodyPr/>
+          <a:lstStyle/>
+          <a:p>
+            <a:fld id="{EED2E110-0AF6-3D41-B980-086EE421B366}" type="slidenum">
+              <a:rPr lang="en-US" smtClean="0"/>
+              <a:t>18</a:t>
+            </a:fld>
+            <a:endParaRPr lang="en-US"/>
+          </a:p>
+        </p:txBody>
+      </p:sp>
+    </p:spTree>
+    <p:extLst>
+      <p:ext uri="{BB962C8B-B14F-4D97-AF65-F5344CB8AC3E}">
+        <p14:creationId xmlns:p14="http://schemas.microsoft.com/office/powerpoint/2010/main" val="1524820665"/>
+      </p:ext>
+    </p:extLst>
+  </p:cSld>
+  <p:clrMapOvr>
+    <a:masterClrMapping/>
+  </p:clrMapOvr>
+</p:notes>
+</file>
+
+<file path=ppt/notesSlides/notesSlide8.xml><?xml version="1.0" encoding="utf-8"?>
+<p:notes xmlns:a="http://schemas.openxmlformats.org/drawingml/2006/main" xmlns:r="http://schemas.openxmlformats.org/officeDocument/2006/relationships" xmlns:p="http://schemas.openxmlformats.org/presentationml/2006/main">
+  <p:cSld>
+    <p:spTree>
+      <p:nvGrpSpPr>
+        <p:cNvPr id="1" name=""/>
+        <p:cNvGrpSpPr/>
+        <p:nvPr/>
+      </p:nvGrpSpPr>
+      <p:grpSpPr>
+        <a:xfrm>
+          <a:off x="0" y="0"/>
+          <a:ext cx="0" cy="0"/>
+          <a:chOff x="0" y="0"/>
+          <a:chExt cx="0" cy="0"/>
+        </a:xfrm>
+      </p:grpSpPr>
+      <p:sp>
+        <p:nvSpPr>
+          <p:cNvPr id="2" name="Slide Image Placeholder 1"/>
+          <p:cNvSpPr>
+            <a:spLocks noGrp="1" noRot="1" noChangeAspect="1"/>
+          </p:cNvSpPr>
+          <p:nvPr>
+            <p:ph type="sldImg"/>
+          </p:nvPr>
+        </p:nvSpPr>
+        <p:spPr/>
+      </p:sp>
+      <p:sp>
+        <p:nvSpPr>
+          <p:cNvPr id="3" name="Notes Placeholder 2"/>
+          <p:cNvSpPr>
+            <a:spLocks noGrp="1"/>
+          </p:cNvSpPr>
+          <p:nvPr>
+            <p:ph type="body" idx="1"/>
+          </p:nvPr>
+        </p:nvSpPr>
+        <p:spPr/>
+        <p:txBody>
+          <a:bodyPr/>
+          <a:lstStyle/>
+          <a:p>
+            <a:r>
+              <a:rPr lang="en-US" dirty="0"/>
+              <a:t>Increase as VIC goes back into lockdown </a:t>
+            </a:r>
+          </a:p>
+          <a:p>
+            <a:r>
+              <a:rPr lang="en-US" dirty="0"/>
+              <a:t>Suspect this could have been impacted by Job keeper </a:t>
+            </a:r>
+          </a:p>
+          <a:p>
+            <a:r>
+              <a:rPr lang="en-US" dirty="0"/>
+              <a:t>Business adapt New roles created to COVID life </a:t>
+            </a:r>
+          </a:p>
+        </p:txBody>
+      </p:sp>
+      <p:sp>
+        <p:nvSpPr>
+          <p:cNvPr id="4" name="Slide Number Placeholder 3"/>
+          <p:cNvSpPr>
+            <a:spLocks noGrp="1"/>
+          </p:cNvSpPr>
+          <p:nvPr>
+            <p:ph type="sldNum" sz="quarter" idx="5"/>
+          </p:nvPr>
+        </p:nvSpPr>
+        <p:spPr/>
+        <p:txBody>
+          <a:bodyPr/>
+          <a:lstStyle/>
+          <a:p>
+            <a:fld id="{EED2E110-0AF6-3D41-B980-086EE421B366}" type="slidenum">
+              <a:rPr lang="en-US" smtClean="0"/>
+              <a:t>19</a:t>
+            </a:fld>
+            <a:endParaRPr lang="en-US"/>
+          </a:p>
+        </p:txBody>
+      </p:sp>
+    </p:spTree>
+    <p:extLst>
+      <p:ext uri="{BB962C8B-B14F-4D97-AF65-F5344CB8AC3E}">
+        <p14:creationId xmlns:p14="http://schemas.microsoft.com/office/powerpoint/2010/main" val="1561417148"/>
+      </p:ext>
+    </p:extLst>
+  </p:cSld>
+  <p:clrMapOvr>
+    <a:masterClrMapping/>
+  </p:clrMapOvr>
+</p:notes>
+</file>
+
+<file path=ppt/notesSlides/notesSlide9.xml><?xml version="1.0" encoding="utf-8"?>
+<p:notes xmlns:a="http://schemas.openxmlformats.org/drawingml/2006/main" xmlns:r="http://schemas.openxmlformats.org/officeDocument/2006/relationships" xmlns:p="http://schemas.openxmlformats.org/presentationml/2006/main">
+  <p:cSld>
+    <p:spTree>
+      <p:nvGrpSpPr>
+        <p:cNvPr id="1" name=""/>
+        <p:cNvGrpSpPr/>
+        <p:nvPr/>
+      </p:nvGrpSpPr>
+      <p:grpSpPr>
+        <a:xfrm>
+          <a:off x="0" y="0"/>
+          <a:ext cx="0" cy="0"/>
+          <a:chOff x="0" y="0"/>
+          <a:chExt cx="0" cy="0"/>
+        </a:xfrm>
+      </p:grpSpPr>
+      <p:sp>
+        <p:nvSpPr>
+          <p:cNvPr id="2" name="Slide Image Placeholder 1"/>
+          <p:cNvSpPr>
+            <a:spLocks noGrp="1" noRot="1" noChangeAspect="1"/>
+          </p:cNvSpPr>
+          <p:nvPr>
+            <p:ph type="sldImg"/>
+          </p:nvPr>
+        </p:nvSpPr>
+        <p:spPr/>
+      </p:sp>
+      <p:sp>
+        <p:nvSpPr>
+          <p:cNvPr id="3" name="Notes Placeholder 2"/>
+          <p:cNvSpPr>
+            <a:spLocks noGrp="1"/>
+          </p:cNvSpPr>
+          <p:nvPr>
+            <p:ph type="body" idx="1"/>
+          </p:nvPr>
+        </p:nvSpPr>
+        <p:spPr/>
+        <p:txBody>
+          <a:bodyPr/>
+          <a:lstStyle/>
+          <a:p>
+            <a:endParaRPr lang="en-US" dirty="0"/>
+          </a:p>
+        </p:txBody>
+      </p:sp>
+      <p:sp>
+        <p:nvSpPr>
+          <p:cNvPr id="4" name="Slide Number Placeholder 3"/>
+          <p:cNvSpPr>
+            <a:spLocks noGrp="1"/>
+          </p:cNvSpPr>
+          <p:nvPr>
+            <p:ph type="sldNum" sz="quarter" idx="5"/>
+          </p:nvPr>
+        </p:nvSpPr>
+        <p:spPr/>
+        <p:txBody>
+          <a:bodyPr/>
+          <a:lstStyle/>
+          <a:p>
+            <a:fld id="{EED2E110-0AF6-3D41-B980-086EE421B366}" type="slidenum">
+              <a:rPr lang="en-US" smtClean="0"/>
+              <a:t>20</a:t>
+            </a:fld>
+            <a:endParaRPr lang="en-US"/>
+          </a:p>
+        </p:txBody>
+      </p:sp>
+    </p:spTree>
+    <p:extLst>
+      <p:ext uri="{BB962C8B-B14F-4D97-AF65-F5344CB8AC3E}">
+        <p14:creationId xmlns:p14="http://schemas.microsoft.com/office/powerpoint/2010/main" val="41698082"/>
+      </p:ext>
+    </p:extLst>
+  </p:cSld>
+  <p:clrMapOvr>
+    <a:masterClrMapping/>
+  </p:clrMapOvr>
+</p:notes>
 </file>
 
 <file path=ppt/slideLayouts/slideLayout1.xml><?xml version="1.0" encoding="utf-8"?>
@@ -7367,7 +8577,7 @@
           <p:nvPr/>
         </p:nvPicPr>
         <p:blipFill rotWithShape="1">
-          <a:blip r:embed="rId2">
+          <a:blip r:embed="rId3">
             <a:alphaModFix amt="40000"/>
           </a:blip>
           <a:srcRect l="10471" r="7752" b="1"/>
@@ -7398,7 +8608,7 @@
           <p:nvPr/>
         </p:nvPicPr>
         <p:blipFill rotWithShape="1">
-          <a:blip r:embed="rId3">
+          <a:blip r:embed="rId4">
             <a:alphaModFix amt="40000"/>
           </a:blip>
           <a:srcRect l="11484" r="34072" b="1"/>
@@ -7637,6 +8847,37 @@
           </a:p>
         </p:txBody>
       </p:sp>
+      <p:pic>
+        <p:nvPicPr>
+          <p:cNvPr id="10" name="Picture 9">
+            <a:extLst>
+              <a:ext uri="{FF2B5EF4-FFF2-40B4-BE49-F238E27FC236}">
+                <a16:creationId xmlns:a16="http://schemas.microsoft.com/office/drawing/2014/main" id="{15E55A8F-45ED-2F4A-B5E1-CEC991D7C96D}"/>
+              </a:ext>
+            </a:extLst>
+          </p:cNvPr>
+          <p:cNvPicPr>
+            <a:picLocks noChangeAspect="1"/>
+          </p:cNvPicPr>
+          <p:nvPr/>
+        </p:nvPicPr>
+        <p:blipFill rotWithShape="1">
+          <a:blip r:embed="rId3">
+            <a:alphaModFix amt="40000"/>
+          </a:blip>
+          <a:srcRect l="10471" r="7752" b="1"/>
+          <a:stretch/>
+        </p:blipFill>
+        <p:spPr>
+          <a:xfrm>
+            <a:off x="-2490" y="10"/>
+            <a:ext cx="6095980" cy="6857990"/>
+          </a:xfrm>
+          <a:prstGeom prst="rect">
+            <a:avLst/>
+          </a:prstGeom>
+        </p:spPr>
+      </p:pic>
     </p:spTree>
     <p:extLst>
       <p:ext uri="{BB962C8B-B14F-4D97-AF65-F5344CB8AC3E}">
@@ -8500,7 +9741,7 @@
           <p:cNvPr id="2" name="Title 1">
             <a:extLst>
               <a:ext uri="{FF2B5EF4-FFF2-40B4-BE49-F238E27FC236}">
-                <a16:creationId xmlns:a16="http://schemas.microsoft.com/office/drawing/2014/main" id="{486B1898-D020-4D1A-81EE-0445B61CDBBF}"/>
+                <a16:creationId xmlns:a16="http://schemas.microsoft.com/office/drawing/2014/main" id="{0DD88237-2E33-401B-B8A8-67B04B435042}"/>
               </a:ext>
             </a:extLst>
           </p:cNvPr>
@@ -8511,58 +9752,25 @@
             <p:ph type="title"/>
           </p:nvPr>
         </p:nvSpPr>
-        <p:spPr>
-          <a:xfrm>
-            <a:off x="767857" y="933451"/>
-            <a:ext cx="3031852" cy="851388"/>
-          </a:xfrm>
-        </p:spPr>
+        <p:spPr/>
         <p:txBody>
           <a:bodyPr/>
           <a:lstStyle/>
           <a:p>
             <a:r>
-              <a:rPr lang="en-AU" dirty="0"/>
-              <a:t>How Covid-19 hit Australia in 2020</a:t>
-            </a:r>
+              <a:rPr lang="en-US" dirty="0"/>
+              <a:t>Total distribution of COVID cases for 2020</a:t>
+            </a:r>
+            <a:endParaRPr lang="en-AU" dirty="0"/>
           </a:p>
         </p:txBody>
       </p:sp>
       <p:pic>
         <p:nvPicPr>
-          <p:cNvPr id="5" name="Content Placeholder 4">
-            <a:extLst>
-              <a:ext uri="{FF2B5EF4-FFF2-40B4-BE49-F238E27FC236}">
-                <a16:creationId xmlns:a16="http://schemas.microsoft.com/office/drawing/2014/main" id="{2D90F092-C9B7-448E-9BCD-0CFE3479888B}"/>
-              </a:ext>
-            </a:extLst>
-          </p:cNvPr>
-          <p:cNvPicPr>
-            <a:picLocks noGrp="1" noChangeAspect="1"/>
-          </p:cNvPicPr>
-          <p:nvPr>
-            <p:ph idx="1"/>
-          </p:nvPr>
-        </p:nvPicPr>
-        <p:blipFill>
-          <a:blip r:embed="rId2"/>
-          <a:stretch>
-            <a:fillRect/>
-          </a:stretch>
-        </p:blipFill>
-        <p:spPr>
-          <a:xfrm>
-            <a:off x="5073445" y="1698729"/>
-            <a:ext cx="5713623" cy="4041343"/>
-          </a:xfrm>
-        </p:spPr>
-      </p:pic>
-      <p:pic>
-        <p:nvPicPr>
-          <p:cNvPr id="6" name="Picture 5">
-            <a:extLst>
-              <a:ext uri="{FF2B5EF4-FFF2-40B4-BE49-F238E27FC236}">
-                <a16:creationId xmlns:a16="http://schemas.microsoft.com/office/drawing/2014/main" id="{F3AC824E-F454-4E85-BD91-60AEF1EA842F}"/>
+          <p:cNvPr id="6" name="Picture 5" descr="Table&#10;&#10;Description automatically generated">
+            <a:extLst>
+              <a:ext uri="{FF2B5EF4-FFF2-40B4-BE49-F238E27FC236}">
+                <a16:creationId xmlns:a16="http://schemas.microsoft.com/office/drawing/2014/main" id="{25FF798B-B175-0049-8A78-B7F4196C8557}"/>
               </a:ext>
             </a:extLst>
           </p:cNvPr>
@@ -8585,8 +9793,38 @@
         </p:blipFill>
         <p:spPr>
           <a:xfrm>
-            <a:off x="1357963" y="2085706"/>
-            <a:ext cx="1588496" cy="3223713"/>
+            <a:off x="1196388" y="3021629"/>
+            <a:ext cx="2016388" cy="2447073"/>
+          </a:xfrm>
+          <a:prstGeom prst="rect">
+            <a:avLst/>
+          </a:prstGeom>
+        </p:spPr>
+      </p:pic>
+      <p:pic>
+        <p:nvPicPr>
+          <p:cNvPr id="4" name="Picture 3">
+            <a:extLst>
+              <a:ext uri="{FF2B5EF4-FFF2-40B4-BE49-F238E27FC236}">
+                <a16:creationId xmlns:a16="http://schemas.microsoft.com/office/drawing/2014/main" id="{0F2F4A52-4977-421C-8E66-1F5FFD3746C7}"/>
+              </a:ext>
+            </a:extLst>
+          </p:cNvPr>
+          <p:cNvPicPr>
+            <a:picLocks noChangeAspect="1"/>
+          </p:cNvPicPr>
+          <p:nvPr/>
+        </p:nvPicPr>
+        <p:blipFill>
+          <a:blip r:embed="rId4"/>
+          <a:stretch>
+            <a:fillRect/>
+          </a:stretch>
+        </p:blipFill>
+        <p:spPr>
+          <a:xfrm>
+            <a:off x="4585094" y="725811"/>
+            <a:ext cx="7082264" cy="5685645"/>
           </a:xfrm>
           <a:prstGeom prst="rect">
             <a:avLst/>
@@ -8596,7 +9834,7 @@
     </p:spTree>
     <p:extLst>
       <p:ext uri="{BB962C8B-B14F-4D97-AF65-F5344CB8AC3E}">
-        <p14:creationId xmlns:p14="http://schemas.microsoft.com/office/powerpoint/2010/main" val="3953550160"/>
+        <p14:creationId xmlns:p14="http://schemas.microsoft.com/office/powerpoint/2010/main" val="2154171528"/>
       </p:ext>
     </p:extLst>
   </p:cSld>
@@ -8699,7 +9937,7 @@
           <p:nvPr/>
         </p:nvPicPr>
         <p:blipFill>
-          <a:blip r:embed="rId2">
+          <a:blip r:embed="rId3">
             <a:extLst>
               <a:ext uri="{28A0092B-C50C-407E-A947-70E740481C1C}">
                 <a14:useLocalDpi xmlns:a14="http://schemas.microsoft.com/office/drawing/2010/main" val="0"/>
@@ -8712,8 +9950,44 @@
         </p:blipFill>
         <p:spPr>
           <a:xfrm>
-            <a:off x="4434353" y="1563046"/>
+            <a:off x="4515035" y="1019955"/>
             <a:ext cx="7422776" cy="3891782"/>
+          </a:xfrm>
+          <a:prstGeom prst="rect">
+            <a:avLst/>
+          </a:prstGeom>
+        </p:spPr>
+      </p:pic>
+      <p:pic>
+        <p:nvPicPr>
+          <p:cNvPr id="4" name="Picture 3" descr="Chart&#10;&#10;Description automatically generated">
+            <a:extLst>
+              <a:ext uri="{FF2B5EF4-FFF2-40B4-BE49-F238E27FC236}">
+                <a16:creationId xmlns:a16="http://schemas.microsoft.com/office/drawing/2014/main" id="{5738DBEA-AEB1-804C-9FA3-844976A0B5D2}"/>
+              </a:ext>
+            </a:extLst>
+          </p:cNvPr>
+          <p:cNvPicPr>
+            <a:picLocks noChangeAspect="1"/>
+          </p:cNvPicPr>
+          <p:nvPr/>
+        </p:nvPicPr>
+        <p:blipFill>
+          <a:blip r:embed="rId4">
+            <a:extLst>
+              <a:ext uri="{28A0092B-C50C-407E-A947-70E740481C1C}">
+                <a14:useLocalDpi xmlns:a14="http://schemas.microsoft.com/office/drawing/2010/main" val="0"/>
+              </a:ext>
+            </a:extLst>
+          </a:blip>
+          <a:stretch>
+            <a:fillRect/>
+          </a:stretch>
+        </p:blipFill>
+        <p:spPr>
+          <a:xfrm>
+            <a:off x="7069257" y="5072833"/>
+            <a:ext cx="2314331" cy="1210676"/>
           </a:xfrm>
           <a:prstGeom prst="rect">
             <a:avLst/>
@@ -8803,68 +10077,6 @@
           </p:nvPr>
         </p:nvPicPr>
         <p:blipFill>
-          <a:blip r:embed="rId2"/>
-          <a:stretch>
-            <a:fillRect/>
-          </a:stretch>
-        </p:blipFill>
-        <p:spPr>
-          <a:xfrm>
-            <a:off x="361857" y="1211052"/>
-            <a:ext cx="4195393" cy="2141379"/>
-          </a:xfrm>
-        </p:spPr>
-      </p:pic>
-      <p:sp>
-        <p:nvSpPr>
-          <p:cNvPr id="6" name="TextBox 5">
-            <a:extLst>
-              <a:ext uri="{FF2B5EF4-FFF2-40B4-BE49-F238E27FC236}">
-                <a16:creationId xmlns:a16="http://schemas.microsoft.com/office/drawing/2014/main" id="{6B7F4CA2-D02B-4E4D-AC3A-5C934C99135F}"/>
-              </a:ext>
-            </a:extLst>
-          </p:cNvPr>
-          <p:cNvSpPr txBox="1"/>
-          <p:nvPr/>
-        </p:nvSpPr>
-        <p:spPr>
-          <a:xfrm>
-            <a:off x="520206" y="1249552"/>
-            <a:ext cx="632289" cy="369332"/>
-          </a:xfrm>
-          <a:prstGeom prst="rect">
-            <a:avLst/>
-          </a:prstGeom>
-          <a:noFill/>
-        </p:spPr>
-        <p:txBody>
-          <a:bodyPr wrap="none" rtlCol="0">
-            <a:spAutoFit/>
-          </a:bodyPr>
-          <a:lstStyle/>
-          <a:p>
-            <a:r>
-              <a:rPr lang="en-AU" dirty="0"/>
-              <a:t>ACT</a:t>
-            </a:r>
-          </a:p>
-        </p:txBody>
-      </p:sp>
-      <p:pic>
-        <p:nvPicPr>
-          <p:cNvPr id="9" name="Picture 8">
-            <a:extLst>
-              <a:ext uri="{FF2B5EF4-FFF2-40B4-BE49-F238E27FC236}">
-                <a16:creationId xmlns:a16="http://schemas.microsoft.com/office/drawing/2014/main" id="{CA3FB8CD-8393-491A-94EF-517C2501BEB3}"/>
-              </a:ext>
-            </a:extLst>
-          </p:cNvPr>
-          <p:cNvPicPr>
-            <a:picLocks noChangeAspect="1"/>
-          </p:cNvPicPr>
-          <p:nvPr/>
-        </p:nvPicPr>
-        <p:blipFill>
           <a:blip r:embed="rId3"/>
           <a:stretch>
             <a:fillRect/>
@@ -8872,20 +10084,17 @@
         </p:blipFill>
         <p:spPr>
           <a:xfrm>
-            <a:off x="390876" y="2983071"/>
-            <a:ext cx="3882728" cy="1899327"/>
-          </a:xfrm>
-          <a:prstGeom prst="rect">
-            <a:avLst/>
-          </a:prstGeom>
+            <a:off x="361857" y="1211052"/>
+            <a:ext cx="4195393" cy="2141379"/>
+          </a:xfrm>
         </p:spPr>
       </p:pic>
       <p:sp>
         <p:nvSpPr>
-          <p:cNvPr id="7" name="TextBox 6">
-            <a:extLst>
-              <a:ext uri="{FF2B5EF4-FFF2-40B4-BE49-F238E27FC236}">
-                <a16:creationId xmlns:a16="http://schemas.microsoft.com/office/drawing/2014/main" id="{5F367FEC-0CED-4B4F-9F41-9C799287F158}"/>
+          <p:cNvPr id="6" name="TextBox 5">
+            <a:extLst>
+              <a:ext uri="{FF2B5EF4-FFF2-40B4-BE49-F238E27FC236}">
+                <a16:creationId xmlns:a16="http://schemas.microsoft.com/office/drawing/2014/main" id="{6B7F4CA2-D02B-4E4D-AC3A-5C934C99135F}"/>
               </a:ext>
             </a:extLst>
           </p:cNvPr>
@@ -8894,8 +10103,8 @@
         </p:nvSpPr>
         <p:spPr>
           <a:xfrm>
-            <a:off x="520206" y="3033369"/>
-            <a:ext cx="710451" cy="369332"/>
+            <a:off x="520206" y="1249552"/>
+            <a:ext cx="632289" cy="369332"/>
           </a:xfrm>
           <a:prstGeom prst="rect">
             <a:avLst/>
@@ -8910,17 +10119,17 @@
           <a:p>
             <a:r>
               <a:rPr lang="en-AU" dirty="0"/>
-              <a:t>NSW</a:t>
+              <a:t>ACT</a:t>
             </a:r>
           </a:p>
         </p:txBody>
       </p:sp>
       <p:pic>
         <p:nvPicPr>
-          <p:cNvPr id="11" name="Picture 10">
-            <a:extLst>
-              <a:ext uri="{FF2B5EF4-FFF2-40B4-BE49-F238E27FC236}">
-                <a16:creationId xmlns:a16="http://schemas.microsoft.com/office/drawing/2014/main" id="{8B363AF3-2399-4E39-8B78-0BF6C53F4A31}"/>
+          <p:cNvPr id="9" name="Picture 8">
+            <a:extLst>
+              <a:ext uri="{FF2B5EF4-FFF2-40B4-BE49-F238E27FC236}">
+                <a16:creationId xmlns:a16="http://schemas.microsoft.com/office/drawing/2014/main" id="{CA3FB8CD-8393-491A-94EF-517C2501BEB3}"/>
               </a:ext>
             </a:extLst>
           </p:cNvPr>
@@ -8937,20 +10146,55 @@
         </p:blipFill>
         <p:spPr>
           <a:xfrm>
-            <a:off x="419895" y="4883227"/>
-            <a:ext cx="3882728" cy="1974773"/>
+            <a:off x="390876" y="2983071"/>
+            <a:ext cx="3882728" cy="1899327"/>
           </a:xfrm>
           <a:prstGeom prst="rect">
             <a:avLst/>
           </a:prstGeom>
         </p:spPr>
       </p:pic>
+      <p:sp>
+        <p:nvSpPr>
+          <p:cNvPr id="7" name="TextBox 6">
+            <a:extLst>
+              <a:ext uri="{FF2B5EF4-FFF2-40B4-BE49-F238E27FC236}">
+                <a16:creationId xmlns:a16="http://schemas.microsoft.com/office/drawing/2014/main" id="{5F367FEC-0CED-4B4F-9F41-9C799287F158}"/>
+              </a:ext>
+            </a:extLst>
+          </p:cNvPr>
+          <p:cNvSpPr txBox="1"/>
+          <p:nvPr/>
+        </p:nvSpPr>
+        <p:spPr>
+          <a:xfrm>
+            <a:off x="520206" y="3033369"/>
+            <a:ext cx="710451" cy="369332"/>
+          </a:xfrm>
+          <a:prstGeom prst="rect">
+            <a:avLst/>
+          </a:prstGeom>
+          <a:noFill/>
+        </p:spPr>
+        <p:txBody>
+          <a:bodyPr wrap="none" rtlCol="0">
+            <a:spAutoFit/>
+          </a:bodyPr>
+          <a:lstStyle/>
+          <a:p>
+            <a:r>
+              <a:rPr lang="en-AU" dirty="0"/>
+              <a:t>NSW</a:t>
+            </a:r>
+          </a:p>
+        </p:txBody>
+      </p:sp>
       <p:pic>
         <p:nvPicPr>
-          <p:cNvPr id="14" name="Picture 13">
-            <a:extLst>
-              <a:ext uri="{FF2B5EF4-FFF2-40B4-BE49-F238E27FC236}">
-                <a16:creationId xmlns:a16="http://schemas.microsoft.com/office/drawing/2014/main" id="{2506F13A-F57B-45A7-854C-F68D0C6C345C}"/>
+          <p:cNvPr id="11" name="Picture 10">
+            <a:extLst>
+              <a:ext uri="{FF2B5EF4-FFF2-40B4-BE49-F238E27FC236}">
+                <a16:creationId xmlns:a16="http://schemas.microsoft.com/office/drawing/2014/main" id="{8B363AF3-2399-4E39-8B78-0BF6C53F4A31}"/>
               </a:ext>
             </a:extLst>
           </p:cNvPr>
@@ -8967,55 +10211,20 @@
         </p:blipFill>
         <p:spPr>
           <a:xfrm>
-            <a:off x="4215119" y="1912381"/>
-            <a:ext cx="3938741" cy="2141379"/>
+            <a:off x="419895" y="4883227"/>
+            <a:ext cx="3882728" cy="1974773"/>
           </a:xfrm>
           <a:prstGeom prst="rect">
             <a:avLst/>
           </a:prstGeom>
         </p:spPr>
       </p:pic>
-      <p:sp>
-        <p:nvSpPr>
-          <p:cNvPr id="15" name="TextBox 14">
-            <a:extLst>
-              <a:ext uri="{FF2B5EF4-FFF2-40B4-BE49-F238E27FC236}">
-                <a16:creationId xmlns:a16="http://schemas.microsoft.com/office/drawing/2014/main" id="{8E4966E4-E62D-422E-8B94-11BEFAC9B463}"/>
-              </a:ext>
-            </a:extLst>
-          </p:cNvPr>
-          <p:cNvSpPr txBox="1"/>
-          <p:nvPr/>
-        </p:nvSpPr>
-        <p:spPr>
-          <a:xfrm>
-            <a:off x="4365523" y="1976283"/>
-            <a:ext cx="662361" cy="369332"/>
-          </a:xfrm>
-          <a:prstGeom prst="rect">
-            <a:avLst/>
-          </a:prstGeom>
-          <a:noFill/>
-        </p:spPr>
-        <p:txBody>
-          <a:bodyPr wrap="none" rtlCol="0">
-            <a:spAutoFit/>
-          </a:bodyPr>
-          <a:lstStyle/>
-          <a:p>
-            <a:r>
-              <a:rPr lang="en-AU" dirty="0"/>
-              <a:t>QLD</a:t>
-            </a:r>
-          </a:p>
-        </p:txBody>
-      </p:sp>
       <p:pic>
         <p:nvPicPr>
-          <p:cNvPr id="17" name="Picture 16">
-            <a:extLst>
-              <a:ext uri="{FF2B5EF4-FFF2-40B4-BE49-F238E27FC236}">
-                <a16:creationId xmlns:a16="http://schemas.microsoft.com/office/drawing/2014/main" id="{A7F200C0-3C59-429F-B6EE-09D0F09CAF30}"/>
+          <p:cNvPr id="14" name="Picture 13">
+            <a:extLst>
+              <a:ext uri="{FF2B5EF4-FFF2-40B4-BE49-F238E27FC236}">
+                <a16:creationId xmlns:a16="http://schemas.microsoft.com/office/drawing/2014/main" id="{2506F13A-F57B-45A7-854C-F68D0C6C345C}"/>
               </a:ext>
             </a:extLst>
           </p:cNvPr>
@@ -9032,8 +10241,8 @@
         </p:blipFill>
         <p:spPr>
           <a:xfrm>
-            <a:off x="4243124" y="4117634"/>
-            <a:ext cx="3882729" cy="2141379"/>
+            <a:off x="4215119" y="1502076"/>
+            <a:ext cx="3938741" cy="2141379"/>
           </a:xfrm>
           <a:prstGeom prst="rect">
             <a:avLst/>
@@ -9042,10 +10251,10 @@
       </p:pic>
       <p:sp>
         <p:nvSpPr>
-          <p:cNvPr id="12" name="TextBox 11">
-            <a:extLst>
-              <a:ext uri="{FF2B5EF4-FFF2-40B4-BE49-F238E27FC236}">
-                <a16:creationId xmlns:a16="http://schemas.microsoft.com/office/drawing/2014/main" id="{1A4AEC8F-E798-4A69-A99F-CECA74B9B218}"/>
+          <p:cNvPr id="15" name="TextBox 14">
+            <a:extLst>
+              <a:ext uri="{FF2B5EF4-FFF2-40B4-BE49-F238E27FC236}">
+                <a16:creationId xmlns:a16="http://schemas.microsoft.com/office/drawing/2014/main" id="{8E4966E4-E62D-422E-8B94-11BEFAC9B463}"/>
               </a:ext>
             </a:extLst>
           </p:cNvPr>
@@ -9054,8 +10263,8 @@
         </p:nvSpPr>
         <p:spPr>
           <a:xfrm>
-            <a:off x="4365523" y="4187836"/>
-            <a:ext cx="444352" cy="369332"/>
+            <a:off x="4365523" y="1601147"/>
+            <a:ext cx="662361" cy="369332"/>
           </a:xfrm>
           <a:prstGeom prst="rect">
             <a:avLst/>
@@ -9070,52 +10279,17 @@
           <a:p>
             <a:r>
               <a:rPr lang="en-AU" dirty="0"/>
-              <a:t>SA</a:t>
-            </a:r>
-          </a:p>
-        </p:txBody>
-      </p:sp>
-      <p:sp>
-        <p:nvSpPr>
-          <p:cNvPr id="18" name="TextBox 17">
-            <a:extLst>
-              <a:ext uri="{FF2B5EF4-FFF2-40B4-BE49-F238E27FC236}">
-                <a16:creationId xmlns:a16="http://schemas.microsoft.com/office/drawing/2014/main" id="{71843FB6-21F4-477A-A5A5-948336D2774F}"/>
-              </a:ext>
-            </a:extLst>
-          </p:cNvPr>
-          <p:cNvSpPr txBox="1"/>
-          <p:nvPr/>
-        </p:nvSpPr>
-        <p:spPr>
-          <a:xfrm>
-            <a:off x="581192" y="4939784"/>
-            <a:ext cx="503664" cy="369332"/>
-          </a:xfrm>
-          <a:prstGeom prst="rect">
-            <a:avLst/>
-          </a:prstGeom>
-          <a:noFill/>
-        </p:spPr>
-        <p:txBody>
-          <a:bodyPr wrap="none" rtlCol="0">
-            <a:spAutoFit/>
-          </a:bodyPr>
-          <a:lstStyle/>
-          <a:p>
-            <a:r>
-              <a:rPr lang="en-AU" dirty="0"/>
-              <a:t>NT</a:t>
+              <a:t>QLD</a:t>
             </a:r>
           </a:p>
         </p:txBody>
       </p:sp>
       <p:pic>
         <p:nvPicPr>
-          <p:cNvPr id="20" name="Picture 19">
-            <a:extLst>
-              <a:ext uri="{FF2B5EF4-FFF2-40B4-BE49-F238E27FC236}">
-                <a16:creationId xmlns:a16="http://schemas.microsoft.com/office/drawing/2014/main" id="{1676FF72-B1D3-4D71-B40F-5EA5BE76CB04}"/>
+          <p:cNvPr id="17" name="Picture 16">
+            <a:extLst>
+              <a:ext uri="{FF2B5EF4-FFF2-40B4-BE49-F238E27FC236}">
+                <a16:creationId xmlns:a16="http://schemas.microsoft.com/office/drawing/2014/main" id="{A7F200C0-3C59-429F-B6EE-09D0F09CAF30}"/>
               </a:ext>
             </a:extLst>
           </p:cNvPr>
@@ -9132,8 +10306,8 @@
         </p:blipFill>
         <p:spPr>
           <a:xfrm>
-            <a:off x="8125853" y="1173561"/>
-            <a:ext cx="3986118" cy="1809509"/>
+            <a:off x="4243124" y="3695606"/>
+            <a:ext cx="3882729" cy="2141379"/>
           </a:xfrm>
           <a:prstGeom prst="rect">
             <a:avLst/>
@@ -9142,10 +10316,10 @@
       </p:pic>
       <p:sp>
         <p:nvSpPr>
-          <p:cNvPr id="21" name="TextBox 20">
-            <a:extLst>
-              <a:ext uri="{FF2B5EF4-FFF2-40B4-BE49-F238E27FC236}">
-                <a16:creationId xmlns:a16="http://schemas.microsoft.com/office/drawing/2014/main" id="{726C8BC8-B259-4601-A99E-7A1690DAAE0A}"/>
+          <p:cNvPr id="12" name="TextBox 11">
+            <a:extLst>
+              <a:ext uri="{FF2B5EF4-FFF2-40B4-BE49-F238E27FC236}">
+                <a16:creationId xmlns:a16="http://schemas.microsoft.com/office/drawing/2014/main" id="{1A4AEC8F-E798-4A69-A99F-CECA74B9B218}"/>
               </a:ext>
             </a:extLst>
           </p:cNvPr>
@@ -9154,8 +10328,8 @@
         </p:nvSpPr>
         <p:spPr>
           <a:xfrm>
-            <a:off x="8254149" y="1211052"/>
-            <a:ext cx="560731" cy="369332"/>
+            <a:off x="4365523" y="3800977"/>
+            <a:ext cx="444352" cy="369332"/>
           </a:xfrm>
           <a:prstGeom prst="rect">
             <a:avLst/>
@@ -9170,17 +10344,52 @@
           <a:p>
             <a:r>
               <a:rPr lang="en-AU" dirty="0"/>
-              <a:t>TAS</a:t>
+              <a:t>SA</a:t>
+            </a:r>
+          </a:p>
+        </p:txBody>
+      </p:sp>
+      <p:sp>
+        <p:nvSpPr>
+          <p:cNvPr id="18" name="TextBox 17">
+            <a:extLst>
+              <a:ext uri="{FF2B5EF4-FFF2-40B4-BE49-F238E27FC236}">
+                <a16:creationId xmlns:a16="http://schemas.microsoft.com/office/drawing/2014/main" id="{71843FB6-21F4-477A-A5A5-948336D2774F}"/>
+              </a:ext>
+            </a:extLst>
+          </p:cNvPr>
+          <p:cNvSpPr txBox="1"/>
+          <p:nvPr/>
+        </p:nvSpPr>
+        <p:spPr>
+          <a:xfrm>
+            <a:off x="581192" y="4939784"/>
+            <a:ext cx="503664" cy="369332"/>
+          </a:xfrm>
+          <a:prstGeom prst="rect">
+            <a:avLst/>
+          </a:prstGeom>
+          <a:noFill/>
+        </p:spPr>
+        <p:txBody>
+          <a:bodyPr wrap="none" rtlCol="0">
+            <a:spAutoFit/>
+          </a:bodyPr>
+          <a:lstStyle/>
+          <a:p>
+            <a:r>
+              <a:rPr lang="en-AU" dirty="0"/>
+              <a:t>NT</a:t>
             </a:r>
           </a:p>
         </p:txBody>
       </p:sp>
       <p:pic>
         <p:nvPicPr>
-          <p:cNvPr id="23" name="Picture 22">
-            <a:extLst>
-              <a:ext uri="{FF2B5EF4-FFF2-40B4-BE49-F238E27FC236}">
-                <a16:creationId xmlns:a16="http://schemas.microsoft.com/office/drawing/2014/main" id="{56B90EEB-0412-49AF-9484-9D349E4C6BDC}"/>
+          <p:cNvPr id="20" name="Picture 19">
+            <a:extLst>
+              <a:ext uri="{FF2B5EF4-FFF2-40B4-BE49-F238E27FC236}">
+                <a16:creationId xmlns:a16="http://schemas.microsoft.com/office/drawing/2014/main" id="{1676FF72-B1D3-4D71-B40F-5EA5BE76CB04}"/>
               </a:ext>
             </a:extLst>
           </p:cNvPr>
@@ -9197,8 +10406,8 @@
         </p:blipFill>
         <p:spPr>
           <a:xfrm>
-            <a:off x="8125852" y="2983070"/>
-            <a:ext cx="4066148" cy="1899327"/>
+            <a:off x="8125853" y="1173561"/>
+            <a:ext cx="3986118" cy="1809509"/>
           </a:xfrm>
           <a:prstGeom prst="rect">
             <a:avLst/>
@@ -9207,10 +10416,10 @@
       </p:pic>
       <p:sp>
         <p:nvSpPr>
-          <p:cNvPr id="24" name="TextBox 23">
-            <a:extLst>
-              <a:ext uri="{FF2B5EF4-FFF2-40B4-BE49-F238E27FC236}">
-                <a16:creationId xmlns:a16="http://schemas.microsoft.com/office/drawing/2014/main" id="{37CE81C4-BEAE-4429-A5BE-84F37F94B2A8}"/>
+          <p:cNvPr id="21" name="TextBox 20">
+            <a:extLst>
+              <a:ext uri="{FF2B5EF4-FFF2-40B4-BE49-F238E27FC236}">
+                <a16:creationId xmlns:a16="http://schemas.microsoft.com/office/drawing/2014/main" id="{726C8BC8-B259-4601-A99E-7A1690DAAE0A}"/>
               </a:ext>
             </a:extLst>
           </p:cNvPr>
@@ -9219,8 +10428,8 @@
         </p:nvSpPr>
         <p:spPr>
           <a:xfrm>
-            <a:off x="8269538" y="3002452"/>
-            <a:ext cx="545342" cy="369332"/>
+            <a:off x="8254149" y="1211052"/>
+            <a:ext cx="560731" cy="369332"/>
           </a:xfrm>
           <a:prstGeom prst="rect">
             <a:avLst/>
@@ -9235,17 +10444,17 @@
           <a:p>
             <a:r>
               <a:rPr lang="en-AU" dirty="0"/>
-              <a:t>VIC</a:t>
+              <a:t>TAS</a:t>
             </a:r>
           </a:p>
         </p:txBody>
       </p:sp>
       <p:pic>
         <p:nvPicPr>
-          <p:cNvPr id="26" name="Picture 25">
-            <a:extLst>
-              <a:ext uri="{FF2B5EF4-FFF2-40B4-BE49-F238E27FC236}">
-                <a16:creationId xmlns:a16="http://schemas.microsoft.com/office/drawing/2014/main" id="{9BDE8F23-939F-455C-A2A7-88E540C2D2A9}"/>
+          <p:cNvPr id="23" name="Picture 22">
+            <a:extLst>
+              <a:ext uri="{FF2B5EF4-FFF2-40B4-BE49-F238E27FC236}">
+                <a16:creationId xmlns:a16="http://schemas.microsoft.com/office/drawing/2014/main" id="{56B90EEB-0412-49AF-9484-9D349E4C6BDC}"/>
               </a:ext>
             </a:extLst>
           </p:cNvPr>
@@ -9262,8 +10471,8 @@
         </p:blipFill>
         <p:spPr>
           <a:xfrm>
-            <a:off x="8153860" y="4799924"/>
-            <a:ext cx="3958111" cy="1936948"/>
+            <a:off x="8125852" y="2983070"/>
+            <a:ext cx="4066148" cy="1899327"/>
           </a:xfrm>
           <a:prstGeom prst="rect">
             <a:avLst/>
@@ -9272,10 +10481,10 @@
       </p:pic>
       <p:sp>
         <p:nvSpPr>
-          <p:cNvPr id="27" name="TextBox 26">
-            <a:extLst>
-              <a:ext uri="{FF2B5EF4-FFF2-40B4-BE49-F238E27FC236}">
-                <a16:creationId xmlns:a16="http://schemas.microsoft.com/office/drawing/2014/main" id="{3452AD19-11C1-4DFA-B268-A6B6BCDE3865}"/>
+          <p:cNvPr id="24" name="TextBox 23">
+            <a:extLst>
+              <a:ext uri="{FF2B5EF4-FFF2-40B4-BE49-F238E27FC236}">
+                <a16:creationId xmlns:a16="http://schemas.microsoft.com/office/drawing/2014/main" id="{37CE81C4-BEAE-4429-A5BE-84F37F94B2A8}"/>
               </a:ext>
             </a:extLst>
           </p:cNvPr>
@@ -9284,8 +10493,8 @@
         </p:nvSpPr>
         <p:spPr>
           <a:xfrm>
-            <a:off x="8269538" y="4818991"/>
-            <a:ext cx="560538" cy="369332"/>
+            <a:off x="8269538" y="3002452"/>
+            <a:ext cx="545342" cy="369332"/>
           </a:xfrm>
           <a:prstGeom prst="rect">
             <a:avLst/>
@@ -9300,11 +10509,112 @@
           <a:p>
             <a:r>
               <a:rPr lang="en-AU" dirty="0"/>
+              <a:t>VIC</a:t>
+            </a:r>
+          </a:p>
+        </p:txBody>
+      </p:sp>
+      <p:pic>
+        <p:nvPicPr>
+          <p:cNvPr id="26" name="Picture 25">
+            <a:extLst>
+              <a:ext uri="{FF2B5EF4-FFF2-40B4-BE49-F238E27FC236}">
+                <a16:creationId xmlns:a16="http://schemas.microsoft.com/office/drawing/2014/main" id="{9BDE8F23-939F-455C-A2A7-88E540C2D2A9}"/>
+              </a:ext>
+            </a:extLst>
+          </p:cNvPr>
+          <p:cNvPicPr>
+            <a:picLocks noChangeAspect="1"/>
+          </p:cNvPicPr>
+          <p:nvPr/>
+        </p:nvPicPr>
+        <p:blipFill>
+          <a:blip r:embed="rId10"/>
+          <a:stretch>
+            <a:fillRect/>
+          </a:stretch>
+        </p:blipFill>
+        <p:spPr>
+          <a:xfrm>
+            <a:off x="8153860" y="4799924"/>
+            <a:ext cx="3958111" cy="1936948"/>
+          </a:xfrm>
+          <a:prstGeom prst="rect">
+            <a:avLst/>
+          </a:prstGeom>
+        </p:spPr>
+      </p:pic>
+      <p:sp>
+        <p:nvSpPr>
+          <p:cNvPr id="27" name="TextBox 26">
+            <a:extLst>
+              <a:ext uri="{FF2B5EF4-FFF2-40B4-BE49-F238E27FC236}">
+                <a16:creationId xmlns:a16="http://schemas.microsoft.com/office/drawing/2014/main" id="{3452AD19-11C1-4DFA-B268-A6B6BCDE3865}"/>
+              </a:ext>
+            </a:extLst>
+          </p:cNvPr>
+          <p:cNvSpPr txBox="1"/>
+          <p:nvPr/>
+        </p:nvSpPr>
+        <p:spPr>
+          <a:xfrm>
+            <a:off x="8269538" y="4818991"/>
+            <a:ext cx="560538" cy="369332"/>
+          </a:xfrm>
+          <a:prstGeom prst="rect">
+            <a:avLst/>
+          </a:prstGeom>
+          <a:noFill/>
+        </p:spPr>
+        <p:txBody>
+          <a:bodyPr wrap="none" rtlCol="0">
+            <a:spAutoFit/>
+          </a:bodyPr>
+          <a:lstStyle/>
+          <a:p>
+            <a:r>
+              <a:rPr lang="en-AU" dirty="0"/>
               <a:t>WA</a:t>
             </a:r>
           </a:p>
         </p:txBody>
       </p:sp>
+      <p:pic>
+        <p:nvPicPr>
+          <p:cNvPr id="19" name="Picture 18" descr="Chart&#10;&#10;Description automatically generated">
+            <a:extLst>
+              <a:ext uri="{FF2B5EF4-FFF2-40B4-BE49-F238E27FC236}">
+                <a16:creationId xmlns:a16="http://schemas.microsoft.com/office/drawing/2014/main" id="{90BCB32B-DE72-5649-887A-E8334FA7FF76}"/>
+              </a:ext>
+            </a:extLst>
+          </p:cNvPr>
+          <p:cNvPicPr>
+            <a:picLocks noChangeAspect="1"/>
+          </p:cNvPicPr>
+          <p:nvPr/>
+        </p:nvPicPr>
+        <p:blipFill>
+          <a:blip r:embed="rId11">
+            <a:extLst>
+              <a:ext uri="{28A0092B-C50C-407E-A947-70E740481C1C}">
+                <a14:useLocalDpi xmlns:a14="http://schemas.microsoft.com/office/drawing/2010/main" val="0"/>
+              </a:ext>
+            </a:extLst>
+          </a:blip>
+          <a:stretch>
+            <a:fillRect/>
+          </a:stretch>
+        </p:blipFill>
+        <p:spPr>
+          <a:xfrm>
+            <a:off x="5235887" y="5897549"/>
+            <a:ext cx="1720226" cy="899887"/>
+          </a:xfrm>
+          <a:prstGeom prst="rect">
+            <a:avLst/>
+          </a:prstGeom>
+        </p:spPr>
+      </p:pic>
     </p:spTree>
     <p:extLst>
       <p:ext uri="{BB962C8B-B14F-4D97-AF65-F5344CB8AC3E}">
@@ -9340,7 +10650,7 @@
           <p:cNvPr id="2" name="Title 1">
             <a:extLst>
               <a:ext uri="{FF2B5EF4-FFF2-40B4-BE49-F238E27FC236}">
-                <a16:creationId xmlns:a16="http://schemas.microsoft.com/office/drawing/2014/main" id="{0DD88237-2E33-401B-B8A8-67B04B435042}"/>
+                <a16:creationId xmlns:a16="http://schemas.microsoft.com/office/drawing/2014/main" id="{23CF84E4-35B7-4BA3-9AB4-74A1DE782DD4}"/>
               </a:ext>
             </a:extLst>
           </p:cNvPr>
@@ -9351,68 +10661,57 @@
             <p:ph type="title"/>
           </p:nvPr>
         </p:nvSpPr>
-        <p:spPr/>
-        <p:txBody>
-          <a:bodyPr/>
-          <a:lstStyle/>
-          <a:p>
-            <a:r>
-              <a:rPr lang="en-US" dirty="0"/>
-              <a:t>Total distribution of COVID cases for 2020</a:t>
-            </a:r>
-            <a:endParaRPr lang="en-AU" dirty="0"/>
+        <p:spPr>
+          <a:xfrm>
+            <a:off x="804448" y="768213"/>
+            <a:ext cx="11008140" cy="1079390"/>
+          </a:xfrm>
+        </p:spPr>
+        <p:txBody>
+          <a:bodyPr>
+            <a:normAutofit/>
+          </a:bodyPr>
+          <a:lstStyle/>
+          <a:p>
+            <a:pPr algn="ctr"/>
+            <a:r>
+              <a:rPr lang="en-US" b="1" dirty="0">
+                <a:latin typeface="Gill Sans MT" panose="020B0502020104020203" pitchFamily="34" charset="77"/>
+              </a:rPr>
+              <a:t>VIC and WA Unemployment Comparison and </a:t>
+            </a:r>
+            <a:br>
+              <a:rPr lang="en-US" b="1" dirty="0">
+                <a:latin typeface="Gill Sans MT" panose="020B0502020104020203" pitchFamily="34" charset="77"/>
+              </a:rPr>
+            </a:br>
+            <a:r>
+              <a:rPr lang="en-US" b="1" dirty="0">
+                <a:latin typeface="Gill Sans MT" panose="020B0502020104020203" pitchFamily="34" charset="77"/>
+              </a:rPr>
+              <a:t>COVID-19 Impact on them</a:t>
+            </a:r>
+            <a:endParaRPr lang="en-AU" b="1" dirty="0">
+              <a:latin typeface="Gill Sans MT" panose="020B0502020104020203" pitchFamily="34" charset="77"/>
+            </a:endParaRPr>
           </a:p>
         </p:txBody>
       </p:sp>
       <p:pic>
         <p:nvPicPr>
-          <p:cNvPr id="6" name="Picture 5" descr="Table&#10;&#10;Description automatically generated">
-            <a:extLst>
-              <a:ext uri="{FF2B5EF4-FFF2-40B4-BE49-F238E27FC236}">
-                <a16:creationId xmlns:a16="http://schemas.microsoft.com/office/drawing/2014/main" id="{25FF798B-B175-0049-8A78-B7F4196C8557}"/>
+          <p:cNvPr id="5" name="Content Placeholder 4">
+            <a:extLst>
+              <a:ext uri="{FF2B5EF4-FFF2-40B4-BE49-F238E27FC236}">
+                <a16:creationId xmlns:a16="http://schemas.microsoft.com/office/drawing/2014/main" id="{541724DE-5762-41D8-ABD8-D6943DAF6B95}"/>
               </a:ext>
             </a:extLst>
           </p:cNvPr>
           <p:cNvPicPr>
-            <a:picLocks noChangeAspect="1"/>
+            <a:picLocks noGrp="1" noChangeAspect="1"/>
           </p:cNvPicPr>
-          <p:nvPr/>
-        </p:nvPicPr>
-        <p:blipFill>
-          <a:blip r:embed="rId2">
-            <a:extLst>
-              <a:ext uri="{28A0092B-C50C-407E-A947-70E740481C1C}">
-                <a14:useLocalDpi xmlns:a14="http://schemas.microsoft.com/office/drawing/2010/main" val="0"/>
-              </a:ext>
-            </a:extLst>
-          </a:blip>
-          <a:stretch>
-            <a:fillRect/>
-          </a:stretch>
-        </p:blipFill>
-        <p:spPr>
-          <a:xfrm>
-            <a:off x="1196388" y="3021629"/>
-            <a:ext cx="2016388" cy="2447073"/>
-          </a:xfrm>
-          <a:prstGeom prst="rect">
-            <a:avLst/>
-          </a:prstGeom>
-        </p:spPr>
-      </p:pic>
-      <p:pic>
-        <p:nvPicPr>
-          <p:cNvPr id="4" name="Picture 3">
-            <a:extLst>
-              <a:ext uri="{FF2B5EF4-FFF2-40B4-BE49-F238E27FC236}">
-                <a16:creationId xmlns:a16="http://schemas.microsoft.com/office/drawing/2014/main" id="{0F2F4A52-4977-421C-8E66-1F5FFD3746C7}"/>
-              </a:ext>
-            </a:extLst>
-          </p:cNvPr>
-          <p:cNvPicPr>
-            <a:picLocks noChangeAspect="1"/>
-          </p:cNvPicPr>
-          <p:nvPr/>
+          <p:nvPr>
+            <p:ph idx="1"/>
+          </p:nvPr>
         </p:nvPicPr>
         <p:blipFill>
           <a:blip r:embed="rId3"/>
@@ -9422,8 +10721,44 @@
         </p:blipFill>
         <p:spPr>
           <a:xfrm>
-            <a:off x="4585094" y="725811"/>
-            <a:ext cx="7082264" cy="5685645"/>
+            <a:off x="5640388" y="2057400"/>
+            <a:ext cx="6172200" cy="3825990"/>
+          </a:xfrm>
+          <a:prstGeom prst="rect">
+            <a:avLst/>
+          </a:prstGeom>
+        </p:spPr>
+      </p:pic>
+      <p:pic>
+        <p:nvPicPr>
+          <p:cNvPr id="6" name="Picture 5" descr="Table&#10;&#10;Description automatically generated">
+            <a:extLst>
+              <a:ext uri="{FF2B5EF4-FFF2-40B4-BE49-F238E27FC236}">
+                <a16:creationId xmlns:a16="http://schemas.microsoft.com/office/drawing/2014/main" id="{2B10E18E-EAF3-634B-A59C-76A528A7F605}"/>
+              </a:ext>
+            </a:extLst>
+          </p:cNvPr>
+          <p:cNvPicPr>
+            <a:picLocks noChangeAspect="1"/>
+          </p:cNvPicPr>
+          <p:nvPr/>
+        </p:nvPicPr>
+        <p:blipFill>
+          <a:blip r:embed="rId4">
+            <a:extLst>
+              <a:ext uri="{28A0092B-C50C-407E-A947-70E740481C1C}">
+                <a14:useLocalDpi xmlns:a14="http://schemas.microsoft.com/office/drawing/2010/main" val="0"/>
+              </a:ext>
+            </a:extLst>
+          </a:blip>
+          <a:stretch>
+            <a:fillRect/>
+          </a:stretch>
+        </p:blipFill>
+        <p:spPr>
+          <a:xfrm>
+            <a:off x="453298" y="2237553"/>
+            <a:ext cx="4992537" cy="3312539"/>
           </a:xfrm>
           <a:prstGeom prst="rect">
             <a:avLst/>
@@ -9433,7 +10768,7 @@
     </p:spTree>
     <p:extLst>
       <p:ext uri="{BB962C8B-B14F-4D97-AF65-F5344CB8AC3E}">
-        <p14:creationId xmlns:p14="http://schemas.microsoft.com/office/powerpoint/2010/main" val="2154171528"/>
+        <p14:creationId xmlns:p14="http://schemas.microsoft.com/office/powerpoint/2010/main" val="578569592"/>
       </p:ext>
     </p:extLst>
   </p:cSld>
@@ -9465,7 +10800,7 @@
           <p:cNvPr id="2" name="Title 1">
             <a:extLst>
               <a:ext uri="{FF2B5EF4-FFF2-40B4-BE49-F238E27FC236}">
-                <a16:creationId xmlns:a16="http://schemas.microsoft.com/office/drawing/2014/main" id="{23CF84E4-35B7-4BA3-9AB4-74A1DE782DD4}"/>
+                <a16:creationId xmlns:a16="http://schemas.microsoft.com/office/drawing/2014/main" id="{FE75F991-3DA5-44E7-9FD8-AEA707A805C8}"/>
               </a:ext>
             </a:extLst>
           </p:cNvPr>
@@ -9478,8 +10813,8 @@
         </p:nvSpPr>
         <p:spPr>
           <a:xfrm>
-            <a:off x="804448" y="768213"/>
-            <a:ext cx="11008140" cy="1079390"/>
+            <a:off x="838199" y="510398"/>
+            <a:ext cx="10515600" cy="1111983"/>
           </a:xfrm>
         </p:spPr>
         <p:txBody>
@@ -9490,34 +10825,31 @@
           <a:p>
             <a:pPr algn="ctr"/>
             <a:r>
-              <a:rPr lang="en-US" b="1" dirty="0">
+              <a:rPr lang="en-AU" sz="3200" b="1" dirty="0">
                 <a:latin typeface="Gill Sans MT" panose="020B0502020104020203" pitchFamily="34" charset="77"/>
               </a:rPr>
-              <a:t>VIC and WA Unemployment Comparison and </a:t>
+              <a:t>Correlation between Unemployment and </a:t>
             </a:r>
             <a:br>
-              <a:rPr lang="en-US" b="1" dirty="0">
+              <a:rPr lang="en-AU" sz="3200" b="1" dirty="0">
                 <a:latin typeface="Gill Sans MT" panose="020B0502020104020203" pitchFamily="34" charset="77"/>
               </a:rPr>
             </a:br>
             <a:r>
-              <a:rPr lang="en-US" b="1" dirty="0">
+              <a:rPr lang="en-AU" sz="3200" b="1" dirty="0">
                 <a:latin typeface="Gill Sans MT" panose="020B0502020104020203" pitchFamily="34" charset="77"/>
               </a:rPr>
-              <a:t>COVID-19 Impact on them</a:t>
-            </a:r>
-            <a:endParaRPr lang="en-AU" b="1" dirty="0">
-              <a:latin typeface="Gill Sans MT" panose="020B0502020104020203" pitchFamily="34" charset="77"/>
-            </a:endParaRPr>
+              <a:t>COVID cases in Australia in 2020</a:t>
+            </a:r>
           </a:p>
         </p:txBody>
       </p:sp>
       <p:pic>
         <p:nvPicPr>
-          <p:cNvPr id="5" name="Content Placeholder 4">
-            <a:extLst>
-              <a:ext uri="{FF2B5EF4-FFF2-40B4-BE49-F238E27FC236}">
-                <a16:creationId xmlns:a16="http://schemas.microsoft.com/office/drawing/2014/main" id="{541724DE-5762-41D8-ABD8-D6943DAF6B95}"/>
+          <p:cNvPr id="7" name="Content Placeholder 7">
+            <a:extLst>
+              <a:ext uri="{FF2B5EF4-FFF2-40B4-BE49-F238E27FC236}">
+                <a16:creationId xmlns:a16="http://schemas.microsoft.com/office/drawing/2014/main" id="{87BEBC25-BD52-4DE1-8F04-F339C1429ECA}"/>
               </a:ext>
             </a:extLst>
           </p:cNvPr>
@@ -9525,55 +10857,19 @@
             <a:picLocks noGrp="1" noChangeAspect="1"/>
           </p:cNvPicPr>
           <p:nvPr>
-            <p:ph idx="1"/>
+            <p:ph sz="half" idx="2"/>
           </p:nvPr>
         </p:nvPicPr>
         <p:blipFill>
-          <a:blip r:embed="rId2"/>
+          <a:blip r:embed="rId3"/>
           <a:stretch>
             <a:fillRect/>
           </a:stretch>
         </p:blipFill>
         <p:spPr>
           <a:xfrm>
-            <a:off x="5640388" y="2057400"/>
-            <a:ext cx="6172200" cy="3825990"/>
-          </a:xfrm>
-          <a:prstGeom prst="rect">
-            <a:avLst/>
-          </a:prstGeom>
-        </p:spPr>
-      </p:pic>
-      <p:pic>
-        <p:nvPicPr>
-          <p:cNvPr id="6" name="Picture 5" descr="Table&#10;&#10;Description automatically generated">
-            <a:extLst>
-              <a:ext uri="{FF2B5EF4-FFF2-40B4-BE49-F238E27FC236}">
-                <a16:creationId xmlns:a16="http://schemas.microsoft.com/office/drawing/2014/main" id="{2B10E18E-EAF3-634B-A59C-76A528A7F605}"/>
-              </a:ext>
-            </a:extLst>
-          </p:cNvPr>
-          <p:cNvPicPr>
-            <a:picLocks noChangeAspect="1"/>
-          </p:cNvPicPr>
-          <p:nvPr/>
-        </p:nvPicPr>
-        <p:blipFill>
-          <a:blip r:embed="rId3">
-            <a:extLst>
-              <a:ext uri="{28A0092B-C50C-407E-A947-70E740481C1C}">
-                <a14:useLocalDpi xmlns:a14="http://schemas.microsoft.com/office/drawing/2010/main" val="0"/>
-              </a:ext>
-            </a:extLst>
-          </a:blip>
-          <a:stretch>
-            <a:fillRect/>
-          </a:stretch>
-        </p:blipFill>
-        <p:spPr>
-          <a:xfrm>
-            <a:off x="453298" y="2237553"/>
-            <a:ext cx="4992537" cy="3312539"/>
+            <a:off x="3363715" y="1827064"/>
+            <a:ext cx="5464569" cy="3964546"/>
           </a:xfrm>
           <a:prstGeom prst="rect">
             <a:avLst/>
@@ -9583,7 +10879,7 @@
     </p:spTree>
     <p:extLst>
       <p:ext uri="{BB962C8B-B14F-4D97-AF65-F5344CB8AC3E}">
-        <p14:creationId xmlns:p14="http://schemas.microsoft.com/office/powerpoint/2010/main" val="578569592"/>
+        <p14:creationId xmlns:p14="http://schemas.microsoft.com/office/powerpoint/2010/main" val="3569959925"/>
       </p:ext>
     </p:extLst>
   </p:cSld>
@@ -9615,7 +10911,7 @@
           <p:cNvPr id="2" name="Title 1">
             <a:extLst>
               <a:ext uri="{FF2B5EF4-FFF2-40B4-BE49-F238E27FC236}">
-                <a16:creationId xmlns:a16="http://schemas.microsoft.com/office/drawing/2014/main" id="{0D7B173E-3A9A-4054-95AF-4F86771361BF}"/>
+                <a16:creationId xmlns:a16="http://schemas.microsoft.com/office/drawing/2014/main" id="{83694565-4325-47F5-A357-6EC0CC875E2A}"/>
               </a:ext>
             </a:extLst>
           </p:cNvPr>
@@ -9626,45 +10922,28 @@
             <p:ph type="title"/>
           </p:nvPr>
         </p:nvSpPr>
-        <p:spPr>
-          <a:xfrm>
-            <a:off x="839788" y="754740"/>
-            <a:ext cx="10515600" cy="1089964"/>
-          </a:xfrm>
-        </p:spPr>
-        <p:txBody>
-          <a:bodyPr>
-            <a:normAutofit/>
-          </a:bodyPr>
-          <a:lstStyle/>
-          <a:p>
-            <a:pPr algn="ctr"/>
-            <a:r>
-              <a:rPr lang="en-AU" sz="3200" b="1" dirty="0">
-                <a:latin typeface="Gill Sans MT" panose="020B0502020104020203" pitchFamily="34" charset="77"/>
+        <p:spPr/>
+        <p:txBody>
+          <a:bodyPr/>
+          <a:lstStyle/>
+          <a:p>
+            <a:r>
+              <a:rPr lang="en-US" b="1" i="0" u="none" strike="noStrike" dirty="0">
+                <a:effectLst/>
+                <a:latin typeface="inherit"/>
               </a:rPr>
-              <a:t>Comparison of COVID cases and Unemployment </a:t>
-            </a:r>
-            <a:br>
-              <a:rPr lang="en-AU" sz="3200" b="1" dirty="0">
-                <a:latin typeface="Gill Sans MT" panose="020B0502020104020203" pitchFamily="34" charset="77"/>
-              </a:rPr>
-            </a:br>
-            <a:r>
-              <a:rPr lang="en-AU" sz="3200" b="1" dirty="0">
-                <a:latin typeface="Gill Sans MT" panose="020B0502020104020203" pitchFamily="34" charset="77"/>
-              </a:rPr>
-              <a:t>in WA and VIC</a:t>
-            </a:r>
+              <a:t>Covid-19 impact on VIC job vacancies</a:t>
+            </a:r>
+            <a:endParaRPr lang="en-AU" dirty="0"/>
           </a:p>
         </p:txBody>
       </p:sp>
       <p:pic>
         <p:nvPicPr>
-          <p:cNvPr id="7" name="Content Placeholder 6">
-            <a:extLst>
-              <a:ext uri="{FF2B5EF4-FFF2-40B4-BE49-F238E27FC236}">
-                <a16:creationId xmlns:a16="http://schemas.microsoft.com/office/drawing/2014/main" id="{EA7E683D-BA0B-43A6-991F-F7A7AFB4A69D}"/>
+          <p:cNvPr id="5" name="Content Placeholder 4">
+            <a:extLst>
+              <a:ext uri="{FF2B5EF4-FFF2-40B4-BE49-F238E27FC236}">
+                <a16:creationId xmlns:a16="http://schemas.microsoft.com/office/drawing/2014/main" id="{021BB7ED-1596-442F-916A-337587C85EC0}"/>
               </a:ext>
             </a:extLst>
           </p:cNvPr>
@@ -9672,39 +10951,7 @@
             <a:picLocks noGrp="1" noChangeAspect="1"/>
           </p:cNvPicPr>
           <p:nvPr>
-            <p:ph sz="half" idx="2"/>
-          </p:nvPr>
-        </p:nvPicPr>
-        <p:blipFill>
-          <a:blip r:embed="rId2"/>
-          <a:stretch>
-            <a:fillRect/>
-          </a:stretch>
-        </p:blipFill>
-        <p:spPr>
-          <a:xfrm>
-            <a:off x="839788" y="2092649"/>
-            <a:ext cx="5157787" cy="3687178"/>
-          </a:xfrm>
-          <a:prstGeom prst="rect">
-            <a:avLst/>
-          </a:prstGeom>
-        </p:spPr>
-      </p:pic>
-      <p:pic>
-        <p:nvPicPr>
-          <p:cNvPr id="9" name="Content Placeholder 8">
-            <a:extLst>
-              <a:ext uri="{FF2B5EF4-FFF2-40B4-BE49-F238E27FC236}">
-                <a16:creationId xmlns:a16="http://schemas.microsoft.com/office/drawing/2014/main" id="{B62CA1EB-70E3-4DEE-9D6B-68D85EBD2C14}"/>
-              </a:ext>
-            </a:extLst>
-          </p:cNvPr>
-          <p:cNvPicPr>
-            <a:picLocks noGrp="1" noChangeAspect="1"/>
-          </p:cNvPicPr>
-          <p:nvPr>
-            <p:ph sz="quarter" idx="4"/>
+            <p:ph idx="1"/>
           </p:nvPr>
         </p:nvPicPr>
         <p:blipFill>
@@ -9715,8 +10962,8 @@
         </p:blipFill>
         <p:spPr>
           <a:xfrm>
-            <a:off x="5951413" y="2057479"/>
-            <a:ext cx="5191862" cy="3687178"/>
+            <a:off x="5025748" y="1262598"/>
+            <a:ext cx="6401355" cy="4493141"/>
           </a:xfrm>
           <a:prstGeom prst="rect">
             <a:avLst/>
@@ -9728,7 +10975,7 @@
           <p:cNvPr id="6" name="Picture 5">
             <a:extLst>
               <a:ext uri="{FF2B5EF4-FFF2-40B4-BE49-F238E27FC236}">
-                <a16:creationId xmlns:a16="http://schemas.microsoft.com/office/drawing/2014/main" id="{77FACDD9-F502-407A-AD8F-1A5B72F93A5A}"/>
+                <a16:creationId xmlns:a16="http://schemas.microsoft.com/office/drawing/2014/main" id="{A3F49DDB-7F39-431C-BFDA-79A75D80D6F3}"/>
               </a:ext>
             </a:extLst>
           </p:cNvPr>
@@ -9738,45 +10985,21 @@
           <p:nvPr/>
         </p:nvPicPr>
         <p:blipFill>
-          <a:blip r:embed="rId4"/>
+          <a:blip r:embed="rId4">
+            <a:extLst>
+              <a:ext uri="{28A0092B-C50C-407E-A947-70E740481C1C}">
+                <a14:useLocalDpi xmlns:a14="http://schemas.microsoft.com/office/drawing/2010/main" val="0"/>
+              </a:ext>
+            </a:extLst>
+          </a:blip>
           <a:stretch>
             <a:fillRect/>
           </a:stretch>
         </p:blipFill>
         <p:spPr>
           <a:xfrm>
-            <a:off x="2657474" y="5779828"/>
-            <a:ext cx="1316649" cy="638558"/>
-          </a:xfrm>
-          <a:prstGeom prst="rect">
-            <a:avLst/>
-          </a:prstGeom>
-        </p:spPr>
-      </p:pic>
-      <p:pic>
-        <p:nvPicPr>
-          <p:cNvPr id="10" name="Picture 9">
-            <a:extLst>
-              <a:ext uri="{FF2B5EF4-FFF2-40B4-BE49-F238E27FC236}">
-                <a16:creationId xmlns:a16="http://schemas.microsoft.com/office/drawing/2014/main" id="{D5C8D146-1AF1-4416-88BF-9D3CC1B9D38F}"/>
-              </a:ext>
-            </a:extLst>
-          </p:cNvPr>
-          <p:cNvPicPr>
-            <a:picLocks noChangeAspect="1"/>
-          </p:cNvPicPr>
-          <p:nvPr/>
-        </p:nvPicPr>
-        <p:blipFill>
-          <a:blip r:embed="rId4"/>
-          <a:stretch>
-            <a:fillRect/>
-          </a:stretch>
-        </p:blipFill>
-        <p:spPr>
-          <a:xfrm>
-            <a:off x="7744922" y="5779827"/>
-            <a:ext cx="1316649" cy="638558"/>
+            <a:off x="783703" y="2836654"/>
+            <a:ext cx="3022587" cy="1722419"/>
           </a:xfrm>
           <a:prstGeom prst="rect">
             <a:avLst/>
@@ -9786,7 +11009,7 @@
     </p:spTree>
     <p:extLst>
       <p:ext uri="{BB962C8B-B14F-4D97-AF65-F5344CB8AC3E}">
-        <p14:creationId xmlns:p14="http://schemas.microsoft.com/office/powerpoint/2010/main" val="344518357"/>
+        <p14:creationId xmlns:p14="http://schemas.microsoft.com/office/powerpoint/2010/main" val="4261915638"/>
       </p:ext>
     </p:extLst>
   </p:cSld>
@@ -9921,397 +11144,7 @@
           <p:cNvPr id="2" name="Title 1">
             <a:extLst>
               <a:ext uri="{FF2B5EF4-FFF2-40B4-BE49-F238E27FC236}">
-                <a16:creationId xmlns:a16="http://schemas.microsoft.com/office/drawing/2014/main" id="{A431E346-100D-45BF-87BC-35CE0F03E86C}"/>
-              </a:ext>
-            </a:extLst>
-          </p:cNvPr>
-          <p:cNvSpPr>
-            <a:spLocks noGrp="1"/>
-          </p:cNvSpPr>
-          <p:nvPr>
-            <p:ph type="title"/>
-          </p:nvPr>
-        </p:nvSpPr>
-        <p:spPr>
-          <a:xfrm>
-            <a:off x="838200" y="571859"/>
-            <a:ext cx="10515600" cy="1325563"/>
-          </a:xfrm>
-        </p:spPr>
-        <p:txBody>
-          <a:bodyPr>
-            <a:normAutofit/>
-          </a:bodyPr>
-          <a:lstStyle/>
-          <a:p>
-            <a:pPr algn="ctr"/>
-            <a:r>
-              <a:rPr lang="en-AU" sz="3200" b="1" dirty="0">
-                <a:latin typeface="Gill Sans MT" panose="020B0502020104020203" pitchFamily="34" charset="77"/>
-              </a:rPr>
-              <a:t>Correlation between Unemployment </a:t>
-            </a:r>
-            <a:br>
-              <a:rPr lang="en-AU" sz="3200" b="1" dirty="0">
-                <a:latin typeface="Gill Sans MT" panose="020B0502020104020203" pitchFamily="34" charset="77"/>
-              </a:rPr>
-            </a:br>
-            <a:r>
-              <a:rPr lang="en-AU" sz="3200" b="1" dirty="0">
-                <a:latin typeface="Gill Sans MT" panose="020B0502020104020203" pitchFamily="34" charset="77"/>
-              </a:rPr>
-              <a:t>and COVID in WA and VIC</a:t>
-            </a:r>
-          </a:p>
-        </p:txBody>
-      </p:sp>
-      <p:pic>
-        <p:nvPicPr>
-          <p:cNvPr id="7" name="Content Placeholder 6">
-            <a:extLst>
-              <a:ext uri="{FF2B5EF4-FFF2-40B4-BE49-F238E27FC236}">
-                <a16:creationId xmlns:a16="http://schemas.microsoft.com/office/drawing/2014/main" id="{D9991E85-27B7-4369-8803-03586373A572}"/>
-              </a:ext>
-            </a:extLst>
-          </p:cNvPr>
-          <p:cNvPicPr>
-            <a:picLocks noGrp="1" noChangeAspect="1"/>
-          </p:cNvPicPr>
-          <p:nvPr>
-            <p:ph sz="half" idx="2"/>
-          </p:nvPr>
-        </p:nvPicPr>
-        <p:blipFill>
-          <a:blip r:embed="rId2"/>
-          <a:stretch>
-            <a:fillRect/>
-          </a:stretch>
-        </p:blipFill>
-        <p:spPr>
-          <a:xfrm>
-            <a:off x="954732" y="2505075"/>
-            <a:ext cx="4562139" cy="3684588"/>
-          </a:xfrm>
-          <a:prstGeom prst="rect">
-            <a:avLst/>
-          </a:prstGeom>
-        </p:spPr>
-      </p:pic>
-      <p:pic>
-        <p:nvPicPr>
-          <p:cNvPr id="9" name="Content Placeholder 8">
-            <a:extLst>
-              <a:ext uri="{FF2B5EF4-FFF2-40B4-BE49-F238E27FC236}">
-                <a16:creationId xmlns:a16="http://schemas.microsoft.com/office/drawing/2014/main" id="{04828E15-E9D1-4129-9FC4-28707ACEA81D}"/>
-              </a:ext>
-            </a:extLst>
-          </p:cNvPr>
-          <p:cNvPicPr>
-            <a:picLocks noGrp="1" noChangeAspect="1"/>
-          </p:cNvPicPr>
-          <p:nvPr>
-            <p:ph sz="quarter" idx="4"/>
-          </p:nvPr>
-        </p:nvPicPr>
-        <p:blipFill>
-          <a:blip r:embed="rId3">
-            <a:extLst>
-              <a:ext uri="{28A0092B-C50C-407E-A947-70E740481C1C}">
-                <a14:useLocalDpi xmlns:a14="http://schemas.microsoft.com/office/drawing/2010/main" val="0"/>
-              </a:ext>
-            </a:extLst>
-          </a:blip>
-          <a:stretch>
-            <a:fillRect/>
-          </a:stretch>
-        </p:blipFill>
-        <p:spPr>
-          <a:xfrm>
-            <a:off x="6339254" y="2505075"/>
-            <a:ext cx="4766739" cy="3535240"/>
-          </a:xfrm>
-          <a:prstGeom prst="rect">
-            <a:avLst/>
-          </a:prstGeom>
-        </p:spPr>
-      </p:pic>
-    </p:spTree>
-    <p:extLst>
-      <p:ext uri="{BB962C8B-B14F-4D97-AF65-F5344CB8AC3E}">
-        <p14:creationId xmlns:p14="http://schemas.microsoft.com/office/powerpoint/2010/main" val="1022255430"/>
-      </p:ext>
-    </p:extLst>
-  </p:cSld>
-  <p:clrMapOvr>
-    <a:masterClrMapping/>
-  </p:clrMapOvr>
-</p:sld>
-</file>
-
-<file path=ppt/slides/slide21.xml><?xml version="1.0" encoding="utf-8"?>
-<p:sld xmlns:a="http://schemas.openxmlformats.org/drawingml/2006/main" xmlns:r="http://schemas.openxmlformats.org/officeDocument/2006/relationships" xmlns:p="http://schemas.openxmlformats.org/presentationml/2006/main">
-  <p:cSld>
-    <p:spTree>
-      <p:nvGrpSpPr>
-        <p:cNvPr id="1" name=""/>
-        <p:cNvGrpSpPr/>
-        <p:nvPr/>
-      </p:nvGrpSpPr>
-      <p:grpSpPr>
-        <a:xfrm>
-          <a:off x="0" y="0"/>
-          <a:ext cx="0" cy="0"/>
-          <a:chOff x="0" y="0"/>
-          <a:chExt cx="0" cy="0"/>
-        </a:xfrm>
-      </p:grpSpPr>
-      <p:sp>
-        <p:nvSpPr>
-          <p:cNvPr id="2" name="Title 1">
-            <a:extLst>
-              <a:ext uri="{FF2B5EF4-FFF2-40B4-BE49-F238E27FC236}">
-                <a16:creationId xmlns:a16="http://schemas.microsoft.com/office/drawing/2014/main" id="{FE75F991-3DA5-44E7-9FD8-AEA707A805C8}"/>
-              </a:ext>
-            </a:extLst>
-          </p:cNvPr>
-          <p:cNvSpPr>
-            <a:spLocks noGrp="1"/>
-          </p:cNvSpPr>
-          <p:nvPr>
-            <p:ph type="title"/>
-          </p:nvPr>
-        </p:nvSpPr>
-        <p:spPr>
-          <a:xfrm>
-            <a:off x="838199" y="510398"/>
-            <a:ext cx="10515600" cy="1111983"/>
-          </a:xfrm>
-        </p:spPr>
-        <p:txBody>
-          <a:bodyPr>
-            <a:normAutofit/>
-          </a:bodyPr>
-          <a:lstStyle/>
-          <a:p>
-            <a:pPr algn="ctr"/>
-            <a:r>
-              <a:rPr lang="en-AU" sz="3200" b="1" dirty="0">
-                <a:latin typeface="Gill Sans MT" panose="020B0502020104020203" pitchFamily="34" charset="77"/>
-              </a:rPr>
-              <a:t>Correlation between Unemployment and </a:t>
-            </a:r>
-            <a:br>
-              <a:rPr lang="en-AU" sz="3200" b="1" dirty="0">
-                <a:latin typeface="Gill Sans MT" panose="020B0502020104020203" pitchFamily="34" charset="77"/>
-              </a:rPr>
-            </a:br>
-            <a:r>
-              <a:rPr lang="en-AU" sz="3200" b="1" dirty="0">
-                <a:latin typeface="Gill Sans MT" panose="020B0502020104020203" pitchFamily="34" charset="77"/>
-              </a:rPr>
-              <a:t>COVID cases in Australia in 2020</a:t>
-            </a:r>
-          </a:p>
-        </p:txBody>
-      </p:sp>
-      <p:pic>
-        <p:nvPicPr>
-          <p:cNvPr id="7" name="Content Placeholder 7">
-            <a:extLst>
-              <a:ext uri="{FF2B5EF4-FFF2-40B4-BE49-F238E27FC236}">
-                <a16:creationId xmlns:a16="http://schemas.microsoft.com/office/drawing/2014/main" id="{87BEBC25-BD52-4DE1-8F04-F339C1429ECA}"/>
-              </a:ext>
-            </a:extLst>
-          </p:cNvPr>
-          <p:cNvPicPr>
-            <a:picLocks noGrp="1" noChangeAspect="1"/>
-          </p:cNvPicPr>
-          <p:nvPr>
-            <p:ph sz="half" idx="2"/>
-          </p:nvPr>
-        </p:nvPicPr>
-        <p:blipFill>
-          <a:blip r:embed="rId2"/>
-          <a:stretch>
-            <a:fillRect/>
-          </a:stretch>
-        </p:blipFill>
-        <p:spPr>
-          <a:xfrm>
-            <a:off x="3363715" y="1827064"/>
-            <a:ext cx="5464569" cy="3964546"/>
-          </a:xfrm>
-          <a:prstGeom prst="rect">
-            <a:avLst/>
-          </a:prstGeom>
-        </p:spPr>
-      </p:pic>
-    </p:spTree>
-    <p:extLst>
-      <p:ext uri="{BB962C8B-B14F-4D97-AF65-F5344CB8AC3E}">
-        <p14:creationId xmlns:p14="http://schemas.microsoft.com/office/powerpoint/2010/main" val="3569959925"/>
-      </p:ext>
-    </p:extLst>
-  </p:cSld>
-  <p:clrMapOvr>
-    <a:masterClrMapping/>
-  </p:clrMapOvr>
-</p:sld>
-</file>
-
-<file path=ppt/slides/slide22.xml><?xml version="1.0" encoding="utf-8"?>
-<p:sld xmlns:a="http://schemas.openxmlformats.org/drawingml/2006/main" xmlns:r="http://schemas.openxmlformats.org/officeDocument/2006/relationships" xmlns:p="http://schemas.openxmlformats.org/presentationml/2006/main">
-  <p:cSld>
-    <p:spTree>
-      <p:nvGrpSpPr>
-        <p:cNvPr id="1" name=""/>
-        <p:cNvGrpSpPr/>
-        <p:nvPr/>
-      </p:nvGrpSpPr>
-      <p:grpSpPr>
-        <a:xfrm>
-          <a:off x="0" y="0"/>
-          <a:ext cx="0" cy="0"/>
-          <a:chOff x="0" y="0"/>
-          <a:chExt cx="0" cy="0"/>
-        </a:xfrm>
-      </p:grpSpPr>
-      <p:sp>
-        <p:nvSpPr>
-          <p:cNvPr id="2" name="Title 1">
-            <a:extLst>
-              <a:ext uri="{FF2B5EF4-FFF2-40B4-BE49-F238E27FC236}">
-                <a16:creationId xmlns:a16="http://schemas.microsoft.com/office/drawing/2014/main" id="{83694565-4325-47F5-A357-6EC0CC875E2A}"/>
-              </a:ext>
-            </a:extLst>
-          </p:cNvPr>
-          <p:cNvSpPr>
-            <a:spLocks noGrp="1"/>
-          </p:cNvSpPr>
-          <p:nvPr>
-            <p:ph type="title"/>
-          </p:nvPr>
-        </p:nvSpPr>
-        <p:spPr/>
-        <p:txBody>
-          <a:bodyPr/>
-          <a:lstStyle/>
-          <a:p>
-            <a:r>
-              <a:rPr lang="en-US" b="1" i="0" u="none" strike="noStrike" dirty="0">
-                <a:effectLst/>
-                <a:latin typeface="inherit"/>
-              </a:rPr>
-              <a:t>Covid-19 impact on VIC job vacancies</a:t>
-            </a:r>
-            <a:endParaRPr lang="en-AU" dirty="0"/>
-          </a:p>
-        </p:txBody>
-      </p:sp>
-      <p:pic>
-        <p:nvPicPr>
-          <p:cNvPr id="5" name="Content Placeholder 4">
-            <a:extLst>
-              <a:ext uri="{FF2B5EF4-FFF2-40B4-BE49-F238E27FC236}">
-                <a16:creationId xmlns:a16="http://schemas.microsoft.com/office/drawing/2014/main" id="{021BB7ED-1596-442F-916A-337587C85EC0}"/>
-              </a:ext>
-            </a:extLst>
-          </p:cNvPr>
-          <p:cNvPicPr>
-            <a:picLocks noGrp="1" noChangeAspect="1"/>
-          </p:cNvPicPr>
-          <p:nvPr>
-            <p:ph idx="1"/>
-          </p:nvPr>
-        </p:nvPicPr>
-        <p:blipFill>
-          <a:blip r:embed="rId2"/>
-          <a:stretch>
-            <a:fillRect/>
-          </a:stretch>
-        </p:blipFill>
-        <p:spPr>
-          <a:xfrm>
-            <a:off x="5025748" y="1262598"/>
-            <a:ext cx="6401355" cy="4493141"/>
-          </a:xfrm>
-          <a:prstGeom prst="rect">
-            <a:avLst/>
-          </a:prstGeom>
-        </p:spPr>
-      </p:pic>
-      <p:pic>
-        <p:nvPicPr>
-          <p:cNvPr id="6" name="Picture 5">
-            <a:extLst>
-              <a:ext uri="{FF2B5EF4-FFF2-40B4-BE49-F238E27FC236}">
-                <a16:creationId xmlns:a16="http://schemas.microsoft.com/office/drawing/2014/main" id="{A3F49DDB-7F39-431C-BFDA-79A75D80D6F3}"/>
-              </a:ext>
-            </a:extLst>
-          </p:cNvPr>
-          <p:cNvPicPr>
-            <a:picLocks noChangeAspect="1"/>
-          </p:cNvPicPr>
-          <p:nvPr/>
-        </p:nvPicPr>
-        <p:blipFill>
-          <a:blip r:embed="rId3">
-            <a:extLst>
-              <a:ext uri="{28A0092B-C50C-407E-A947-70E740481C1C}">
-                <a14:useLocalDpi xmlns:a14="http://schemas.microsoft.com/office/drawing/2010/main" val="0"/>
-              </a:ext>
-            </a:extLst>
-          </a:blip>
-          <a:stretch>
-            <a:fillRect/>
-          </a:stretch>
-        </p:blipFill>
-        <p:spPr>
-          <a:xfrm>
-            <a:off x="783703" y="2836654"/>
-            <a:ext cx="3022587" cy="1722419"/>
-          </a:xfrm>
-          <a:prstGeom prst="rect">
-            <a:avLst/>
-          </a:prstGeom>
-        </p:spPr>
-      </p:pic>
-    </p:spTree>
-    <p:extLst>
-      <p:ext uri="{BB962C8B-B14F-4D97-AF65-F5344CB8AC3E}">
-        <p14:creationId xmlns:p14="http://schemas.microsoft.com/office/powerpoint/2010/main" val="4261915638"/>
-      </p:ext>
-    </p:extLst>
-  </p:cSld>
-  <p:clrMapOvr>
-    <a:masterClrMapping/>
-  </p:clrMapOvr>
-</p:sld>
-</file>
-
-<file path=ppt/slides/slide23.xml><?xml version="1.0" encoding="utf-8"?>
-<p:sld xmlns:a="http://schemas.openxmlformats.org/drawingml/2006/main" xmlns:r="http://schemas.openxmlformats.org/officeDocument/2006/relationships" xmlns:p="http://schemas.openxmlformats.org/presentationml/2006/main">
-  <p:cSld>
-    <p:spTree>
-      <p:nvGrpSpPr>
-        <p:cNvPr id="1" name=""/>
-        <p:cNvGrpSpPr/>
-        <p:nvPr/>
-      </p:nvGrpSpPr>
-      <p:grpSpPr>
-        <a:xfrm>
-          <a:off x="0" y="0"/>
-          <a:ext cx="0" cy="0"/>
-          <a:chOff x="0" y="0"/>
-          <a:chExt cx="0" cy="0"/>
-        </a:xfrm>
-      </p:grpSpPr>
-      <p:sp>
-        <p:nvSpPr>
-          <p:cNvPr id="2" name="Title 1">
-            <a:extLst>
-              <a:ext uri="{FF2B5EF4-FFF2-40B4-BE49-F238E27FC236}">
-                <a16:creationId xmlns:a16="http://schemas.microsoft.com/office/drawing/2014/main" id="{DA0E0C3E-33DF-442D-B0F8-11D1101A251D}"/>
+                <a16:creationId xmlns:a16="http://schemas.microsoft.com/office/drawing/2014/main" id="{709DBB87-D1DC-5649-99B0-D5B140E0C432}"/>
               </a:ext>
             </a:extLst>
           </p:cNvPr>
@@ -10336,7 +11169,7 @@
                 <a:latin typeface="Gill Sans MT" panose="020B0502020104020203" pitchFamily="34" charset="77"/>
                 <a:cs typeface="Calibri" panose="020F0502020204030204" pitchFamily="34" charset="0"/>
               </a:rPr>
-              <a:t>VIC and WA job Vacancies and </a:t>
+              <a:t>Job vacancies and COVID-19 case </a:t>
             </a:r>
             <a:br>
               <a:rPr lang="en-US" sz="3200" b="1" i="0" u="none" strike="noStrike" dirty="0">
@@ -10351,9 +11184,9 @@
                 <a:latin typeface="Gill Sans MT" panose="020B0502020104020203" pitchFamily="34" charset="77"/>
                 <a:cs typeface="Calibri" panose="020F0502020204030204" pitchFamily="34" charset="0"/>
               </a:rPr>
-              <a:t>COVID-19 impact on them</a:t>
-            </a:r>
-            <a:endParaRPr lang="en-AU" sz="3200" dirty="0">
+              <a:t>correlation in Australia</a:t>
+            </a:r>
+            <a:endParaRPr lang="en-US" sz="3200" dirty="0">
               <a:latin typeface="Gill Sans MT" panose="020B0502020104020203" pitchFamily="34" charset="77"/>
               <a:cs typeface="Calibri" panose="020F0502020204030204" pitchFamily="34" charset="0"/>
             </a:endParaRPr>
@@ -10362,39 +11195,10 @@
       </p:sp>
       <p:pic>
         <p:nvPicPr>
-          <p:cNvPr id="5" name="Content Placeholder 4">
-            <a:extLst>
-              <a:ext uri="{FF2B5EF4-FFF2-40B4-BE49-F238E27FC236}">
-                <a16:creationId xmlns:a16="http://schemas.microsoft.com/office/drawing/2014/main" id="{780886B3-100B-4A00-A351-BD11BDAF5CFA}"/>
-              </a:ext>
-            </a:extLst>
-          </p:cNvPr>
-          <p:cNvPicPr>
-            <a:picLocks noGrp="1" noChangeAspect="1"/>
-          </p:cNvPicPr>
-          <p:nvPr>
-            <p:ph idx="1"/>
-          </p:nvPr>
-        </p:nvPicPr>
-        <p:blipFill>
-          <a:blip r:embed="rId2"/>
-          <a:stretch>
-            <a:fillRect/>
-          </a:stretch>
-        </p:blipFill>
-        <p:spPr>
-          <a:xfrm>
-            <a:off x="695082" y="1627080"/>
-            <a:ext cx="5348503" cy="4281487"/>
-          </a:xfrm>
-        </p:spPr>
-      </p:pic>
-      <p:pic>
-        <p:nvPicPr>
-          <p:cNvPr id="7" name="Picture 6">
-            <a:extLst>
-              <a:ext uri="{FF2B5EF4-FFF2-40B4-BE49-F238E27FC236}">
-                <a16:creationId xmlns:a16="http://schemas.microsoft.com/office/drawing/2014/main" id="{70159344-5611-45FA-AE6F-82E86D248B46}"/>
+          <p:cNvPr id="8" name="Content Placeholder 3">
+            <a:extLst>
+              <a:ext uri="{FF2B5EF4-FFF2-40B4-BE49-F238E27FC236}">
+                <a16:creationId xmlns:a16="http://schemas.microsoft.com/office/drawing/2014/main" id="{985EBDED-098E-4FBF-A25D-D5C32E83F4AD}"/>
               </a:ext>
             </a:extLst>
           </p:cNvPr>
@@ -10405,348 +11209,6 @@
         </p:nvPicPr>
         <p:blipFill>
           <a:blip r:embed="rId3"/>
-          <a:stretch>
-            <a:fillRect/>
-          </a:stretch>
-        </p:blipFill>
-        <p:spPr>
-          <a:xfrm>
-            <a:off x="6043585" y="2079517"/>
-            <a:ext cx="5465404" cy="3724275"/>
-          </a:xfrm>
-          <a:prstGeom prst="rect">
-            <a:avLst/>
-          </a:prstGeom>
-        </p:spPr>
-      </p:pic>
-      <p:pic>
-        <p:nvPicPr>
-          <p:cNvPr id="6" name="Picture 5" descr="Icon&#10;&#10;Description automatically generated">
-            <a:extLst>
-              <a:ext uri="{FF2B5EF4-FFF2-40B4-BE49-F238E27FC236}">
-                <a16:creationId xmlns:a16="http://schemas.microsoft.com/office/drawing/2014/main" id="{C9A99EE7-54AA-6248-A515-762C63A20995}"/>
-              </a:ext>
-            </a:extLst>
-          </p:cNvPr>
-          <p:cNvPicPr>
-            <a:picLocks noChangeAspect="1"/>
-          </p:cNvPicPr>
-          <p:nvPr/>
-        </p:nvPicPr>
-        <p:blipFill>
-          <a:blip r:embed="rId4">
-            <a:extLst>
-              <a:ext uri="{28A0092B-C50C-407E-A947-70E740481C1C}">
-                <a14:useLocalDpi xmlns:a14="http://schemas.microsoft.com/office/drawing/2010/main" val="0"/>
-              </a:ext>
-            </a:extLst>
-          </a:blip>
-          <a:stretch>
-            <a:fillRect/>
-          </a:stretch>
-        </p:blipFill>
-        <p:spPr>
-          <a:xfrm>
-            <a:off x="2729454" y="5803792"/>
-            <a:ext cx="1550424" cy="830413"/>
-          </a:xfrm>
-          <a:prstGeom prst="rect">
-            <a:avLst/>
-          </a:prstGeom>
-        </p:spPr>
-      </p:pic>
-      <p:pic>
-        <p:nvPicPr>
-          <p:cNvPr id="8" name="Picture 7" descr="Icon&#10;&#10;Description automatically generated">
-            <a:extLst>
-              <a:ext uri="{FF2B5EF4-FFF2-40B4-BE49-F238E27FC236}">
-                <a16:creationId xmlns:a16="http://schemas.microsoft.com/office/drawing/2014/main" id="{508E09A7-8CA2-A94A-B7DA-DED5FDB1BA39}"/>
-              </a:ext>
-            </a:extLst>
-          </p:cNvPr>
-          <p:cNvPicPr>
-            <a:picLocks noChangeAspect="1"/>
-          </p:cNvPicPr>
-          <p:nvPr/>
-        </p:nvPicPr>
-        <p:blipFill>
-          <a:blip r:embed="rId4">
-            <a:extLst>
-              <a:ext uri="{28A0092B-C50C-407E-A947-70E740481C1C}">
-                <a14:useLocalDpi xmlns:a14="http://schemas.microsoft.com/office/drawing/2010/main" val="0"/>
-              </a:ext>
-            </a:extLst>
-          </a:blip>
-          <a:stretch>
-            <a:fillRect/>
-          </a:stretch>
-        </p:blipFill>
-        <p:spPr>
-          <a:xfrm>
-            <a:off x="7851921" y="5803791"/>
-            <a:ext cx="1550424" cy="830413"/>
-          </a:xfrm>
-          <a:prstGeom prst="rect">
-            <a:avLst/>
-          </a:prstGeom>
-        </p:spPr>
-      </p:pic>
-    </p:spTree>
-    <p:extLst>
-      <p:ext uri="{BB962C8B-B14F-4D97-AF65-F5344CB8AC3E}">
-        <p14:creationId xmlns:p14="http://schemas.microsoft.com/office/powerpoint/2010/main" val="2335502777"/>
-      </p:ext>
-    </p:extLst>
-  </p:cSld>
-  <p:clrMapOvr>
-    <a:masterClrMapping/>
-  </p:clrMapOvr>
-</p:sld>
-</file>
-
-<file path=ppt/slides/slide24.xml><?xml version="1.0" encoding="utf-8"?>
-<p:sld xmlns:a="http://schemas.openxmlformats.org/drawingml/2006/main" xmlns:r="http://schemas.openxmlformats.org/officeDocument/2006/relationships" xmlns:p="http://schemas.openxmlformats.org/presentationml/2006/main">
-  <p:cSld>
-    <p:spTree>
-      <p:nvGrpSpPr>
-        <p:cNvPr id="1" name=""/>
-        <p:cNvGrpSpPr/>
-        <p:nvPr/>
-      </p:nvGrpSpPr>
-      <p:grpSpPr>
-        <a:xfrm>
-          <a:off x="0" y="0"/>
-          <a:ext cx="0" cy="0"/>
-          <a:chOff x="0" y="0"/>
-          <a:chExt cx="0" cy="0"/>
-        </a:xfrm>
-      </p:grpSpPr>
-      <p:sp>
-        <p:nvSpPr>
-          <p:cNvPr id="2" name="Title 1">
-            <a:extLst>
-              <a:ext uri="{FF2B5EF4-FFF2-40B4-BE49-F238E27FC236}">
-                <a16:creationId xmlns:a16="http://schemas.microsoft.com/office/drawing/2014/main" id="{DE50925E-CC4D-413A-8494-F531DC12B692}"/>
-              </a:ext>
-            </a:extLst>
-          </p:cNvPr>
-          <p:cNvSpPr>
-            <a:spLocks noGrp="1"/>
-          </p:cNvSpPr>
-          <p:nvPr>
-            <p:ph type="title"/>
-          </p:nvPr>
-        </p:nvSpPr>
-        <p:spPr/>
-        <p:txBody>
-          <a:bodyPr>
-            <a:normAutofit/>
-          </a:bodyPr>
-          <a:lstStyle/>
-          <a:p>
-            <a:pPr algn="ctr"/>
-            <a:r>
-              <a:rPr lang="en-US" sz="3200" b="1" i="0" u="none" strike="noStrike" dirty="0">
-                <a:effectLst/>
-                <a:latin typeface="Gill Sans MT" panose="020B0502020104020203" pitchFamily="34" charset="77"/>
-                <a:cs typeface="Calibri" panose="020F0502020204030204" pitchFamily="34" charset="0"/>
-              </a:rPr>
-              <a:t>Job Vacancies number and COVID-19 case </a:t>
-            </a:r>
-            <a:br>
-              <a:rPr lang="en-US" sz="3200" b="1" i="0" u="none" strike="noStrike" dirty="0">
-                <a:effectLst/>
-                <a:latin typeface="Gill Sans MT" panose="020B0502020104020203" pitchFamily="34" charset="77"/>
-                <a:cs typeface="Calibri" panose="020F0502020204030204" pitchFamily="34" charset="0"/>
-              </a:rPr>
-            </a:br>
-            <a:r>
-              <a:rPr lang="en-US" sz="3200" b="1" i="0" u="none" strike="noStrike" dirty="0">
-                <a:effectLst/>
-                <a:latin typeface="Gill Sans MT" panose="020B0502020104020203" pitchFamily="34" charset="77"/>
-                <a:cs typeface="Calibri" panose="020F0502020204030204" pitchFamily="34" charset="0"/>
-              </a:rPr>
-              <a:t>Correlation </a:t>
-            </a:r>
-            <a:r>
-              <a:rPr lang="en-US" sz="3200" b="1" dirty="0">
-                <a:latin typeface="Gill Sans MT" panose="020B0502020104020203" pitchFamily="34" charset="77"/>
-                <a:cs typeface="Calibri" panose="020F0502020204030204" pitchFamily="34" charset="0"/>
-              </a:rPr>
-              <a:t>in WA and VIC</a:t>
-            </a:r>
-            <a:endParaRPr lang="en-AU" sz="3200" dirty="0">
-              <a:latin typeface="Gill Sans MT" panose="020B0502020104020203" pitchFamily="34" charset="77"/>
-              <a:cs typeface="Calibri" panose="020F0502020204030204" pitchFamily="34" charset="0"/>
-            </a:endParaRPr>
-          </a:p>
-        </p:txBody>
-      </p:sp>
-      <p:pic>
-        <p:nvPicPr>
-          <p:cNvPr id="5" name="Content Placeholder 4">
-            <a:extLst>
-              <a:ext uri="{FF2B5EF4-FFF2-40B4-BE49-F238E27FC236}">
-                <a16:creationId xmlns:a16="http://schemas.microsoft.com/office/drawing/2014/main" id="{DE1A7482-FC27-4B3B-BE59-DFCF32771D31}"/>
-              </a:ext>
-            </a:extLst>
-          </p:cNvPr>
-          <p:cNvPicPr>
-            <a:picLocks noGrp="1" noChangeAspect="1"/>
-          </p:cNvPicPr>
-          <p:nvPr>
-            <p:ph idx="1"/>
-          </p:nvPr>
-        </p:nvPicPr>
-        <p:blipFill>
-          <a:blip r:embed="rId2"/>
-          <a:stretch>
-            <a:fillRect/>
-          </a:stretch>
-        </p:blipFill>
-        <p:spPr>
-          <a:xfrm>
-            <a:off x="1185863" y="2142399"/>
-            <a:ext cx="4752975" cy="3971925"/>
-          </a:xfrm>
-        </p:spPr>
-      </p:pic>
-      <p:pic>
-        <p:nvPicPr>
-          <p:cNvPr id="9" name="Picture 8">
-            <a:extLst>
-              <a:ext uri="{FF2B5EF4-FFF2-40B4-BE49-F238E27FC236}">
-                <a16:creationId xmlns:a16="http://schemas.microsoft.com/office/drawing/2014/main" id="{EBD64060-360C-4D2F-9B42-CEA8BE483E51}"/>
-              </a:ext>
-            </a:extLst>
-          </p:cNvPr>
-          <p:cNvPicPr>
-            <a:picLocks noChangeAspect="1"/>
-          </p:cNvPicPr>
-          <p:nvPr/>
-        </p:nvPicPr>
-        <p:blipFill>
-          <a:blip r:embed="rId3">
-            <a:extLst>
-              <a:ext uri="{28A0092B-C50C-407E-A947-70E740481C1C}">
-                <a14:useLocalDpi xmlns:a14="http://schemas.microsoft.com/office/drawing/2010/main" val="0"/>
-              </a:ext>
-            </a:extLst>
-          </a:blip>
-          <a:stretch>
-            <a:fillRect/>
-          </a:stretch>
-        </p:blipFill>
-        <p:spPr>
-          <a:xfrm>
-            <a:off x="6253161" y="2142398"/>
-            <a:ext cx="4974616" cy="3801201"/>
-          </a:xfrm>
-          <a:prstGeom prst="rect">
-            <a:avLst/>
-          </a:prstGeom>
-        </p:spPr>
-      </p:pic>
-    </p:spTree>
-    <p:extLst>
-      <p:ext uri="{BB962C8B-B14F-4D97-AF65-F5344CB8AC3E}">
-        <p14:creationId xmlns:p14="http://schemas.microsoft.com/office/powerpoint/2010/main" val="1867639471"/>
-      </p:ext>
-    </p:extLst>
-  </p:cSld>
-  <p:clrMapOvr>
-    <a:masterClrMapping/>
-  </p:clrMapOvr>
-</p:sld>
-</file>
-
-<file path=ppt/slides/slide25.xml><?xml version="1.0" encoding="utf-8"?>
-<p:sld xmlns:a="http://schemas.openxmlformats.org/drawingml/2006/main" xmlns:r="http://schemas.openxmlformats.org/officeDocument/2006/relationships" xmlns:p="http://schemas.openxmlformats.org/presentationml/2006/main">
-  <p:cSld>
-    <p:spTree>
-      <p:nvGrpSpPr>
-        <p:cNvPr id="1" name=""/>
-        <p:cNvGrpSpPr/>
-        <p:nvPr/>
-      </p:nvGrpSpPr>
-      <p:grpSpPr>
-        <a:xfrm>
-          <a:off x="0" y="0"/>
-          <a:ext cx="0" cy="0"/>
-          <a:chOff x="0" y="0"/>
-          <a:chExt cx="0" cy="0"/>
-        </a:xfrm>
-      </p:grpSpPr>
-      <p:sp>
-        <p:nvSpPr>
-          <p:cNvPr id="2" name="Title 1">
-            <a:extLst>
-              <a:ext uri="{FF2B5EF4-FFF2-40B4-BE49-F238E27FC236}">
-                <a16:creationId xmlns:a16="http://schemas.microsoft.com/office/drawing/2014/main" id="{709DBB87-D1DC-5649-99B0-D5B140E0C432}"/>
-              </a:ext>
-            </a:extLst>
-          </p:cNvPr>
-          <p:cNvSpPr>
-            <a:spLocks noGrp="1"/>
-          </p:cNvSpPr>
-          <p:nvPr>
-            <p:ph type="title"/>
-          </p:nvPr>
-        </p:nvSpPr>
-        <p:spPr/>
-        <p:txBody>
-          <a:bodyPr>
-            <a:normAutofit/>
-          </a:bodyPr>
-          <a:lstStyle/>
-          <a:p>
-            <a:pPr algn="ctr"/>
-            <a:r>
-              <a:rPr lang="en-US" sz="3200" b="1" i="0" u="none" strike="noStrike" dirty="0">
-                <a:effectLst/>
-                <a:latin typeface="Gill Sans MT" panose="020B0502020104020203" pitchFamily="34" charset="77"/>
-                <a:cs typeface="Calibri" panose="020F0502020204030204" pitchFamily="34" charset="0"/>
-              </a:rPr>
-              <a:t>Job vacancies and COVID-19 case </a:t>
-            </a:r>
-            <a:br>
-              <a:rPr lang="en-US" sz="3200" b="1" i="0" u="none" strike="noStrike" dirty="0">
-                <a:effectLst/>
-                <a:latin typeface="Gill Sans MT" panose="020B0502020104020203" pitchFamily="34" charset="77"/>
-                <a:cs typeface="Calibri" panose="020F0502020204030204" pitchFamily="34" charset="0"/>
-              </a:rPr>
-            </a:br>
-            <a:r>
-              <a:rPr lang="en-US" sz="3200" b="1" i="0" u="none" strike="noStrike" dirty="0">
-                <a:effectLst/>
-                <a:latin typeface="Gill Sans MT" panose="020B0502020104020203" pitchFamily="34" charset="77"/>
-                <a:cs typeface="Calibri" panose="020F0502020204030204" pitchFamily="34" charset="0"/>
-              </a:rPr>
-              <a:t>correlation in Australia</a:t>
-            </a:r>
-            <a:endParaRPr lang="en-US" sz="3200" dirty="0">
-              <a:latin typeface="Gill Sans MT" panose="020B0502020104020203" pitchFamily="34" charset="77"/>
-              <a:cs typeface="Calibri" panose="020F0502020204030204" pitchFamily="34" charset="0"/>
-            </a:endParaRPr>
-          </a:p>
-        </p:txBody>
-      </p:sp>
-      <p:pic>
-        <p:nvPicPr>
-          <p:cNvPr id="8" name="Content Placeholder 3">
-            <a:extLst>
-              <a:ext uri="{FF2B5EF4-FFF2-40B4-BE49-F238E27FC236}">
-                <a16:creationId xmlns:a16="http://schemas.microsoft.com/office/drawing/2014/main" id="{985EBDED-098E-4FBF-A25D-D5C32E83F4AD}"/>
-              </a:ext>
-            </a:extLst>
-          </p:cNvPr>
-          <p:cNvPicPr>
-            <a:picLocks noChangeAspect="1"/>
-          </p:cNvPicPr>
-          <p:nvPr/>
-        </p:nvPicPr>
-        <p:blipFill>
-          <a:blip r:embed="rId2"/>
           <a:stretch>
             <a:fillRect/>
           </a:stretch>
@@ -10774,7 +11236,7 @@
 </p:sld>
 </file>
 
-<file path=ppt/slides/slide26.xml><?xml version="1.0" encoding="utf-8"?>
+<file path=ppt/slides/slide21.xml><?xml version="1.0" encoding="utf-8"?>
 <p:sld xmlns:a="http://schemas.openxmlformats.org/drawingml/2006/main" xmlns:r="http://schemas.openxmlformats.org/officeDocument/2006/relationships" xmlns:p="http://schemas.openxmlformats.org/presentationml/2006/main">
   <p:cSld>
     <p:bg>
@@ -10905,7 +11367,7 @@
 </p:sld>
 </file>
 
-<file path=ppt/slides/slide27.xml><?xml version="1.0" encoding="utf-8"?>
+<file path=ppt/slides/slide22.xml><?xml version="1.0" encoding="utf-8"?>
 <p:sld xmlns:a="http://schemas.openxmlformats.org/drawingml/2006/main" xmlns:r="http://schemas.openxmlformats.org/officeDocument/2006/relationships" xmlns:p="http://schemas.openxmlformats.org/presentationml/2006/main">
   <p:cSld>
     <p:spTree>
@@ -10940,9 +11402,7 @@
         </p:nvSpPr>
         <p:spPr/>
         <p:txBody>
-          <a:bodyPr>
-            <a:normAutofit/>
-          </a:bodyPr>
+          <a:bodyPr/>
           <a:lstStyle/>
           <a:p>
             <a:pPr algn="ctr"/>
@@ -10951,7 +11411,7 @@
                 <a:latin typeface="Gill Sans MT" panose="020B0502020104020203" pitchFamily="34" charset="77"/>
                 <a:cs typeface="Calibri" panose="020F0502020204030204" pitchFamily="34" charset="0"/>
               </a:rPr>
-              <a:t>Limitations and Further Study </a:t>
+              <a:t>Conclusion</a:t>
             </a:r>
           </a:p>
         </p:txBody>
@@ -10981,7 +11441,7 @@
               <a:rPr lang="en-US" dirty="0">
                 <a:latin typeface="Gill Sans MT" panose="020B0502020104020203" pitchFamily="34" charset="77"/>
               </a:rPr>
-              <a:t>Insufficient raw medical data sources for Australia</a:t>
+              <a:t>News and media led us to believe that the pandemic has a huge impact on loss of employment.</a:t>
             </a:r>
           </a:p>
           <a:p>
@@ -10989,7 +11449,7 @@
               <a:rPr lang="en-US" dirty="0">
                 <a:latin typeface="Gill Sans MT" panose="020B0502020104020203" pitchFamily="34" charset="77"/>
               </a:rPr>
-              <a:t>Drill down into what industries were affected the most</a:t>
+              <a:t>However, based on our analysis on the available data, while there was a visible impact on unemployment, the affect was not as great as we initially hypothesized. </a:t>
             </a:r>
           </a:p>
           <a:p>
@@ -10997,10 +11457,19 @@
               <a:rPr lang="en-US" dirty="0">
                 <a:latin typeface="Gill Sans MT" panose="020B0502020104020203" pitchFamily="34" charset="77"/>
               </a:rPr>
-              <a:t>Causes of impacts are worth while to be studied in the future</a:t>
-            </a:r>
-          </a:p>
-          <a:p>
+              <a:t>WA was not as affected as VIC was. Possibly to the difference in size and density of the population of both states.</a:t>
+            </a:r>
+          </a:p>
+          <a:p>
+            <a:pPr marL="0" indent="0">
+              <a:buNone/>
+            </a:pPr>
+            <a:endParaRPr lang="en-US" dirty="0"/>
+          </a:p>
+          <a:p>
+            <a:pPr marL="0" indent="0">
+              <a:buNone/>
+            </a:pPr>
             <a:endParaRPr lang="en-US" dirty="0"/>
           </a:p>
         </p:txBody>
@@ -11008,7 +11477,7 @@
     </p:spTree>
     <p:extLst>
       <p:ext uri="{BB962C8B-B14F-4D97-AF65-F5344CB8AC3E}">
-        <p14:creationId xmlns:p14="http://schemas.microsoft.com/office/powerpoint/2010/main" val="2654586748"/>
+        <p14:creationId xmlns:p14="http://schemas.microsoft.com/office/powerpoint/2010/main" val="2308327480"/>
       </p:ext>
     </p:extLst>
   </p:cSld>
@@ -11018,7 +11487,7 @@
 </p:sld>
 </file>
 
-<file path=ppt/slides/slide28.xml><?xml version="1.0" encoding="utf-8"?>
+<file path=ppt/slides/slide23.xml><?xml version="1.0" encoding="utf-8"?>
 <p:sld xmlns:a="http://schemas.openxmlformats.org/drawingml/2006/main" xmlns:r="http://schemas.openxmlformats.org/officeDocument/2006/relationships" xmlns:p="http://schemas.openxmlformats.org/presentationml/2006/main">
   <p:cSld>
     <p:spTree>
@@ -11053,7 +11522,9 @@
         </p:nvSpPr>
         <p:spPr/>
         <p:txBody>
-          <a:bodyPr/>
+          <a:bodyPr>
+            <a:normAutofit/>
+          </a:bodyPr>
           <a:lstStyle/>
           <a:p>
             <a:pPr algn="ctr"/>
@@ -11062,7 +11533,7 @@
                 <a:latin typeface="Gill Sans MT" panose="020B0502020104020203" pitchFamily="34" charset="77"/>
                 <a:cs typeface="Calibri" panose="020F0502020204030204" pitchFamily="34" charset="0"/>
               </a:rPr>
-              <a:t>Conclusion</a:t>
+              <a:t>Limitations and Further Study </a:t>
             </a:r>
           </a:p>
         </p:txBody>
@@ -11092,7 +11563,7 @@
               <a:rPr lang="en-US" dirty="0">
                 <a:latin typeface="Gill Sans MT" panose="020B0502020104020203" pitchFamily="34" charset="77"/>
               </a:rPr>
-              <a:t>News and media led us to believe that the pandemic has a huge impact on loss of employment.</a:t>
+              <a:t>Insufficient raw medical data sources for Australia</a:t>
             </a:r>
           </a:p>
           <a:p>
@@ -11100,7 +11571,7 @@
               <a:rPr lang="en-US" dirty="0">
                 <a:latin typeface="Gill Sans MT" panose="020B0502020104020203" pitchFamily="34" charset="77"/>
               </a:rPr>
-              <a:t>However, based on our analysis on the available data, while there was a visible impact on unemployment, the affect was not as great as we initially hypothesized. </a:t>
+              <a:t>Drill down into what industries were affected the most</a:t>
             </a:r>
           </a:p>
           <a:p>
@@ -11108,19 +11579,10 @@
               <a:rPr lang="en-US" dirty="0">
                 <a:latin typeface="Gill Sans MT" panose="020B0502020104020203" pitchFamily="34" charset="77"/>
               </a:rPr>
-              <a:t>WA was not as affected as VIC was. Possibly to the difference in size and density of the population of both states.</a:t>
-            </a:r>
-          </a:p>
-          <a:p>
-            <a:pPr marL="0" indent="0">
-              <a:buNone/>
-            </a:pPr>
-            <a:endParaRPr lang="en-US" dirty="0"/>
-          </a:p>
-          <a:p>
-            <a:pPr marL="0" indent="0">
-              <a:buNone/>
-            </a:pPr>
+              <a:t>Causes of impacts are worth while to be studied in the future</a:t>
+            </a:r>
+          </a:p>
+          <a:p>
             <a:endParaRPr lang="en-US" dirty="0"/>
           </a:p>
         </p:txBody>
@@ -11128,7 +11590,7 @@
     </p:spTree>
     <p:extLst>
       <p:ext uri="{BB962C8B-B14F-4D97-AF65-F5344CB8AC3E}">
-        <p14:creationId xmlns:p14="http://schemas.microsoft.com/office/powerpoint/2010/main" val="2308327480"/>
+        <p14:creationId xmlns:p14="http://schemas.microsoft.com/office/powerpoint/2010/main" val="2654586748"/>
       </p:ext>
     </p:extLst>
   </p:cSld>
@@ -11461,7 +11923,7 @@
             </a:r>
             <a:r>
               <a:rPr lang="en-AU" dirty="0">
-                <a:hlinkClick r:id="rId2"/>
+                <a:hlinkClick r:id="rId3"/>
               </a:rPr>
               <a:t>https://www.abs.gov.au/statistics/labour/employment-and-unemployment/labour-force-australia-detailed/feb-2021#unemployment</a:t>
             </a:r>
@@ -11474,7 +11936,7 @@
             </a:r>
             <a:r>
               <a:rPr lang="en-AU" dirty="0">
-                <a:hlinkClick r:id="rId3"/>
+                <a:hlinkClick r:id="rId4"/>
               </a:rPr>
               <a:t>https://www.abs.gov.au/statistics/labour/employment-and-unemployment/job-vacancies-australia/feb-2021</a:t>
             </a:r>
@@ -11487,7 +11949,7 @@
             </a:r>
             <a:r>
               <a:rPr lang="en-AU" dirty="0">
-                <a:hlinkClick r:id="rId4"/>
+                <a:hlinkClick r:id="rId5"/>
               </a:rPr>
               <a:t>http://www9.health.gov.au/cda/source/cda-index.cfm</a:t>
             </a:r>
@@ -13049,4 +13511,299 @@
     </a:ext>
   </a:extLst>
 </a:theme>
+</file>
+
+<file path=ppt/theme/theme3.xml><?xml version="1.0" encoding="utf-8"?>
+<a:theme xmlns:a="http://schemas.openxmlformats.org/drawingml/2006/main" name="Office Theme">
+  <a:themeElements>
+    <a:clrScheme name="Office">
+      <a:dk1>
+        <a:sysClr val="windowText" lastClr="000000"/>
+      </a:dk1>
+      <a:lt1>
+        <a:sysClr val="window" lastClr="FFFFFF"/>
+      </a:lt1>
+      <a:dk2>
+        <a:srgbClr val="44546A"/>
+      </a:dk2>
+      <a:lt2>
+        <a:srgbClr val="E7E6E6"/>
+      </a:lt2>
+      <a:accent1>
+        <a:srgbClr val="4472C4"/>
+      </a:accent1>
+      <a:accent2>
+        <a:srgbClr val="ED7D31"/>
+      </a:accent2>
+      <a:accent3>
+        <a:srgbClr val="A5A5A5"/>
+      </a:accent3>
+      <a:accent4>
+        <a:srgbClr val="FFC000"/>
+      </a:accent4>
+      <a:accent5>
+        <a:srgbClr val="5B9BD5"/>
+      </a:accent5>
+      <a:accent6>
+        <a:srgbClr val="70AD47"/>
+      </a:accent6>
+      <a:hlink>
+        <a:srgbClr val="0563C1"/>
+      </a:hlink>
+      <a:folHlink>
+        <a:srgbClr val="954F72"/>
+      </a:folHlink>
+    </a:clrScheme>
+    <a:fontScheme name="Office">
+      <a:majorFont>
+        <a:latin typeface="Calibri Light" panose="020F0302020204030204"/>
+        <a:ea typeface=""/>
+        <a:cs typeface=""/>
+        <a:font script="Jpan" typeface="游ゴシック Light"/>
+        <a:font script="Hang" typeface="맑은 고딕"/>
+        <a:font script="Hans" typeface="等线 Light"/>
+        <a:font script="Hant" typeface="新細明體"/>
+        <a:font script="Arab" typeface="Times New Roman"/>
+        <a:font script="Hebr" typeface="Times New Roman"/>
+        <a:font script="Thai" typeface="Angsana New"/>
+        <a:font script="Ethi" typeface="Nyala"/>
+        <a:font script="Beng" typeface="Vrinda"/>
+        <a:font script="Gujr" typeface="Shruti"/>
+        <a:font script="Khmr" typeface="MoolBoran"/>
+        <a:font script="Knda" typeface="Tunga"/>
+        <a:font script="Guru" typeface="Raavi"/>
+        <a:font script="Cans" typeface="Euphemia"/>
+        <a:font script="Cher" typeface="Plantagenet Cherokee"/>
+        <a:font script="Yiii" typeface="Microsoft Yi Baiti"/>
+        <a:font script="Tibt" typeface="Microsoft Himalaya"/>
+        <a:font script="Thaa" typeface="MV Boli"/>
+        <a:font script="Deva" typeface="Mangal"/>
+        <a:font script="Telu" typeface="Gautami"/>
+        <a:font script="Taml" typeface="Latha"/>
+        <a:font script="Syrc" typeface="Estrangelo Edessa"/>
+        <a:font script="Orya" typeface="Kalinga"/>
+        <a:font script="Mlym" typeface="Kartika"/>
+        <a:font script="Laoo" typeface="DokChampa"/>
+        <a:font script="Sinh" typeface="Iskoola Pota"/>
+        <a:font script="Mong" typeface="Mongolian Baiti"/>
+        <a:font script="Viet" typeface="Times New Roman"/>
+        <a:font script="Uigh" typeface="Microsoft Uighur"/>
+        <a:font script="Geor" typeface="Sylfaen"/>
+        <a:font script="Armn" typeface="Arial"/>
+        <a:font script="Bugi" typeface="Leelawadee UI"/>
+        <a:font script="Bopo" typeface="Microsoft JhengHei"/>
+        <a:font script="Java" typeface="Javanese Text"/>
+        <a:font script="Lisu" typeface="Segoe UI"/>
+        <a:font script="Mymr" typeface="Myanmar Text"/>
+        <a:font script="Nkoo" typeface="Ebrima"/>
+        <a:font script="Olck" typeface="Nirmala UI"/>
+        <a:font script="Osma" typeface="Ebrima"/>
+        <a:font script="Phag" typeface="Phagspa"/>
+        <a:font script="Syrn" typeface="Estrangelo Edessa"/>
+        <a:font script="Syrj" typeface="Estrangelo Edessa"/>
+        <a:font script="Syre" typeface="Estrangelo Edessa"/>
+        <a:font script="Sora" typeface="Nirmala UI"/>
+        <a:font script="Tale" typeface="Microsoft Tai Le"/>
+        <a:font script="Talu" typeface="Microsoft New Tai Lue"/>
+        <a:font script="Tfng" typeface="Ebrima"/>
+      </a:majorFont>
+      <a:minorFont>
+        <a:latin typeface="Calibri" panose="020F0502020204030204"/>
+        <a:ea typeface=""/>
+        <a:cs typeface=""/>
+        <a:font script="Jpan" typeface="游ゴシック"/>
+        <a:font script="Hang" typeface="맑은 고딕"/>
+        <a:font script="Hans" typeface="等线"/>
+        <a:font script="Hant" typeface="新細明體"/>
+        <a:font script="Arab" typeface="Arial"/>
+        <a:font script="Hebr" typeface="Arial"/>
+        <a:font script="Thai" typeface="Cordia New"/>
+        <a:font script="Ethi" typeface="Nyala"/>
+        <a:font script="Beng" typeface="Vrinda"/>
+        <a:font script="Gujr" typeface="Shruti"/>
+        <a:font script="Khmr" typeface="DaunPenh"/>
+        <a:font script="Knda" typeface="Tunga"/>
+        <a:font script="Guru" typeface="Raavi"/>
+        <a:font script="Cans" typeface="Euphemia"/>
+        <a:font script="Cher" typeface="Plantagenet Cherokee"/>
+        <a:font script="Yiii" typeface="Microsoft Yi Baiti"/>
+        <a:font script="Tibt" typeface="Microsoft Himalaya"/>
+        <a:font script="Thaa" typeface="MV Boli"/>
+        <a:font script="Deva" typeface="Mangal"/>
+        <a:font script="Telu" typeface="Gautami"/>
+        <a:font script="Taml" typeface="Latha"/>
+        <a:font script="Syrc" typeface="Estrangelo Edessa"/>
+        <a:font script="Orya" typeface="Kalinga"/>
+        <a:font script="Mlym" typeface="Kartika"/>
+        <a:font script="Laoo" typeface="DokChampa"/>
+        <a:font script="Sinh" typeface="Iskoola Pota"/>
+        <a:font script="Mong" typeface="Mongolian Baiti"/>
+        <a:font script="Viet" typeface="Arial"/>
+        <a:font script="Uigh" typeface="Microsoft Uighur"/>
+        <a:font script="Geor" typeface="Sylfaen"/>
+        <a:font script="Armn" typeface="Arial"/>
+        <a:font script="Bugi" typeface="Leelawadee UI"/>
+        <a:font script="Bopo" typeface="Microsoft JhengHei"/>
+        <a:font script="Java" typeface="Javanese Text"/>
+        <a:font script="Lisu" typeface="Segoe UI"/>
+        <a:font script="Mymr" typeface="Myanmar Text"/>
+        <a:font script="Nkoo" typeface="Ebrima"/>
+        <a:font script="Olck" typeface="Nirmala UI"/>
+        <a:font script="Osma" typeface="Ebrima"/>
+        <a:font script="Phag" typeface="Phagspa"/>
+        <a:font script="Syrn" typeface="Estrangelo Edessa"/>
+        <a:font script="Syrj" typeface="Estrangelo Edessa"/>
+        <a:font script="Syre" typeface="Estrangelo Edessa"/>
+        <a:font script="Sora" typeface="Nirmala UI"/>
+        <a:font script="Tale" typeface="Microsoft Tai Le"/>
+        <a:font script="Talu" typeface="Microsoft New Tai Lue"/>
+        <a:font script="Tfng" typeface="Ebrima"/>
+      </a:minorFont>
+    </a:fontScheme>
+    <a:fmtScheme name="Office">
+      <a:fillStyleLst>
+        <a:solidFill>
+          <a:schemeClr val="phClr"/>
+        </a:solidFill>
+        <a:gradFill rotWithShape="1">
+          <a:gsLst>
+            <a:gs pos="0">
+              <a:schemeClr val="phClr">
+                <a:lumMod val="110000"/>
+                <a:satMod val="105000"/>
+                <a:tint val="67000"/>
+              </a:schemeClr>
+            </a:gs>
+            <a:gs pos="50000">
+              <a:schemeClr val="phClr">
+                <a:lumMod val="105000"/>
+                <a:satMod val="103000"/>
+                <a:tint val="73000"/>
+              </a:schemeClr>
+            </a:gs>
+            <a:gs pos="100000">
+              <a:schemeClr val="phClr">
+                <a:lumMod val="105000"/>
+                <a:satMod val="109000"/>
+                <a:tint val="81000"/>
+              </a:schemeClr>
+            </a:gs>
+          </a:gsLst>
+          <a:lin ang="5400000" scaled="0"/>
+        </a:gradFill>
+        <a:gradFill rotWithShape="1">
+          <a:gsLst>
+            <a:gs pos="0">
+              <a:schemeClr val="phClr">
+                <a:satMod val="103000"/>
+                <a:lumMod val="102000"/>
+                <a:tint val="94000"/>
+              </a:schemeClr>
+            </a:gs>
+            <a:gs pos="50000">
+              <a:schemeClr val="phClr">
+                <a:satMod val="110000"/>
+                <a:lumMod val="100000"/>
+                <a:shade val="100000"/>
+              </a:schemeClr>
+            </a:gs>
+            <a:gs pos="100000">
+              <a:schemeClr val="phClr">
+                <a:lumMod val="99000"/>
+                <a:satMod val="120000"/>
+                <a:shade val="78000"/>
+              </a:schemeClr>
+            </a:gs>
+          </a:gsLst>
+          <a:lin ang="5400000" scaled="0"/>
+        </a:gradFill>
+      </a:fillStyleLst>
+      <a:lnStyleLst>
+        <a:ln w="6350" cap="flat" cmpd="sng" algn="ctr">
+          <a:solidFill>
+            <a:schemeClr val="phClr"/>
+          </a:solidFill>
+          <a:prstDash val="solid"/>
+          <a:miter lim="800000"/>
+        </a:ln>
+        <a:ln w="12700" cap="flat" cmpd="sng" algn="ctr">
+          <a:solidFill>
+            <a:schemeClr val="phClr"/>
+          </a:solidFill>
+          <a:prstDash val="solid"/>
+          <a:miter lim="800000"/>
+        </a:ln>
+        <a:ln w="19050" cap="flat" cmpd="sng" algn="ctr">
+          <a:solidFill>
+            <a:schemeClr val="phClr"/>
+          </a:solidFill>
+          <a:prstDash val="solid"/>
+          <a:miter lim="800000"/>
+        </a:ln>
+      </a:lnStyleLst>
+      <a:effectStyleLst>
+        <a:effectStyle>
+          <a:effectLst/>
+        </a:effectStyle>
+        <a:effectStyle>
+          <a:effectLst/>
+        </a:effectStyle>
+        <a:effectStyle>
+          <a:effectLst>
+            <a:outerShdw blurRad="57150" dist="19050" dir="5400000" algn="ctr" rotWithShape="0">
+              <a:srgbClr val="000000">
+                <a:alpha val="63000"/>
+              </a:srgbClr>
+            </a:outerShdw>
+          </a:effectLst>
+        </a:effectStyle>
+      </a:effectStyleLst>
+      <a:bgFillStyleLst>
+        <a:solidFill>
+          <a:schemeClr val="phClr"/>
+        </a:solidFill>
+        <a:solidFill>
+          <a:schemeClr val="phClr">
+            <a:tint val="95000"/>
+            <a:satMod val="170000"/>
+          </a:schemeClr>
+        </a:solidFill>
+        <a:gradFill rotWithShape="1">
+          <a:gsLst>
+            <a:gs pos="0">
+              <a:schemeClr val="phClr">
+                <a:tint val="93000"/>
+                <a:satMod val="150000"/>
+                <a:shade val="98000"/>
+                <a:lumMod val="102000"/>
+              </a:schemeClr>
+            </a:gs>
+            <a:gs pos="50000">
+              <a:schemeClr val="phClr">
+                <a:tint val="98000"/>
+                <a:satMod val="130000"/>
+                <a:shade val="90000"/>
+                <a:lumMod val="103000"/>
+              </a:schemeClr>
+            </a:gs>
+            <a:gs pos="100000">
+              <a:schemeClr val="phClr">
+                <a:shade val="63000"/>
+                <a:satMod val="120000"/>
+              </a:schemeClr>
+            </a:gs>
+          </a:gsLst>
+          <a:lin ang="5400000" scaled="0"/>
+        </a:gradFill>
+      </a:bgFillStyleLst>
+    </a:fmtScheme>
+  </a:themeElements>
+  <a:objectDefaults/>
+  <a:extraClrSchemeLst/>
+  <a:extLst>
+    <a:ext uri="{05A4C25C-085E-4340-85A3-A5531E510DB2}">
+      <thm15:themeFamily xmlns:thm15="http://schemas.microsoft.com/office/thememl/2012/main" name="Office Theme" id="{62F939B6-93AF-4DB8-9C6B-D6C7DFDC589F}" vid="{4A3C46E8-61CC-4603-A589-7422A47A8E4A}"/>
+    </a:ext>
+  </a:extLst>
+</a:theme>
 </file>
--- a/Project1.pptx
+++ b/Project1.pptx
@@ -11581,6 +11581,9 @@
               </a:rPr>
               <a:t>Causes of impacts are worth while to be studied in the future</a:t>
             </a:r>
+          </a:p>
+          <a:p>
+            <a:endParaRPr lang="en-AU" dirty="0"/>
           </a:p>
           <a:p>
             <a:endParaRPr lang="en-US" dirty="0"/>

--- a/Project1.pptx
+++ b/Project1.pptx
@@ -263,7 +263,7 @@
           <a:p>
             <a:fld id="{4B945195-BE4E-9642-ABB8-553B82F17F0E}" type="datetimeFigureOut">
               <a:rPr lang="en-US" smtClean="0"/>
-              <a:t>5/3/21</a:t>
+              <a:t>5/4/2021</a:t>
             </a:fld>
             <a:endParaRPr lang="en-US"/>
           </a:p>
@@ -1499,7 +1499,7 @@
           <a:p>
             <a:fld id="{DFC83F58-CC68-4834-9D88-EB3F7809F924}" type="datetimeFigureOut">
               <a:rPr lang="en-AU" smtClean="0"/>
-              <a:t>3/5/21</a:t>
+              <a:t>4/05/2021</a:t>
             </a:fld>
             <a:endParaRPr lang="en-AU"/>
           </a:p>
@@ -1699,7 +1699,7 @@
           <a:p>
             <a:fld id="{DFC83F58-CC68-4834-9D88-EB3F7809F924}" type="datetimeFigureOut">
               <a:rPr lang="en-AU" smtClean="0"/>
-              <a:t>3/5/21</a:t>
+              <a:t>4/05/2021</a:t>
             </a:fld>
             <a:endParaRPr lang="en-AU"/>
           </a:p>
@@ -1909,7 +1909,7 @@
           <a:p>
             <a:fld id="{DFC83F58-CC68-4834-9D88-EB3F7809F924}" type="datetimeFigureOut">
               <a:rPr lang="en-AU" smtClean="0"/>
-              <a:t>3/5/21</a:t>
+              <a:t>4/05/2021</a:t>
             </a:fld>
             <a:endParaRPr lang="en-AU"/>
           </a:p>
@@ -2220,7 +2220,7 @@
           <a:p>
             <a:fld id="{ED291B17-9318-49DB-B28B-6E5994AE9581}" type="datetime1">
               <a:rPr lang="en-US" smtClean="0"/>
-              <a:t>5/3/21</a:t>
+              <a:t>5/4/2021</a:t>
             </a:fld>
             <a:endParaRPr lang="en-US" dirty="0"/>
           </a:p>
@@ -2418,7 +2418,7 @@
           <a:p>
             <a:fld id="{78DD82B9-B8EE-4375-B6FF-88FA6ABB15D9}" type="datetime1">
               <a:rPr lang="en-US" smtClean="0"/>
-              <a:t>5/3/21</a:t>
+              <a:t>5/4/2021</a:t>
             </a:fld>
             <a:endParaRPr lang="en-US" dirty="0"/>
           </a:p>
@@ -2730,7 +2730,7 @@
           <a:p>
             <a:fld id="{B2497495-0637-405E-AE64-5CC7506D51F5}" type="datetime1">
               <a:rPr lang="en-US" smtClean="0"/>
-              <a:t>5/3/21</a:t>
+              <a:t>5/4/2021</a:t>
             </a:fld>
             <a:endParaRPr lang="en-US" dirty="0"/>
           </a:p>
@@ -2983,7 +2983,7 @@
           <a:p>
             <a:fld id="{7BFFD690-9426-415D-8B65-26881E07B2D4}" type="datetime1">
               <a:rPr lang="en-US" smtClean="0"/>
-              <a:t>5/3/21</a:t>
+              <a:t>5/4/2021</a:t>
             </a:fld>
             <a:endParaRPr lang="en-US" dirty="0"/>
           </a:p>
@@ -3405,7 +3405,7 @@
           <a:p>
             <a:fld id="{04C4989A-474C-40DE-95B9-011C28B71673}" type="datetime1">
               <a:rPr lang="en-US" smtClean="0"/>
-              <a:t>5/3/21</a:t>
+              <a:t>5/4/2021</a:t>
             </a:fld>
             <a:endParaRPr lang="en-US" dirty="0"/>
           </a:p>
@@ -3528,7 +3528,7 @@
           <a:p>
             <a:fld id="{5DB4ED54-5B5E-4A04-93D3-5772E3CE3818}" type="datetime1">
               <a:rPr lang="en-US" smtClean="0"/>
-              <a:t>5/3/21</a:t>
+              <a:t>5/4/2021</a:t>
             </a:fld>
             <a:endParaRPr lang="en-US" dirty="0"/>
           </a:p>
@@ -3623,7 +3623,7 @@
           <a:p>
             <a:fld id="{4EDE50D6-574B-40AF-946F-D52A04ADE379}" type="datetime1">
               <a:rPr lang="en-US" smtClean="0"/>
-              <a:t>5/3/21</a:t>
+              <a:t>5/4/2021</a:t>
             </a:fld>
             <a:endParaRPr lang="en-US" dirty="0"/>
           </a:p>
@@ -4000,7 +4000,7 @@
           <a:p>
             <a:fld id="{D82884F1-FFEA-405F-9602-3DCA865EDA4E}" type="datetime1">
               <a:rPr lang="en-US" smtClean="0"/>
-              <a:t>5/3/21</a:t>
+              <a:t>5/4/2021</a:t>
             </a:fld>
             <a:endParaRPr lang="en-US" dirty="0"/>
           </a:p>
@@ -4211,7 +4211,7 @@
           <a:p>
             <a:fld id="{DFC83F58-CC68-4834-9D88-EB3F7809F924}" type="datetimeFigureOut">
               <a:rPr lang="en-AU" smtClean="0"/>
-              <a:t>3/5/21</a:t>
+              <a:t>4/05/2021</a:t>
             </a:fld>
             <a:endParaRPr lang="en-AU"/>
           </a:p>
@@ -4493,7 +4493,7 @@
           <a:p>
             <a:fld id="{7E18DB4A-8810-4A10-AD5C-D5E2C667F5B3}" type="datetime1">
               <a:rPr lang="en-US" smtClean="0"/>
-              <a:t>5/3/21</a:t>
+              <a:t>5/4/2021</a:t>
             </a:fld>
             <a:endParaRPr lang="en-US" dirty="0"/>
           </a:p>
@@ -4685,7 +4685,7 @@
           <a:p>
             <a:fld id="{2CED4963-E985-44C4-B8C4-FDD613B7C2F8}" type="datetime1">
               <a:rPr lang="en-US" smtClean="0"/>
-              <a:t>5/3/21</a:t>
+              <a:t>5/4/2021</a:t>
             </a:fld>
             <a:endParaRPr lang="en-US" dirty="0"/>
           </a:p>
@@ -5047,7 +5047,7 @@
           <a:p>
             <a:fld id="{ED291B17-9318-49DB-B28B-6E5994AE9581}" type="datetime1">
               <a:rPr lang="en-US" smtClean="0"/>
-              <a:t>5/3/21</a:t>
+              <a:t>5/4/2021</a:t>
             </a:fld>
             <a:endParaRPr lang="en-US" dirty="0"/>
           </a:p>
@@ -5323,7 +5323,7 @@
           <a:p>
             <a:fld id="{DFC83F58-CC68-4834-9D88-EB3F7809F924}" type="datetimeFigureOut">
               <a:rPr lang="en-AU" smtClean="0"/>
-              <a:t>3/5/21</a:t>
+              <a:t>4/05/2021</a:t>
             </a:fld>
             <a:endParaRPr lang="en-AU"/>
           </a:p>
@@ -5591,7 +5591,7 @@
           <a:p>
             <a:fld id="{DFC83F58-CC68-4834-9D88-EB3F7809F924}" type="datetimeFigureOut">
               <a:rPr lang="en-AU" smtClean="0"/>
-              <a:t>3/5/21</a:t>
+              <a:t>4/05/2021</a:t>
             </a:fld>
             <a:endParaRPr lang="en-AU"/>
           </a:p>
@@ -6006,7 +6006,7 @@
           <a:p>
             <a:fld id="{DFC83F58-CC68-4834-9D88-EB3F7809F924}" type="datetimeFigureOut">
               <a:rPr lang="en-AU" smtClean="0"/>
-              <a:t>3/5/21</a:t>
+              <a:t>4/05/2021</a:t>
             </a:fld>
             <a:endParaRPr lang="en-AU"/>
           </a:p>
@@ -6148,7 +6148,7 @@
           <a:p>
             <a:fld id="{DFC83F58-CC68-4834-9D88-EB3F7809F924}" type="datetimeFigureOut">
               <a:rPr lang="en-AU" smtClean="0"/>
-              <a:t>3/5/21</a:t>
+              <a:t>4/05/2021</a:t>
             </a:fld>
             <a:endParaRPr lang="en-AU"/>
           </a:p>
@@ -6261,7 +6261,7 @@
           <a:p>
             <a:fld id="{DFC83F58-CC68-4834-9D88-EB3F7809F924}" type="datetimeFigureOut">
               <a:rPr lang="en-AU" smtClean="0"/>
-              <a:t>3/5/21</a:t>
+              <a:t>4/05/2021</a:t>
             </a:fld>
             <a:endParaRPr lang="en-AU"/>
           </a:p>
@@ -6574,7 +6574,7 @@
           <a:p>
             <a:fld id="{DFC83F58-CC68-4834-9D88-EB3F7809F924}" type="datetimeFigureOut">
               <a:rPr lang="en-AU" smtClean="0"/>
-              <a:t>3/5/21</a:t>
+              <a:t>4/05/2021</a:t>
             </a:fld>
             <a:endParaRPr lang="en-AU"/>
           </a:p>
@@ -6863,7 +6863,7 @@
           <a:p>
             <a:fld id="{DFC83F58-CC68-4834-9D88-EB3F7809F924}" type="datetimeFigureOut">
               <a:rPr lang="en-AU" smtClean="0"/>
-              <a:t>3/5/21</a:t>
+              <a:t>4/05/2021</a:t>
             </a:fld>
             <a:endParaRPr lang="en-AU"/>
           </a:p>
@@ -7106,7 +7106,7 @@
           <a:p>
             <a:fld id="{DFC83F58-CC68-4834-9D88-EB3F7809F924}" type="datetimeFigureOut">
               <a:rPr lang="en-AU" smtClean="0"/>
-              <a:t>3/5/21</a:t>
+              <a:t>4/05/2021</a:t>
             </a:fld>
             <a:endParaRPr lang="en-AU"/>
           </a:p>
@@ -7659,7 +7659,7 @@
           <a:p>
             <a:fld id="{ED291B17-9318-49DB-B28B-6E5994AE9581}" type="datetime1">
               <a:rPr lang="en-US" smtClean="0"/>
-              <a:t>5/3/21</a:t>
+              <a:t>5/4/2021</a:t>
             </a:fld>
             <a:endParaRPr lang="en-US" dirty="0"/>
           </a:p>
@@ -8954,8 +8954,8 @@
         </p:nvSpPr>
         <p:spPr>
           <a:xfrm>
-            <a:off x="4773152" y="631961"/>
-            <a:ext cx="6650991" cy="4658216"/>
+            <a:off x="4422988" y="933450"/>
+            <a:ext cx="6872464" cy="5377203"/>
           </a:xfrm>
         </p:spPr>
         <p:txBody>
@@ -8964,8 +8964,11 @@
           <a:p>
             <a:r>
               <a:rPr lang="en-AU" sz="1400" dirty="0"/>
-              <a:t>Data was mostly cleaned so we filtered to required date range </a:t>
-            </a:r>
+              <a:t>Data was mostly cleaned so we filtered to required date range and remove NA values</a:t>
+            </a:r>
+          </a:p>
+          <a:p>
+            <a:endParaRPr lang="en-AU" sz="1400" dirty="0"/>
           </a:p>
           <a:p>
             <a:endParaRPr lang="en-AU" dirty="0"/>
@@ -8997,6 +9000,15 @@
           <a:p>
             <a:endParaRPr lang="en-AU" dirty="0"/>
           </a:p>
+          <a:p>
+            <a:endParaRPr lang="en-AU" dirty="0"/>
+          </a:p>
+          <a:p>
+            <a:endParaRPr lang="en-AU" dirty="0"/>
+          </a:p>
+          <a:p>
+            <a:endParaRPr lang="en-AU" dirty="0"/>
+          </a:p>
         </p:txBody>
       </p:sp>
       <p:sp>
@@ -9029,10 +9041,10 @@
       </p:sp>
       <p:pic>
         <p:nvPicPr>
-          <p:cNvPr id="6" name="Picture 5">
-            <a:extLst>
-              <a:ext uri="{FF2B5EF4-FFF2-40B4-BE49-F238E27FC236}">
-                <a16:creationId xmlns:a16="http://schemas.microsoft.com/office/drawing/2014/main" id="{176C2D3A-FF05-4479-8921-48AA2E76A3AC}"/>
+          <p:cNvPr id="8" name="Picture 7">
+            <a:extLst>
+              <a:ext uri="{FF2B5EF4-FFF2-40B4-BE49-F238E27FC236}">
+                <a16:creationId xmlns:a16="http://schemas.microsoft.com/office/drawing/2014/main" id="{0790FAE4-6EAB-4CD2-A65D-8EA798253978}"/>
               </a:ext>
             </a:extLst>
           </p:cNvPr>
@@ -9049,8 +9061,8 @@
         </p:blipFill>
         <p:spPr>
           <a:xfrm>
-            <a:off x="5128506" y="1136837"/>
-            <a:ext cx="2415333" cy="1443217"/>
+            <a:off x="4911291" y="2958234"/>
+            <a:ext cx="5126789" cy="441325"/>
           </a:xfrm>
           <a:prstGeom prst="rect">
             <a:avLst/>
@@ -9059,10 +9071,10 @@
       </p:pic>
       <p:pic>
         <p:nvPicPr>
-          <p:cNvPr id="8" name="Picture 7">
-            <a:extLst>
-              <a:ext uri="{FF2B5EF4-FFF2-40B4-BE49-F238E27FC236}">
-                <a16:creationId xmlns:a16="http://schemas.microsoft.com/office/drawing/2014/main" id="{0790FAE4-6EAB-4CD2-A65D-8EA798253978}"/>
+          <p:cNvPr id="10" name="Picture 9">
+            <a:extLst>
+              <a:ext uri="{FF2B5EF4-FFF2-40B4-BE49-F238E27FC236}">
+                <a16:creationId xmlns:a16="http://schemas.microsoft.com/office/drawing/2014/main" id="{AAAA1234-CABE-45CF-8FA3-48F5091BB311}"/>
               </a:ext>
             </a:extLst>
           </p:cNvPr>
@@ -9079,8 +9091,8 @@
         </p:blipFill>
         <p:spPr>
           <a:xfrm>
-            <a:off x="4911291" y="2866977"/>
-            <a:ext cx="5434742" cy="403838"/>
+            <a:off x="4931611" y="3364290"/>
+            <a:ext cx="4277780" cy="403855"/>
           </a:xfrm>
           <a:prstGeom prst="rect">
             <a:avLst/>
@@ -9089,10 +9101,10 @@
       </p:pic>
       <p:pic>
         <p:nvPicPr>
-          <p:cNvPr id="10" name="Picture 9">
-            <a:extLst>
-              <a:ext uri="{FF2B5EF4-FFF2-40B4-BE49-F238E27FC236}">
-                <a16:creationId xmlns:a16="http://schemas.microsoft.com/office/drawing/2014/main" id="{AAAA1234-CABE-45CF-8FA3-48F5091BB311}"/>
+          <p:cNvPr id="12" name="Picture 11">
+            <a:extLst>
+              <a:ext uri="{FF2B5EF4-FFF2-40B4-BE49-F238E27FC236}">
+                <a16:creationId xmlns:a16="http://schemas.microsoft.com/office/drawing/2014/main" id="{AB2BCBA8-39EC-4DDA-A72C-7D210102A1A7}"/>
               </a:ext>
             </a:extLst>
           </p:cNvPr>
@@ -9109,8 +9121,8 @@
         </p:blipFill>
         <p:spPr>
           <a:xfrm>
-            <a:off x="4942912" y="3273592"/>
-            <a:ext cx="4277780" cy="441325"/>
+            <a:off x="4931611" y="3748846"/>
+            <a:ext cx="3955002" cy="357509"/>
           </a:xfrm>
           <a:prstGeom prst="rect">
             <a:avLst/>
@@ -9119,10 +9131,10 @@
       </p:pic>
       <p:pic>
         <p:nvPicPr>
-          <p:cNvPr id="12" name="Picture 11">
-            <a:extLst>
-              <a:ext uri="{FF2B5EF4-FFF2-40B4-BE49-F238E27FC236}">
-                <a16:creationId xmlns:a16="http://schemas.microsoft.com/office/drawing/2014/main" id="{AB2BCBA8-39EC-4DDA-A72C-7D210102A1A7}"/>
+          <p:cNvPr id="14" name="Picture 13">
+            <a:extLst>
+              <a:ext uri="{FF2B5EF4-FFF2-40B4-BE49-F238E27FC236}">
+                <a16:creationId xmlns:a16="http://schemas.microsoft.com/office/drawing/2014/main" id="{80A9D1C9-0184-4AE7-A250-25D99D0883AA}"/>
               </a:ext>
             </a:extLst>
           </p:cNvPr>
@@ -9139,8 +9151,8 @@
         </p:blipFill>
         <p:spPr>
           <a:xfrm>
-            <a:off x="4911291" y="3716593"/>
-            <a:ext cx="4047065" cy="413256"/>
+            <a:off x="4911291" y="4075727"/>
+            <a:ext cx="4590518" cy="557804"/>
           </a:xfrm>
           <a:prstGeom prst="rect">
             <a:avLst/>
@@ -9149,10 +9161,10 @@
       </p:pic>
       <p:pic>
         <p:nvPicPr>
-          <p:cNvPr id="14" name="Picture 13">
-            <a:extLst>
-              <a:ext uri="{FF2B5EF4-FFF2-40B4-BE49-F238E27FC236}">
-                <a16:creationId xmlns:a16="http://schemas.microsoft.com/office/drawing/2014/main" id="{80A9D1C9-0184-4AE7-A250-25D99D0883AA}"/>
+          <p:cNvPr id="16" name="Picture 15">
+            <a:extLst>
+              <a:ext uri="{FF2B5EF4-FFF2-40B4-BE49-F238E27FC236}">
+                <a16:creationId xmlns:a16="http://schemas.microsoft.com/office/drawing/2014/main" id="{4DCA2303-ED2B-4C2E-BDA6-BC372E8294FE}"/>
               </a:ext>
             </a:extLst>
           </p:cNvPr>
@@ -9169,8 +9181,8 @@
         </p:blipFill>
         <p:spPr>
           <a:xfrm>
-            <a:off x="4911291" y="4129849"/>
-            <a:ext cx="4590518" cy="557804"/>
+            <a:off x="4913867" y="4657891"/>
+            <a:ext cx="6530693" cy="1925789"/>
           </a:xfrm>
           <a:prstGeom prst="rect">
             <a:avLst/>
@@ -9179,10 +9191,10 @@
       </p:pic>
       <p:pic>
         <p:nvPicPr>
-          <p:cNvPr id="16" name="Picture 15">
-            <a:extLst>
-              <a:ext uri="{FF2B5EF4-FFF2-40B4-BE49-F238E27FC236}">
-                <a16:creationId xmlns:a16="http://schemas.microsoft.com/office/drawing/2014/main" id="{4DCA2303-ED2B-4C2E-BDA6-BC372E8294FE}"/>
+          <p:cNvPr id="11" name="Picture 10">
+            <a:extLst>
+              <a:ext uri="{FF2B5EF4-FFF2-40B4-BE49-F238E27FC236}">
+                <a16:creationId xmlns:a16="http://schemas.microsoft.com/office/drawing/2014/main" id="{5900A792-7674-4CDB-AE35-B8458ED39DE4}"/>
               </a:ext>
             </a:extLst>
           </p:cNvPr>
@@ -9199,8 +9211,38 @@
         </p:blipFill>
         <p:spPr>
           <a:xfrm>
-            <a:off x="4913867" y="4657891"/>
-            <a:ext cx="6530693" cy="1925789"/>
+            <a:off x="8612601" y="1005333"/>
+            <a:ext cx="2150226" cy="1760656"/>
+          </a:xfrm>
+          <a:prstGeom prst="rect">
+            <a:avLst/>
+          </a:prstGeom>
+        </p:spPr>
+      </p:pic>
+      <p:pic>
+        <p:nvPicPr>
+          <p:cNvPr id="15" name="Picture 14">
+            <a:extLst>
+              <a:ext uri="{FF2B5EF4-FFF2-40B4-BE49-F238E27FC236}">
+                <a16:creationId xmlns:a16="http://schemas.microsoft.com/office/drawing/2014/main" id="{492A5F8B-AAEF-4086-84ED-EAA57976A435}"/>
+              </a:ext>
+            </a:extLst>
+          </p:cNvPr>
+          <p:cNvPicPr>
+            <a:picLocks noChangeAspect="1"/>
+          </p:cNvPicPr>
+          <p:nvPr/>
+        </p:nvPicPr>
+        <p:blipFill>
+          <a:blip r:embed="rId8"/>
+          <a:stretch>
+            <a:fillRect/>
+          </a:stretch>
+        </p:blipFill>
+        <p:spPr>
+          <a:xfrm>
+            <a:off x="4931611" y="1058252"/>
+            <a:ext cx="3460917" cy="441325"/>
           </a:xfrm>
           <a:prstGeom prst="rect">
             <a:avLst/>
@@ -12217,7 +12259,7 @@
           <a:p>
             <a:r>
               <a:rPr lang="en-AU" dirty="0"/>
-              <a:t>Renamed the columns to be more meaningful</a:t>
+              <a:t>Renamed the columns to be more meaningful remove NA values</a:t>
             </a:r>
           </a:p>
           <a:p>
@@ -12382,10 +12424,10 @@
       </p:pic>
       <p:pic>
         <p:nvPicPr>
-          <p:cNvPr id="12" name="Picture 11">
-            <a:extLst>
-              <a:ext uri="{FF2B5EF4-FFF2-40B4-BE49-F238E27FC236}">
-                <a16:creationId xmlns:a16="http://schemas.microsoft.com/office/drawing/2014/main" id="{FEEBCD1B-EA83-43FB-B6B5-9AB587D5D625}"/>
+          <p:cNvPr id="14" name="Picture 13">
+            <a:extLst>
+              <a:ext uri="{FF2B5EF4-FFF2-40B4-BE49-F238E27FC236}">
+                <a16:creationId xmlns:a16="http://schemas.microsoft.com/office/drawing/2014/main" id="{7D686CB3-3AB8-465A-BC9E-D5A37E3A6E6C}"/>
               </a:ext>
             </a:extLst>
           </p:cNvPr>
@@ -12402,8 +12444,8 @@
         </p:blipFill>
         <p:spPr>
           <a:xfrm>
-            <a:off x="5007311" y="1622850"/>
-            <a:ext cx="3704192" cy="1018303"/>
+            <a:off x="8817886" y="1496654"/>
+            <a:ext cx="3051996" cy="2288997"/>
           </a:xfrm>
           <a:prstGeom prst="rect">
             <a:avLst/>
@@ -12412,10 +12454,10 @@
       </p:pic>
       <p:pic>
         <p:nvPicPr>
-          <p:cNvPr id="14" name="Picture 13">
-            <a:extLst>
-              <a:ext uri="{FF2B5EF4-FFF2-40B4-BE49-F238E27FC236}">
-                <a16:creationId xmlns:a16="http://schemas.microsoft.com/office/drawing/2014/main" id="{7D686CB3-3AB8-465A-BC9E-D5A37E3A6E6C}"/>
+          <p:cNvPr id="9" name="Picture 8">
+            <a:extLst>
+              <a:ext uri="{FF2B5EF4-FFF2-40B4-BE49-F238E27FC236}">
+                <a16:creationId xmlns:a16="http://schemas.microsoft.com/office/drawing/2014/main" id="{707E9EBA-ED29-494F-83E9-A949FB48A841}"/>
               </a:ext>
             </a:extLst>
           </p:cNvPr>
@@ -12432,8 +12474,8 @@
         </p:blipFill>
         <p:spPr>
           <a:xfrm>
-            <a:off x="8817886" y="1496654"/>
-            <a:ext cx="3051996" cy="2288997"/>
+            <a:off x="5007311" y="1567886"/>
+            <a:ext cx="3704192" cy="1073266"/>
           </a:xfrm>
           <a:prstGeom prst="rect">
             <a:avLst/>
@@ -12690,8 +12732,8 @@
         </p:nvSpPr>
         <p:spPr>
           <a:xfrm>
-            <a:off x="5031966" y="1451218"/>
-            <a:ext cx="7487448" cy="4658216"/>
+            <a:off x="4660053" y="1435947"/>
+            <a:ext cx="7859361" cy="4673487"/>
           </a:xfrm>
         </p:spPr>
         <p:txBody>
@@ -12699,9 +12741,16 @@
           <a:lstStyle/>
           <a:p>
             <a:r>
-              <a:rPr lang="en-AU" dirty="0"/>
-              <a:t>Renamed the columns to be more meaningful</a:t>
-            </a:r>
+              <a:rPr lang="en-AU" sz="1800" dirty="0"/>
+              <a:t>Renamed the columns to be more meaningful and dropped NA values</a:t>
+            </a:r>
+          </a:p>
+          <a:p>
+            <a:endParaRPr lang="en-AU" sz="1800" dirty="0">
+              <a:highlight>
+                <a:srgbClr val="FFFF00"/>
+              </a:highlight>
+            </a:endParaRPr>
           </a:p>
           <a:p>
             <a:endParaRPr lang="en-AU" dirty="0">
@@ -12732,15 +12781,8 @@
             </a:endParaRPr>
           </a:p>
           <a:p>
-            <a:endParaRPr lang="en-AU" dirty="0">
-              <a:highlight>
-                <a:srgbClr val="FFFF00"/>
-              </a:highlight>
-            </a:endParaRPr>
-          </a:p>
-          <a:p>
-            <a:r>
-              <a:rPr lang="en-AU" dirty="0"/>
+            <a:r>
+              <a:rPr lang="en-AU" sz="1800" dirty="0"/>
               <a:t>Filtered to the date range required </a:t>
             </a:r>
           </a:p>
@@ -12791,10 +12833,10 @@
       </p:sp>
       <p:pic>
         <p:nvPicPr>
-          <p:cNvPr id="6" name="Picture 5">
-            <a:extLst>
-              <a:ext uri="{FF2B5EF4-FFF2-40B4-BE49-F238E27FC236}">
-                <a16:creationId xmlns:a16="http://schemas.microsoft.com/office/drawing/2014/main" id="{513CC23F-72E8-41C7-B111-246FA44CF654}"/>
+          <p:cNvPr id="8" name="Picture 7">
+            <a:extLst>
+              <a:ext uri="{FF2B5EF4-FFF2-40B4-BE49-F238E27FC236}">
+                <a16:creationId xmlns:a16="http://schemas.microsoft.com/office/drawing/2014/main" id="{BF9B1A9D-FB9B-4F8D-AC80-742521AF76A8}"/>
               </a:ext>
             </a:extLst>
           </p:cNvPr>
@@ -12811,8 +12853,8 @@
         </p:blipFill>
         <p:spPr>
           <a:xfrm>
-            <a:off x="5031964" y="1478918"/>
-            <a:ext cx="3804573" cy="1046490"/>
+            <a:off x="5031965" y="2497708"/>
+            <a:ext cx="6519954" cy="1308497"/>
           </a:xfrm>
           <a:prstGeom prst="rect">
             <a:avLst/>
@@ -12821,10 +12863,10 @@
       </p:pic>
       <p:pic>
         <p:nvPicPr>
-          <p:cNvPr id="8" name="Picture 7">
-            <a:extLst>
-              <a:ext uri="{FF2B5EF4-FFF2-40B4-BE49-F238E27FC236}">
-                <a16:creationId xmlns:a16="http://schemas.microsoft.com/office/drawing/2014/main" id="{BF9B1A9D-FB9B-4F8D-AC80-742521AF76A8}"/>
+          <p:cNvPr id="10" name="Picture 9">
+            <a:extLst>
+              <a:ext uri="{FF2B5EF4-FFF2-40B4-BE49-F238E27FC236}">
+                <a16:creationId xmlns:a16="http://schemas.microsoft.com/office/drawing/2014/main" id="{CECEAF72-BEB4-4307-ACA5-BEE5CC0B1BEC}"/>
               </a:ext>
             </a:extLst>
           </p:cNvPr>
@@ -12841,8 +12883,8 @@
         </p:blipFill>
         <p:spPr>
           <a:xfrm>
-            <a:off x="5031965" y="2497708"/>
-            <a:ext cx="6519954" cy="1308497"/>
+            <a:off x="5060492" y="4148414"/>
+            <a:ext cx="3955898" cy="370492"/>
           </a:xfrm>
           <a:prstGeom prst="rect">
             <a:avLst/>
@@ -12851,10 +12893,10 @@
       </p:pic>
       <p:pic>
         <p:nvPicPr>
-          <p:cNvPr id="10" name="Picture 9">
-            <a:extLst>
-              <a:ext uri="{FF2B5EF4-FFF2-40B4-BE49-F238E27FC236}">
-                <a16:creationId xmlns:a16="http://schemas.microsoft.com/office/drawing/2014/main" id="{CECEAF72-BEB4-4307-ACA5-BEE5CC0B1BEC}"/>
+          <p:cNvPr id="12" name="Picture 11">
+            <a:extLst>
+              <a:ext uri="{FF2B5EF4-FFF2-40B4-BE49-F238E27FC236}">
+                <a16:creationId xmlns:a16="http://schemas.microsoft.com/office/drawing/2014/main" id="{D97DCA61-FBE5-4AF5-AD9C-D70764CCB863}"/>
               </a:ext>
             </a:extLst>
           </p:cNvPr>
@@ -12871,8 +12913,8 @@
         </p:blipFill>
         <p:spPr>
           <a:xfrm>
-            <a:off x="5060492" y="4148414"/>
-            <a:ext cx="3955898" cy="370492"/>
+            <a:off x="5060493" y="4629121"/>
+            <a:ext cx="3955898" cy="443205"/>
           </a:xfrm>
           <a:prstGeom prst="rect">
             <a:avLst/>
@@ -12881,10 +12923,10 @@
       </p:pic>
       <p:pic>
         <p:nvPicPr>
-          <p:cNvPr id="12" name="Picture 11">
-            <a:extLst>
-              <a:ext uri="{FF2B5EF4-FFF2-40B4-BE49-F238E27FC236}">
-                <a16:creationId xmlns:a16="http://schemas.microsoft.com/office/drawing/2014/main" id="{D97DCA61-FBE5-4AF5-AD9C-D70764CCB863}"/>
+          <p:cNvPr id="14" name="Picture 13">
+            <a:extLst>
+              <a:ext uri="{FF2B5EF4-FFF2-40B4-BE49-F238E27FC236}">
+                <a16:creationId xmlns:a16="http://schemas.microsoft.com/office/drawing/2014/main" id="{9DEEE59B-03FD-4D03-BCE4-2AF02465AB40}"/>
               </a:ext>
             </a:extLst>
           </p:cNvPr>
@@ -12901,8 +12943,8 @@
         </p:blipFill>
         <p:spPr>
           <a:xfrm>
-            <a:off x="5060493" y="4629121"/>
-            <a:ext cx="3955898" cy="443205"/>
+            <a:off x="5138337" y="5102804"/>
+            <a:ext cx="4777203" cy="818317"/>
           </a:xfrm>
           <a:prstGeom prst="rect">
             <a:avLst/>
@@ -12911,10 +12953,10 @@
       </p:pic>
       <p:pic>
         <p:nvPicPr>
-          <p:cNvPr id="14" name="Picture 13">
-            <a:extLst>
-              <a:ext uri="{FF2B5EF4-FFF2-40B4-BE49-F238E27FC236}">
-                <a16:creationId xmlns:a16="http://schemas.microsoft.com/office/drawing/2014/main" id="{9DEEE59B-03FD-4D03-BCE4-2AF02465AB40}"/>
+          <p:cNvPr id="7" name="Picture 6">
+            <a:extLst>
+              <a:ext uri="{FF2B5EF4-FFF2-40B4-BE49-F238E27FC236}">
+                <a16:creationId xmlns:a16="http://schemas.microsoft.com/office/drawing/2014/main" id="{02DD8D61-E4FC-4CAA-80FA-EA0E114E215A}"/>
               </a:ext>
             </a:extLst>
           </p:cNvPr>
@@ -12931,8 +12973,8 @@
         </p:blipFill>
         <p:spPr>
           <a:xfrm>
-            <a:off x="5138337" y="5102804"/>
-            <a:ext cx="4777203" cy="818317"/>
+            <a:off x="5138337" y="1553560"/>
+            <a:ext cx="4611828" cy="913670"/>
           </a:xfrm>
           <a:prstGeom prst="rect">
             <a:avLst/>

--- a/Project1.pptx
+++ b/Project1.pptx
@@ -10823,6 +10823,14 @@
 <file path=ppt/slides/slide18.xml><?xml version="1.0" encoding="utf-8"?>
 <p:sld xmlns:a="http://schemas.openxmlformats.org/drawingml/2006/main" xmlns:r="http://schemas.openxmlformats.org/officeDocument/2006/relationships" xmlns:p="http://schemas.openxmlformats.org/presentationml/2006/main">
   <p:cSld>
+    <p:bg>
+      <p:bgPr>
+        <a:solidFill>
+          <a:schemeClr val="bg1"/>
+        </a:solidFill>
+        <a:effectLst/>
+      </p:bgPr>
+    </p:bg>
     <p:spTree>
       <p:nvGrpSpPr>
         <p:cNvPr id="1" name=""/>
@@ -10839,6 +10847,101 @@
       </p:grpSpPr>
       <p:sp>
         <p:nvSpPr>
+          <p:cNvPr id="11" name="Down Arrow 7">
+            <a:extLst>
+              <a:ext uri="{FF2B5EF4-FFF2-40B4-BE49-F238E27FC236}">
+                <a16:creationId xmlns:a16="http://schemas.microsoft.com/office/drawing/2014/main" id="{73DE2CFE-42F2-48F0-8706-5264E012B10C}"/>
+              </a:ext>
+              <a:ext uri="{C183D7F6-B498-43B3-948B-1728B52AA6E4}">
+                <adec:decorative xmlns:adec="http://schemas.microsoft.com/office/drawing/2017/decorative" val="1"/>
+              </a:ext>
+            </a:extLst>
+          </p:cNvPr>
+          <p:cNvSpPr>
+            <a:spLocks noGrp="1" noRot="1" noChangeAspect="1" noMove="1" noResize="1" noEditPoints="1" noAdjustHandles="1" noChangeArrowheads="1" noChangeShapeType="1" noTextEdit="1"/>
+          </p:cNvSpPr>
+          <p:nvPr>
+            <p:extLst>
+              <p:ext uri="{386F3935-93C4-4BCD-93E2-E3B085C9AB24}">
+                <p16:designElem xmlns:p16="http://schemas.microsoft.com/office/powerpoint/2015/main" val="1"/>
+              </p:ext>
+            </p:extLst>
+          </p:nvPr>
+        </p:nvSpPr>
+        <p:spPr>
+          <a:xfrm rot="16200000">
+            <a:off x="1288521" y="381403"/>
+            <a:ext cx="2200313" cy="3342508"/>
+          </a:xfrm>
+          <a:prstGeom prst="downArrow">
+            <a:avLst>
+              <a:gd name="adj1" fmla="val 100000"/>
+              <a:gd name="adj2" fmla="val 15788"/>
+            </a:avLst>
+          </a:prstGeom>
+          <a:solidFill>
+            <a:srgbClr val="404040"/>
+          </a:solidFill>
+          <a:ln w="53975">
+            <a:noFill/>
+          </a:ln>
+        </p:spPr>
+        <p:style>
+          <a:lnRef idx="2">
+            <a:schemeClr val="accent1">
+              <a:shade val="50000"/>
+            </a:schemeClr>
+          </a:lnRef>
+          <a:fillRef idx="1">
+            <a:schemeClr val="accent1"/>
+          </a:fillRef>
+          <a:effectRef idx="0">
+            <a:schemeClr val="accent1"/>
+          </a:effectRef>
+          <a:fontRef idx="minor">
+            <a:schemeClr val="lt1"/>
+          </a:fontRef>
+        </p:style>
+        <p:txBody>
+          <a:bodyPr rtlCol="0" anchor="ctr"/>
+          <a:lstStyle/>
+          <a:p>
+            <a:pPr marL="0" marR="0" lvl="0" indent="0" algn="ctr" defTabSz="914400" rtl="0" eaLnBrk="1" fontAlgn="auto" latinLnBrk="0" hangingPunct="1">
+              <a:lnSpc>
+                <a:spcPct val="100000"/>
+              </a:lnSpc>
+              <a:spcBef>
+                <a:spcPts val="0"/>
+              </a:spcBef>
+              <a:spcAft>
+                <a:spcPts val="0"/>
+              </a:spcAft>
+              <a:buClrTx/>
+              <a:buSzTx/>
+              <a:buFontTx/>
+              <a:buNone/>
+              <a:tabLst/>
+              <a:defRPr/>
+            </a:pPr>
+            <a:endParaRPr kumimoji="0" lang="en-US" sz="1800" b="0" i="0" u="none" strike="noStrike" kern="1200" cap="none" spc="0" normalizeH="0" baseline="0" noProof="0">
+              <a:ln>
+                <a:noFill/>
+              </a:ln>
+              <a:solidFill>
+                <a:prstClr val="white"/>
+              </a:solidFill>
+              <a:effectLst/>
+              <a:uLnTx/>
+              <a:uFillTx/>
+              <a:latin typeface="Calibri" panose="020F0502020204030204"/>
+              <a:ea typeface="+mn-ea"/>
+              <a:cs typeface="+mn-cs"/>
+            </a:endParaRPr>
+          </a:p>
+        </p:txBody>
+      </p:sp>
+      <p:sp>
+        <p:nvSpPr>
           <p:cNvPr id="2" name="Title 1">
             <a:extLst>
               <a:ext uri="{FF2B5EF4-FFF2-40B4-BE49-F238E27FC236}">
@@ -10855,52 +10958,109 @@
         </p:nvSpPr>
         <p:spPr>
           <a:xfrm>
-            <a:off x="838199" y="510398"/>
-            <a:ext cx="10515600" cy="1111983"/>
-          </a:xfrm>
-        </p:spPr>
-        <p:txBody>
-          <a:bodyPr>
+            <a:off x="966952" y="1204108"/>
+            <a:ext cx="2669406" cy="1781175"/>
+          </a:xfrm>
+        </p:spPr>
+        <p:txBody>
+          <a:bodyPr vert="horz" lIns="91440" tIns="45720" rIns="91440" bIns="45720" rtlCol="0" anchor="ctr">
             <a:normAutofit/>
           </a:bodyPr>
           <a:lstStyle/>
           <a:p>
-            <a:pPr algn="ctr"/>
-            <a:r>
-              <a:rPr lang="en-AU" sz="3200" b="1" dirty="0">
-                <a:latin typeface="Gill Sans MT" panose="020B0502020104020203" pitchFamily="34" charset="77"/>
+            <a:r>
+              <a:rPr lang="en-US" sz="2200" b="1" kern="1200">
+                <a:solidFill>
+                  <a:srgbClr val="FFFFFF"/>
+                </a:solidFill>
+                <a:latin typeface="+mj-lt"/>
+                <a:ea typeface="+mj-ea"/>
+                <a:cs typeface="+mj-cs"/>
               </a:rPr>
               <a:t>Correlation between Unemployment and </a:t>
             </a:r>
             <a:br>
-              <a:rPr lang="en-AU" sz="3200" b="1" dirty="0">
-                <a:latin typeface="Gill Sans MT" panose="020B0502020104020203" pitchFamily="34" charset="77"/>
+              <a:rPr lang="en-US" sz="2200" b="1" kern="1200">
+                <a:solidFill>
+                  <a:srgbClr val="FFFFFF"/>
+                </a:solidFill>
+                <a:latin typeface="+mj-lt"/>
+                <a:ea typeface="+mj-ea"/>
+                <a:cs typeface="+mj-cs"/>
               </a:rPr>
             </a:br>
             <a:r>
-              <a:rPr lang="en-AU" sz="3200" b="1" dirty="0">
-                <a:latin typeface="Gill Sans MT" panose="020B0502020104020203" pitchFamily="34" charset="77"/>
+              <a:rPr lang="en-US" sz="2200" b="1" kern="1200">
+                <a:solidFill>
+                  <a:srgbClr val="FFFFFF"/>
+                </a:solidFill>
+                <a:latin typeface="+mj-lt"/>
+                <a:ea typeface="+mj-ea"/>
+                <a:cs typeface="+mj-cs"/>
               </a:rPr>
               <a:t>COVID cases in Australia in 2020</a:t>
             </a:r>
           </a:p>
         </p:txBody>
       </p:sp>
+      <p:sp>
+        <p:nvSpPr>
+          <p:cNvPr id="6" name="Content Placeholder 5">
+            <a:extLst>
+              <a:ext uri="{FF2B5EF4-FFF2-40B4-BE49-F238E27FC236}">
+                <a16:creationId xmlns:a16="http://schemas.microsoft.com/office/drawing/2014/main" id="{A3034C4D-FCBF-4128-8148-694158055DBC}"/>
+              </a:ext>
+            </a:extLst>
+          </p:cNvPr>
+          <p:cNvSpPr>
+            <a:spLocks noGrp="1"/>
+          </p:cNvSpPr>
+          <p:nvPr>
+            <p:ph sz="half" idx="2"/>
+          </p:nvPr>
+        </p:nvSpPr>
+        <p:spPr>
+          <a:xfrm>
+            <a:off x="966951" y="3355130"/>
+            <a:ext cx="2669407" cy="2427333"/>
+          </a:xfrm>
+        </p:spPr>
+        <p:txBody>
+          <a:bodyPr vert="horz" lIns="91440" tIns="45720" rIns="91440" bIns="45720" rtlCol="0">
+            <a:normAutofit/>
+          </a:bodyPr>
+          <a:lstStyle/>
+          <a:p>
+            <a:r>
+              <a:rPr lang="en-US" sz="1600" dirty="0"/>
+              <a:t>p-value is greater than 0.05</a:t>
+            </a:r>
+          </a:p>
+          <a:p>
+            <a:r>
+              <a:rPr lang="en-US" sz="1600"/>
+              <a:t>As result can’t reject Null hypothesis</a:t>
+            </a:r>
+          </a:p>
+          <a:p>
+            <a:pPr marL="0"/>
+            <a:endParaRPr lang="en-US" sz="1600" dirty="0"/>
+          </a:p>
+        </p:txBody>
+      </p:sp>
       <p:pic>
         <p:nvPicPr>
-          <p:cNvPr id="7" name="Content Placeholder 7">
-            <a:extLst>
-              <a:ext uri="{FF2B5EF4-FFF2-40B4-BE49-F238E27FC236}">
-                <a16:creationId xmlns:a16="http://schemas.microsoft.com/office/drawing/2014/main" id="{87BEBC25-BD52-4DE1-8F04-F339C1429ECA}"/>
+          <p:cNvPr id="4" name="Picture 3">
+            <a:extLst>
+              <a:ext uri="{FF2B5EF4-FFF2-40B4-BE49-F238E27FC236}">
+                <a16:creationId xmlns:a16="http://schemas.microsoft.com/office/drawing/2014/main" id="{B8B3CB02-07F9-495D-BBC6-163C01DE9092}"/>
               </a:ext>
             </a:extLst>
           </p:cNvPr>
           <p:cNvPicPr>
-            <a:picLocks noGrp="1" noChangeAspect="1"/>
+            <a:picLocks noChangeAspect="1"/>
           </p:cNvPicPr>
-          <p:nvPr>
-            <p:ph sz="half" idx="2"/>
-          </p:nvPr>
+          <p:nvPr/>
         </p:nvPicPr>
         <p:blipFill>
           <a:blip r:embed="rId3"/>
@@ -10910,8 +11070,8 @@
         </p:blipFill>
         <p:spPr>
           <a:xfrm>
-            <a:off x="3363715" y="1827064"/>
-            <a:ext cx="5464569" cy="3964546"/>
+            <a:off x="5242281" y="952500"/>
+            <a:ext cx="5743365" cy="4829963"/>
           </a:xfrm>
           <a:prstGeom prst="rect">
             <a:avLst/>
@@ -11167,6 +11327,14 @@
 <file path=ppt/slides/slide20.xml><?xml version="1.0" encoding="utf-8"?>
 <p:sld xmlns:a="http://schemas.openxmlformats.org/drawingml/2006/main" xmlns:r="http://schemas.openxmlformats.org/officeDocument/2006/relationships" xmlns:p="http://schemas.openxmlformats.org/presentationml/2006/main">
   <p:cSld>
+    <p:bg>
+      <p:bgPr>
+        <a:solidFill>
+          <a:schemeClr val="bg1"/>
+        </a:solidFill>
+        <a:effectLst/>
+      </p:bgPr>
+    </p:bg>
     <p:spTree>
       <p:nvGrpSpPr>
         <p:cNvPr id="1" name=""/>
@@ -11183,6 +11351,101 @@
       </p:grpSpPr>
       <p:sp>
         <p:nvSpPr>
+          <p:cNvPr id="11" name="Down Arrow 7">
+            <a:extLst>
+              <a:ext uri="{FF2B5EF4-FFF2-40B4-BE49-F238E27FC236}">
+                <a16:creationId xmlns:a16="http://schemas.microsoft.com/office/drawing/2014/main" id="{73DE2CFE-42F2-48F0-8706-5264E012B10C}"/>
+              </a:ext>
+              <a:ext uri="{C183D7F6-B498-43B3-948B-1728B52AA6E4}">
+                <adec:decorative xmlns:adec="http://schemas.microsoft.com/office/drawing/2017/decorative" val="1"/>
+              </a:ext>
+            </a:extLst>
+          </p:cNvPr>
+          <p:cNvSpPr>
+            <a:spLocks noGrp="1" noRot="1" noChangeAspect="1" noMove="1" noResize="1" noEditPoints="1" noAdjustHandles="1" noChangeArrowheads="1" noChangeShapeType="1" noTextEdit="1"/>
+          </p:cNvSpPr>
+          <p:nvPr>
+            <p:extLst>
+              <p:ext uri="{386F3935-93C4-4BCD-93E2-E3B085C9AB24}">
+                <p16:designElem xmlns:p16="http://schemas.microsoft.com/office/powerpoint/2015/main" val="1"/>
+              </p:ext>
+            </p:extLst>
+          </p:nvPr>
+        </p:nvSpPr>
+        <p:spPr>
+          <a:xfrm rot="16200000">
+            <a:off x="1288521" y="381403"/>
+            <a:ext cx="2200313" cy="3342508"/>
+          </a:xfrm>
+          <a:prstGeom prst="downArrow">
+            <a:avLst>
+              <a:gd name="adj1" fmla="val 100000"/>
+              <a:gd name="adj2" fmla="val 15788"/>
+            </a:avLst>
+          </a:prstGeom>
+          <a:solidFill>
+            <a:srgbClr val="404040"/>
+          </a:solidFill>
+          <a:ln w="53975">
+            <a:noFill/>
+          </a:ln>
+        </p:spPr>
+        <p:style>
+          <a:lnRef idx="2">
+            <a:schemeClr val="accent1">
+              <a:shade val="50000"/>
+            </a:schemeClr>
+          </a:lnRef>
+          <a:fillRef idx="1">
+            <a:schemeClr val="accent1"/>
+          </a:fillRef>
+          <a:effectRef idx="0">
+            <a:schemeClr val="accent1"/>
+          </a:effectRef>
+          <a:fontRef idx="minor">
+            <a:schemeClr val="lt1"/>
+          </a:fontRef>
+        </p:style>
+        <p:txBody>
+          <a:bodyPr rtlCol="0" anchor="ctr"/>
+          <a:lstStyle/>
+          <a:p>
+            <a:pPr marL="0" marR="0" lvl="0" indent="0" algn="ctr" defTabSz="914400" rtl="0" eaLnBrk="1" fontAlgn="auto" latinLnBrk="0" hangingPunct="1">
+              <a:lnSpc>
+                <a:spcPct val="100000"/>
+              </a:lnSpc>
+              <a:spcBef>
+                <a:spcPts val="0"/>
+              </a:spcBef>
+              <a:spcAft>
+                <a:spcPts val="0"/>
+              </a:spcAft>
+              <a:buClrTx/>
+              <a:buSzTx/>
+              <a:buFontTx/>
+              <a:buNone/>
+              <a:tabLst/>
+              <a:defRPr/>
+            </a:pPr>
+            <a:endParaRPr kumimoji="0" lang="en-US" sz="1800" b="0" i="0" u="none" strike="noStrike" kern="1200" cap="none" spc="0" normalizeH="0" baseline="0" noProof="0">
+              <a:ln>
+                <a:noFill/>
+              </a:ln>
+              <a:solidFill>
+                <a:prstClr val="white"/>
+              </a:solidFill>
+              <a:effectLst/>
+              <a:uLnTx/>
+              <a:uFillTx/>
+              <a:latin typeface="Calibri" panose="020F0502020204030204"/>
+              <a:ea typeface="+mn-ea"/>
+              <a:cs typeface="+mn-cs"/>
+            </a:endParaRPr>
+          </a:p>
+        </p:txBody>
+      </p:sp>
+      <p:sp>
+        <p:nvSpPr>
           <p:cNvPr id="2" name="Title 1">
             <a:extLst>
               <a:ext uri="{FF2B5EF4-FFF2-40B4-BE49-F238E27FC236}">
@@ -11197,50 +11460,130 @@
             <p:ph type="title"/>
           </p:nvPr>
         </p:nvSpPr>
-        <p:spPr/>
-        <p:txBody>
-          <a:bodyPr>
+        <p:spPr>
+          <a:xfrm>
+            <a:off x="966952" y="1204108"/>
+            <a:ext cx="2669406" cy="1781175"/>
+          </a:xfrm>
+        </p:spPr>
+        <p:txBody>
+          <a:bodyPr vert="horz" lIns="91440" tIns="45720" rIns="91440" bIns="45720" rtlCol="0" anchor="ctr">
             <a:normAutofit/>
           </a:bodyPr>
           <a:lstStyle/>
           <a:p>
-            <a:pPr algn="ctr"/>
-            <a:r>
-              <a:rPr lang="en-US" sz="3200" b="1" i="0" u="none" strike="noStrike" dirty="0">
+            <a:r>
+              <a:rPr lang="en-US" sz="2700" b="1" i="0" u="none" strike="noStrike" kern="1200">
+                <a:solidFill>
+                  <a:srgbClr val="FFFFFF"/>
+                </a:solidFill>
                 <a:effectLst/>
-                <a:latin typeface="Gill Sans MT" panose="020B0502020104020203" pitchFamily="34" charset="77"/>
-                <a:cs typeface="Calibri" panose="020F0502020204030204" pitchFamily="34" charset="0"/>
+                <a:latin typeface="+mj-lt"/>
+                <a:ea typeface="+mj-ea"/>
+                <a:cs typeface="+mj-cs"/>
               </a:rPr>
               <a:t>Job vacancies and COVID-19 case </a:t>
             </a:r>
             <a:br>
-              <a:rPr lang="en-US" sz="3200" b="1" i="0" u="none" strike="noStrike" dirty="0">
+              <a:rPr lang="en-US" sz="2700" b="1" i="0" u="none" strike="noStrike" kern="1200">
+                <a:solidFill>
+                  <a:srgbClr val="FFFFFF"/>
+                </a:solidFill>
                 <a:effectLst/>
-                <a:latin typeface="Gill Sans MT" panose="020B0502020104020203" pitchFamily="34" charset="77"/>
-                <a:cs typeface="Calibri" panose="020F0502020204030204" pitchFamily="34" charset="0"/>
+                <a:latin typeface="+mj-lt"/>
+                <a:ea typeface="+mj-ea"/>
+                <a:cs typeface="+mj-cs"/>
               </a:rPr>
             </a:br>
             <a:r>
-              <a:rPr lang="en-US" sz="3200" b="1" i="0" u="none" strike="noStrike" dirty="0">
+              <a:rPr lang="en-US" sz="2700" b="1" i="0" u="none" strike="noStrike" kern="1200">
+                <a:solidFill>
+                  <a:srgbClr val="FFFFFF"/>
+                </a:solidFill>
                 <a:effectLst/>
-                <a:latin typeface="Gill Sans MT" panose="020B0502020104020203" pitchFamily="34" charset="77"/>
-                <a:cs typeface="Calibri" panose="020F0502020204030204" pitchFamily="34" charset="0"/>
+                <a:latin typeface="+mj-lt"/>
+                <a:ea typeface="+mj-ea"/>
+                <a:cs typeface="+mj-cs"/>
               </a:rPr>
               <a:t>correlation in Australia</a:t>
             </a:r>
-            <a:endParaRPr lang="en-US" sz="3200" dirty="0">
-              <a:latin typeface="Gill Sans MT" panose="020B0502020104020203" pitchFamily="34" charset="77"/>
-              <a:cs typeface="Calibri" panose="020F0502020204030204" pitchFamily="34" charset="0"/>
+            <a:endParaRPr lang="en-US" sz="2700" kern="1200">
+              <a:solidFill>
+                <a:srgbClr val="FFFFFF"/>
+              </a:solidFill>
+              <a:latin typeface="+mj-lt"/>
+              <a:ea typeface="+mj-ea"/>
+              <a:cs typeface="+mj-cs"/>
             </a:endParaRPr>
+          </a:p>
+        </p:txBody>
+      </p:sp>
+      <p:sp>
+        <p:nvSpPr>
+          <p:cNvPr id="5" name="TextBox 4">
+            <a:extLst>
+              <a:ext uri="{FF2B5EF4-FFF2-40B4-BE49-F238E27FC236}">
+                <a16:creationId xmlns:a16="http://schemas.microsoft.com/office/drawing/2014/main" id="{3472E7FF-7A78-458B-8A90-B3B9D63CCFB4}"/>
+              </a:ext>
+            </a:extLst>
+          </p:cNvPr>
+          <p:cNvSpPr txBox="1"/>
+          <p:nvPr/>
+        </p:nvSpPr>
+        <p:spPr>
+          <a:xfrm>
+            <a:off x="966951" y="3355130"/>
+            <a:ext cx="2669407" cy="2427333"/>
+          </a:xfrm>
+          <a:prstGeom prst="rect">
+            <a:avLst/>
+          </a:prstGeom>
+        </p:spPr>
+        <p:txBody>
+          <a:bodyPr vert="horz" lIns="91440" tIns="45720" rIns="91440" bIns="45720" rtlCol="0">
+            <a:normAutofit/>
+          </a:bodyPr>
+          <a:lstStyle/>
+          <a:p>
+            <a:pPr marL="285750" indent="-228600">
+              <a:lnSpc>
+                <a:spcPct val="90000"/>
+              </a:lnSpc>
+              <a:spcAft>
+                <a:spcPts val="600"/>
+              </a:spcAft>
+              <a:buFont typeface="Arial" panose="020B0604020202020204" pitchFamily="34" charset="0"/>
+              <a:buChar char="•"/>
+            </a:pPr>
+            <a:r>
+              <a:rPr lang="en-US" sz="1600"/>
+              <a:t>p-value is greater than 0.05</a:t>
+            </a:r>
+          </a:p>
+          <a:p>
+            <a:pPr marL="285750" indent="-228600">
+              <a:lnSpc>
+                <a:spcPct val="90000"/>
+              </a:lnSpc>
+              <a:spcAft>
+                <a:spcPts val="600"/>
+              </a:spcAft>
+              <a:buFont typeface="Arial" panose="020B0604020202020204" pitchFamily="34" charset="0"/>
+              <a:buChar char="•"/>
+            </a:pPr>
+            <a:r>
+              <a:rPr lang="en-US" sz="1600"/>
+              <a:t>As result can’t reject Null hypothesis</a:t>
+            </a:r>
           </a:p>
         </p:txBody>
       </p:sp>
       <p:pic>
         <p:nvPicPr>
-          <p:cNvPr id="8" name="Content Placeholder 3">
-            <a:extLst>
-              <a:ext uri="{FF2B5EF4-FFF2-40B4-BE49-F238E27FC236}">
-                <a16:creationId xmlns:a16="http://schemas.microsoft.com/office/drawing/2014/main" id="{985EBDED-098E-4FBF-A25D-D5C32E83F4AD}"/>
+          <p:cNvPr id="6" name="Picture 5">
+            <a:extLst>
+              <a:ext uri="{FF2B5EF4-FFF2-40B4-BE49-F238E27FC236}">
+                <a16:creationId xmlns:a16="http://schemas.microsoft.com/office/drawing/2014/main" id="{5CB557ED-35B5-425B-A361-D402F73F4592}"/>
               </a:ext>
             </a:extLst>
           </p:cNvPr>
@@ -11257,8 +11600,8 @@
         </p:blipFill>
         <p:spPr>
           <a:xfrm>
-            <a:off x="3422908" y="1690688"/>
-            <a:ext cx="5081910" cy="4164486"/>
+            <a:off x="5362806" y="952500"/>
+            <a:ext cx="5502315" cy="4829963"/>
           </a:xfrm>
           <a:prstGeom prst="rect">
             <a:avLst/>
